--- a/Sem-5/OS/Theory/ch1.pptx 1ST OCT.pptx
+++ b/Sem-5/OS/Theory/ch1.pptx 1ST OCT.pptx
@@ -5,59 +5,59 @@
     <p:sldMasterId id="2147483648" r:id="rId1"/>
   </p:sldMasterIdLst>
   <p:notesMasterIdLst>
-    <p:notesMasterId r:id="rId4"/>
+    <p:notesMasterId r:id="rId46"/>
   </p:notesMasterIdLst>
   <p:handoutMasterIdLst>
-    <p:handoutMasterId r:id="rId48"/>
+    <p:handoutMasterId r:id="rId47"/>
   </p:handoutMasterIdLst>
   <p:sldIdLst>
-    <p:sldId id="330" r:id="rId3"/>
-    <p:sldId id="347" r:id="rId5"/>
-    <p:sldId id="348" r:id="rId6"/>
-    <p:sldId id="349" r:id="rId7"/>
-    <p:sldId id="350" r:id="rId8"/>
-    <p:sldId id="351" r:id="rId9"/>
-    <p:sldId id="352" r:id="rId10"/>
-    <p:sldId id="353" r:id="rId11"/>
-    <p:sldId id="354" r:id="rId12"/>
-    <p:sldId id="355" r:id="rId13"/>
-    <p:sldId id="356" r:id="rId14"/>
-    <p:sldId id="357" r:id="rId15"/>
-    <p:sldId id="358" r:id="rId16"/>
-    <p:sldId id="359" r:id="rId17"/>
-    <p:sldId id="361" r:id="rId18"/>
-    <p:sldId id="362" r:id="rId19"/>
-    <p:sldId id="363" r:id="rId20"/>
-    <p:sldId id="364" r:id="rId21"/>
-    <p:sldId id="365" r:id="rId22"/>
-    <p:sldId id="367" r:id="rId23"/>
-    <p:sldId id="368" r:id="rId24"/>
-    <p:sldId id="372" r:id="rId25"/>
-    <p:sldId id="373" r:id="rId26"/>
-    <p:sldId id="374" r:id="rId27"/>
-    <p:sldId id="375" r:id="rId28"/>
-    <p:sldId id="377" r:id="rId29"/>
-    <p:sldId id="378" r:id="rId30"/>
-    <p:sldId id="379" r:id="rId31"/>
-    <p:sldId id="380" r:id="rId32"/>
-    <p:sldId id="381" r:id="rId33"/>
-    <p:sldId id="383" r:id="rId34"/>
-    <p:sldId id="384" r:id="rId35"/>
-    <p:sldId id="385" r:id="rId36"/>
-    <p:sldId id="397" r:id="rId37"/>
-    <p:sldId id="389" r:id="rId38"/>
-    <p:sldId id="390" r:id="rId39"/>
-    <p:sldId id="391" r:id="rId40"/>
-    <p:sldId id="399" r:id="rId41"/>
-    <p:sldId id="400" r:id="rId42"/>
-    <p:sldId id="401" r:id="rId43"/>
-    <p:sldId id="402" r:id="rId44"/>
-    <p:sldId id="387" r:id="rId45"/>
-    <p:sldId id="392" r:id="rId46"/>
-    <p:sldId id="331" r:id="rId47"/>
+    <p:sldId id="330" r:id="rId2"/>
+    <p:sldId id="347" r:id="rId3"/>
+    <p:sldId id="348" r:id="rId4"/>
+    <p:sldId id="349" r:id="rId5"/>
+    <p:sldId id="350" r:id="rId6"/>
+    <p:sldId id="351" r:id="rId7"/>
+    <p:sldId id="352" r:id="rId8"/>
+    <p:sldId id="353" r:id="rId9"/>
+    <p:sldId id="354" r:id="rId10"/>
+    <p:sldId id="355" r:id="rId11"/>
+    <p:sldId id="356" r:id="rId12"/>
+    <p:sldId id="357" r:id="rId13"/>
+    <p:sldId id="358" r:id="rId14"/>
+    <p:sldId id="359" r:id="rId15"/>
+    <p:sldId id="361" r:id="rId16"/>
+    <p:sldId id="362" r:id="rId17"/>
+    <p:sldId id="363" r:id="rId18"/>
+    <p:sldId id="364" r:id="rId19"/>
+    <p:sldId id="365" r:id="rId20"/>
+    <p:sldId id="367" r:id="rId21"/>
+    <p:sldId id="368" r:id="rId22"/>
+    <p:sldId id="372" r:id="rId23"/>
+    <p:sldId id="373" r:id="rId24"/>
+    <p:sldId id="374" r:id="rId25"/>
+    <p:sldId id="375" r:id="rId26"/>
+    <p:sldId id="377" r:id="rId27"/>
+    <p:sldId id="378" r:id="rId28"/>
+    <p:sldId id="379" r:id="rId29"/>
+    <p:sldId id="380" r:id="rId30"/>
+    <p:sldId id="381" r:id="rId31"/>
+    <p:sldId id="383" r:id="rId32"/>
+    <p:sldId id="384" r:id="rId33"/>
+    <p:sldId id="385" r:id="rId34"/>
+    <p:sldId id="397" r:id="rId35"/>
+    <p:sldId id="389" r:id="rId36"/>
+    <p:sldId id="390" r:id="rId37"/>
+    <p:sldId id="391" r:id="rId38"/>
+    <p:sldId id="399" r:id="rId39"/>
+    <p:sldId id="400" r:id="rId40"/>
+    <p:sldId id="401" r:id="rId41"/>
+    <p:sldId id="402" r:id="rId42"/>
+    <p:sldId id="387" r:id="rId43"/>
+    <p:sldId id="392" r:id="rId44"/>
+    <p:sldId id="331" r:id="rId45"/>
   </p:sldIdLst>
   <p:sldSz cx="9144000" cy="6858000" type="screen4x3"/>
-  <p:notesSz cx="6882130" cy="9296400"/>
+  <p:notesSz cx="6881813" cy="9296400"/>
   <p:defaultTextStyle>
     <a:defPPr>
       <a:defRPr lang="en-US"/>
@@ -279,7 +279,14 @@
         <p:cNvGrpSpPr/>
         <p:nvPr/>
       </p:nvGrpSpPr>
-      <p:grpSpPr/>
+      <p:grpSpPr>
+        <a:xfrm>
+          <a:off x="0" y="0"/>
+          <a:ext cx="0" cy="0"/>
+          <a:chOff x="0" y="0"/>
+          <a:chExt cx="0" cy="0"/>
+        </a:xfrm>
+      </p:grpSpPr>
       <p:sp>
         <p:nvSpPr>
           <p:cNvPr id="46082" name="Rectangle 2"/>
@@ -513,6 +520,7 @@
         </p:spPr>
         <p:txBody>
           <a:bodyPr vert="horz" wrap="none" lIns="87575" tIns="43788" rIns="87575" bIns="43788" numCol="1" anchor="b" anchorCtr="0" compatLnSpc="1"/>
+          <a:lstStyle/>
           <a:p>
             <a:pPr lvl="0" algn="r" defTabSz="876300">
               <a:buNone/>
@@ -521,6 +529,7 @@
               <a:rPr lang="en-US" sz="1100" dirty="0">
                 <a:latin typeface="Helvetica" pitchFamily="-84" charset="0"/>
               </a:rPr>
+              <a:t>‹#›</a:t>
             </a:fld>
             <a:endParaRPr lang="en-US" sz="1100" dirty="0">
               <a:latin typeface="Helvetica" pitchFamily="-84" charset="0"/>
@@ -529,6 +538,11 @@
         </p:txBody>
       </p:sp>
     </p:spTree>
+    <p:extLst>
+      <p:ext uri="{BB962C8B-B14F-4D97-AF65-F5344CB8AC3E}">
+        <p14:creationId xmlns:p14="http://schemas.microsoft.com/office/powerpoint/2010/main" val="1"/>
+      </p:ext>
+    </p:extLst>
   </p:cSld>
   <p:clrMap bg1="lt1" tx1="dk1" bg2="lt2" tx2="dk2" accent1="accent1" accent2="accent2" accent3="accent3" accent4="accent4" accent5="accent5" accent6="accent6" hlink="hlink" folHlink="folHlink"/>
 </p:handoutMaster>
@@ -551,7 +565,14 @@
         <p:cNvGrpSpPr/>
         <p:nvPr/>
       </p:nvGrpSpPr>
-      <p:grpSpPr/>
+      <p:grpSpPr>
+        <a:xfrm>
+          <a:off x="0" y="0"/>
+          <a:ext cx="0" cy="0"/>
+          <a:chOff x="0" y="0"/>
+          <a:chExt cx="0" cy="0"/>
+        </a:xfrm>
+      </p:grpSpPr>
       <p:sp>
         <p:nvSpPr>
           <p:cNvPr id="6146" name="Rectangle 2"/>
@@ -694,7 +715,7 @@
         <p:nvSpPr>
           <p:cNvPr id="61444" name="Rectangle 4"/>
           <p:cNvSpPr>
-            <a:spLocks noTextEdit="1"/>
+            <a:spLocks noGrp="1" noRot="1" noChangeAspect="1" noTextEdit="1"/>
           </p:cNvSpPr>
           <p:nvPr>
             <p:ph type="sldImg" idx="2"/>
@@ -781,20 +802,6 @@
               </a:rPr>
               <a:t>Click to edit Master text styles</a:t>
             </a:r>
-            <a:endParaRPr kumimoji="0" lang="en-US" sz="1200" b="0" i="0" u="none" strike="noStrike" kern="1200" cap="none" spc="0" normalizeH="0" baseline="0" noProof="0">
-              <a:ln>
-                <a:noFill/>
-              </a:ln>
-              <a:solidFill>
-                <a:schemeClr val="tx1"/>
-              </a:solidFill>
-              <a:effectLst/>
-              <a:uLnTx/>
-              <a:uFillTx/>
-              <a:latin typeface="Times New Roman" panose="02020603050405020304" pitchFamily="18" charset="0"/>
-              <a:ea typeface="MS PGothic" panose="020B0600070205080204" pitchFamily="34" charset="-128"/>
-              <a:cs typeface="MS PGothic" panose="020B0600070205080204" pitchFamily="34" charset="-128"/>
-            </a:endParaRPr>
           </a:p>
           <a:p>
             <a:pPr marL="457200" marR="0" lvl="1" indent="0" algn="l" defTabSz="914400" rtl="0" eaLnBrk="0" fontAlgn="base" latinLnBrk="0" hangingPunct="0">
@@ -830,20 +837,6 @@
               </a:rPr>
               <a:t>Second level</a:t>
             </a:r>
-            <a:endParaRPr kumimoji="0" lang="en-US" sz="1200" b="0" i="0" u="none" strike="noStrike" kern="1200" cap="none" spc="0" normalizeH="0" baseline="0" noProof="0">
-              <a:ln>
-                <a:noFill/>
-              </a:ln>
-              <a:solidFill>
-                <a:schemeClr val="tx1"/>
-              </a:solidFill>
-              <a:effectLst/>
-              <a:uLnTx/>
-              <a:uFillTx/>
-              <a:latin typeface="Times New Roman" panose="02020603050405020304" pitchFamily="18" charset="0"/>
-              <a:ea typeface="MS PGothic" panose="020B0600070205080204" pitchFamily="34" charset="-128"/>
-              <a:cs typeface="+mn-cs"/>
-            </a:endParaRPr>
           </a:p>
           <a:p>
             <a:pPr marL="914400" marR="0" lvl="2" indent="0" algn="l" defTabSz="914400" rtl="0" eaLnBrk="0" fontAlgn="base" latinLnBrk="0" hangingPunct="0">
@@ -879,20 +872,6 @@
               </a:rPr>
               <a:t>Third level</a:t>
             </a:r>
-            <a:endParaRPr kumimoji="0" lang="en-US" sz="1200" b="0" i="0" u="none" strike="noStrike" kern="1200" cap="none" spc="0" normalizeH="0" baseline="0" noProof="0">
-              <a:ln>
-                <a:noFill/>
-              </a:ln>
-              <a:solidFill>
-                <a:schemeClr val="tx1"/>
-              </a:solidFill>
-              <a:effectLst/>
-              <a:uLnTx/>
-              <a:uFillTx/>
-              <a:latin typeface="Times New Roman" panose="02020603050405020304" pitchFamily="18" charset="0"/>
-              <a:ea typeface="MS PGothic" panose="020B0600070205080204" pitchFamily="34" charset="-128"/>
-              <a:cs typeface="+mn-cs"/>
-            </a:endParaRPr>
           </a:p>
           <a:p>
             <a:pPr marL="1371600" marR="0" lvl="3" indent="0" algn="l" defTabSz="914400" rtl="0" eaLnBrk="0" fontAlgn="base" latinLnBrk="0" hangingPunct="0">
@@ -928,20 +907,6 @@
               </a:rPr>
               <a:t>Fourth level</a:t>
             </a:r>
-            <a:endParaRPr kumimoji="0" lang="en-US" sz="1200" b="0" i="0" u="none" strike="noStrike" kern="1200" cap="none" spc="0" normalizeH="0" baseline="0" noProof="0">
-              <a:ln>
-                <a:noFill/>
-              </a:ln>
-              <a:solidFill>
-                <a:schemeClr val="tx1"/>
-              </a:solidFill>
-              <a:effectLst/>
-              <a:uLnTx/>
-              <a:uFillTx/>
-              <a:latin typeface="Times New Roman" panose="02020603050405020304" pitchFamily="18" charset="0"/>
-              <a:ea typeface="MS PGothic" panose="020B0600070205080204" pitchFamily="34" charset="-128"/>
-              <a:cs typeface="+mn-cs"/>
-            </a:endParaRPr>
           </a:p>
           <a:p>
             <a:pPr marL="1828800" marR="0" lvl="4" indent="0" algn="l" defTabSz="914400" rtl="0" eaLnBrk="0" fontAlgn="base" latinLnBrk="0" hangingPunct="0">
@@ -977,20 +942,6 @@
               </a:rPr>
               <a:t>Fifth level</a:t>
             </a:r>
-            <a:endParaRPr kumimoji="0" lang="en-US" sz="1200" b="0" i="0" u="none" strike="noStrike" kern="1200" cap="none" spc="0" normalizeH="0" baseline="0" noProof="0">
-              <a:ln>
-                <a:noFill/>
-              </a:ln>
-              <a:solidFill>
-                <a:schemeClr val="tx1"/>
-              </a:solidFill>
-              <a:effectLst/>
-              <a:uLnTx/>
-              <a:uFillTx/>
-              <a:latin typeface="Times New Roman" panose="02020603050405020304" pitchFamily="18" charset="0"/>
-              <a:ea typeface="MS PGothic" panose="020B0600070205080204" pitchFamily="34" charset="-128"/>
-              <a:cs typeface="+mn-cs"/>
-            </a:endParaRPr>
           </a:p>
         </p:txBody>
       </p:sp>
@@ -1089,6 +1040,7 @@
         </p:spPr>
         <p:txBody>
           <a:bodyPr vert="horz" wrap="none" lIns="92436" tIns="46217" rIns="92436" bIns="46217" numCol="1" anchor="b" anchorCtr="0" compatLnSpc="1"/>
+          <a:lstStyle/>
           <a:p>
             <a:pPr lvl="0" algn="r" defTabSz="923925">
               <a:buNone/>
@@ -1097,6 +1049,7 @@
               <a:rPr lang="en-US" sz="1200" dirty="0">
                 <a:latin typeface="Times New Roman" panose="02020603050405020304" pitchFamily="18" charset="0"/>
               </a:rPr>
+              <a:t>‹#›</a:t>
             </a:fld>
             <a:endParaRPr lang="en-US" sz="1200" dirty="0">
               <a:latin typeface="Times New Roman" panose="02020603050405020304" pitchFamily="18" charset="0"/>
@@ -1242,7 +1195,14 @@
         <p:cNvGrpSpPr/>
         <p:nvPr/>
       </p:nvGrpSpPr>
-      <p:grpSpPr/>
+      <p:grpSpPr>
+        <a:xfrm>
+          <a:off x="0" y="0"/>
+          <a:ext cx="0" cy="0"/>
+          <a:chOff x="0" y="0"/>
+          <a:chExt cx="0" cy="0"/>
+        </a:xfrm>
+      </p:grpSpPr>
       <p:sp>
         <p:nvSpPr>
           <p:cNvPr id="62466" name="Rectangle 7"/>
@@ -1268,12 +1228,14 @@
         </p:spPr>
         <p:txBody>
           <a:bodyPr wrap="none" lIns="92436" tIns="46217" rIns="92436" bIns="46217" anchor="b" anchorCtr="0"/>
+          <a:lstStyle/>
           <a:p>
             <a:pPr lvl="0" algn="r" defTabSz="923925"/>
             <a:fld id="{9A0DB2DC-4C9A-4742-B13C-FB6460FD3503}" type="slidenum">
               <a:rPr lang="en-US" sz="1200" dirty="0">
                 <a:latin typeface="Times New Roman" panose="02020603050405020304" pitchFamily="18" charset="0"/>
               </a:rPr>
+              <a:t>1</a:t>
             </a:fld>
             <a:endParaRPr lang="en-US" sz="1200" dirty="0">
               <a:latin typeface="Times New Roman" panose="02020603050405020304" pitchFamily="18" charset="0"/>
@@ -1285,7 +1247,7 @@
         <p:nvSpPr>
           <p:cNvPr id="62467" name="Rectangle 2"/>
           <p:cNvSpPr>
-            <a:spLocks noTextEdit="1"/>
+            <a:spLocks noGrp="1" noRot="1" noChangeAspect="1" noTextEdit="1"/>
           </p:cNvSpPr>
           <p:nvPr>
             <p:ph type="sldImg"/>
@@ -1310,6 +1272,7 @@
         </p:spPr>
         <p:txBody>
           <a:bodyPr wrap="none" lIns="92436" tIns="46217" rIns="92436" bIns="46217" anchor="ctr" anchorCtr="0"/>
+          <a:lstStyle/>
           <a:p>
             <a:pPr lvl="0"/>
             <a:endParaRPr dirty="0"/>
@@ -1333,12 +1296,19 @@
         <p:cNvGrpSpPr/>
         <p:nvPr/>
       </p:nvGrpSpPr>
-      <p:grpSpPr/>
+      <p:grpSpPr>
+        <a:xfrm>
+          <a:off x="0" y="0"/>
+          <a:ext cx="0" cy="0"/>
+          <a:chOff x="0" y="0"/>
+          <a:chExt cx="0" cy="0"/>
+        </a:xfrm>
+      </p:grpSpPr>
       <p:sp>
         <p:nvSpPr>
           <p:cNvPr id="71682" name="Rectangle 2"/>
           <p:cNvSpPr>
-            <a:spLocks noRot="1" noTextEdit="1"/>
+            <a:spLocks noGrp="1" noRot="1" noChangeAspect="1" noTextEdit="1"/>
           </p:cNvSpPr>
           <p:nvPr>
             <p:ph type="sldImg"/>
@@ -1371,6 +1341,7 @@
         </p:spPr>
         <p:txBody>
           <a:bodyPr wrap="square" lIns="92438" tIns="46219" rIns="92438" bIns="46219" anchor="t" anchorCtr="0"/>
+          <a:lstStyle/>
           <a:p>
             <a:pPr lvl="0"/>
             <a:endParaRPr dirty="0"/>
@@ -1394,12 +1365,19 @@
         <p:cNvGrpSpPr/>
         <p:nvPr/>
       </p:nvGrpSpPr>
-      <p:grpSpPr/>
+      <p:grpSpPr>
+        <a:xfrm>
+          <a:off x="0" y="0"/>
+          <a:ext cx="0" cy="0"/>
+          <a:chOff x="0" y="0"/>
+          <a:chExt cx="0" cy="0"/>
+        </a:xfrm>
+      </p:grpSpPr>
       <p:sp>
         <p:nvSpPr>
           <p:cNvPr id="72706" name="Rectangle 2"/>
           <p:cNvSpPr>
-            <a:spLocks noRot="1" noTextEdit="1"/>
+            <a:spLocks noGrp="1" noRot="1" noChangeAspect="1" noTextEdit="1"/>
           </p:cNvSpPr>
           <p:nvPr>
             <p:ph type="sldImg"/>
@@ -1432,6 +1410,7 @@
         </p:spPr>
         <p:txBody>
           <a:bodyPr wrap="square" lIns="92438" tIns="46219" rIns="92438" bIns="46219" anchor="t" anchorCtr="0"/>
+          <a:lstStyle/>
           <a:p>
             <a:pPr lvl="0"/>
             <a:endParaRPr dirty="0"/>
@@ -1455,12 +1434,19 @@
         <p:cNvGrpSpPr/>
         <p:nvPr/>
       </p:nvGrpSpPr>
-      <p:grpSpPr/>
+      <p:grpSpPr>
+        <a:xfrm>
+          <a:off x="0" y="0"/>
+          <a:ext cx="0" cy="0"/>
+          <a:chOff x="0" y="0"/>
+          <a:chExt cx="0" cy="0"/>
+        </a:xfrm>
+      </p:grpSpPr>
       <p:sp>
         <p:nvSpPr>
           <p:cNvPr id="73730" name="Rectangle 2"/>
           <p:cNvSpPr>
-            <a:spLocks noRot="1" noTextEdit="1"/>
+            <a:spLocks noGrp="1" noRot="1" noChangeAspect="1" noTextEdit="1"/>
           </p:cNvSpPr>
           <p:nvPr>
             <p:ph type="sldImg"/>
@@ -1493,6 +1479,7 @@
         </p:spPr>
         <p:txBody>
           <a:bodyPr wrap="square" lIns="92438" tIns="46219" rIns="92438" bIns="46219" anchor="t" anchorCtr="0"/>
+          <a:lstStyle/>
           <a:p>
             <a:pPr lvl="0"/>
             <a:endParaRPr dirty="0"/>
@@ -1516,12 +1503,19 @@
         <p:cNvGrpSpPr/>
         <p:nvPr/>
       </p:nvGrpSpPr>
-      <p:grpSpPr/>
+      <p:grpSpPr>
+        <a:xfrm>
+          <a:off x="0" y="0"/>
+          <a:ext cx="0" cy="0"/>
+          <a:chOff x="0" y="0"/>
+          <a:chExt cx="0" cy="0"/>
+        </a:xfrm>
+      </p:grpSpPr>
       <p:sp>
         <p:nvSpPr>
           <p:cNvPr id="74754" name="Rectangle 2"/>
           <p:cNvSpPr>
-            <a:spLocks noRot="1" noTextEdit="1"/>
+            <a:spLocks noGrp="1" noRot="1" noChangeAspect="1" noTextEdit="1"/>
           </p:cNvSpPr>
           <p:nvPr>
             <p:ph type="sldImg"/>
@@ -1554,6 +1548,7 @@
         </p:spPr>
         <p:txBody>
           <a:bodyPr wrap="square" lIns="92438" tIns="46219" rIns="92438" bIns="46219" anchor="t" anchorCtr="0"/>
+          <a:lstStyle/>
           <a:p>
             <a:pPr lvl="0"/>
             <a:endParaRPr dirty="0"/>
@@ -1577,12 +1572,19 @@
         <p:cNvGrpSpPr/>
         <p:nvPr/>
       </p:nvGrpSpPr>
-      <p:grpSpPr/>
+      <p:grpSpPr>
+        <a:xfrm>
+          <a:off x="0" y="0"/>
+          <a:ext cx="0" cy="0"/>
+          <a:chOff x="0" y="0"/>
+          <a:chExt cx="0" cy="0"/>
+        </a:xfrm>
+      </p:grpSpPr>
       <p:sp>
         <p:nvSpPr>
           <p:cNvPr id="76802" name="Rectangle 2"/>
           <p:cNvSpPr>
-            <a:spLocks noRot="1" noTextEdit="1"/>
+            <a:spLocks noGrp="1" noRot="1" noChangeAspect="1" noTextEdit="1"/>
           </p:cNvSpPr>
           <p:nvPr>
             <p:ph type="sldImg"/>
@@ -1615,6 +1617,7 @@
         </p:spPr>
         <p:txBody>
           <a:bodyPr wrap="square" lIns="92438" tIns="46219" rIns="92438" bIns="46219" anchor="t" anchorCtr="0"/>
+          <a:lstStyle/>
           <a:p>
             <a:pPr lvl="0"/>
             <a:endParaRPr dirty="0"/>
@@ -1638,12 +1641,19 @@
         <p:cNvGrpSpPr/>
         <p:nvPr/>
       </p:nvGrpSpPr>
-      <p:grpSpPr/>
+      <p:grpSpPr>
+        <a:xfrm>
+          <a:off x="0" y="0"/>
+          <a:ext cx="0" cy="0"/>
+          <a:chOff x="0" y="0"/>
+          <a:chExt cx="0" cy="0"/>
+        </a:xfrm>
+      </p:grpSpPr>
       <p:sp>
         <p:nvSpPr>
           <p:cNvPr id="77826" name="Rectangle 2"/>
           <p:cNvSpPr>
-            <a:spLocks noRot="1" noTextEdit="1"/>
+            <a:spLocks noGrp="1" noRot="1" noChangeAspect="1" noTextEdit="1"/>
           </p:cNvSpPr>
           <p:nvPr>
             <p:ph type="sldImg"/>
@@ -1676,6 +1686,7 @@
         </p:spPr>
         <p:txBody>
           <a:bodyPr wrap="square" lIns="92438" tIns="46219" rIns="92438" bIns="46219" anchor="t" anchorCtr="0"/>
+          <a:lstStyle/>
           <a:p>
             <a:pPr lvl="0"/>
             <a:endParaRPr dirty="0"/>
@@ -1699,12 +1710,19 @@
         <p:cNvGrpSpPr/>
         <p:nvPr/>
       </p:nvGrpSpPr>
-      <p:grpSpPr/>
+      <p:grpSpPr>
+        <a:xfrm>
+          <a:off x="0" y="0"/>
+          <a:ext cx="0" cy="0"/>
+          <a:chOff x="0" y="0"/>
+          <a:chExt cx="0" cy="0"/>
+        </a:xfrm>
+      </p:grpSpPr>
       <p:sp>
         <p:nvSpPr>
           <p:cNvPr id="78850" name="Rectangle 2"/>
           <p:cNvSpPr>
-            <a:spLocks noRot="1" noTextEdit="1"/>
+            <a:spLocks noGrp="1" noRot="1" noChangeAspect="1" noTextEdit="1"/>
           </p:cNvSpPr>
           <p:nvPr>
             <p:ph type="sldImg"/>
@@ -1737,6 +1755,7 @@
         </p:spPr>
         <p:txBody>
           <a:bodyPr wrap="square" lIns="92438" tIns="46219" rIns="92438" bIns="46219" anchor="t" anchorCtr="0"/>
+          <a:lstStyle/>
           <a:p>
             <a:pPr lvl="0"/>
             <a:endParaRPr dirty="0"/>
@@ -1760,12 +1779,19 @@
         <p:cNvGrpSpPr/>
         <p:nvPr/>
       </p:nvGrpSpPr>
-      <p:grpSpPr/>
+      <p:grpSpPr>
+        <a:xfrm>
+          <a:off x="0" y="0"/>
+          <a:ext cx="0" cy="0"/>
+          <a:chOff x="0" y="0"/>
+          <a:chExt cx="0" cy="0"/>
+        </a:xfrm>
+      </p:grpSpPr>
       <p:sp>
         <p:nvSpPr>
           <p:cNvPr id="79874" name="Rectangle 2"/>
           <p:cNvSpPr>
-            <a:spLocks noRot="1" noTextEdit="1"/>
+            <a:spLocks noGrp="1" noRot="1" noChangeAspect="1" noTextEdit="1"/>
           </p:cNvSpPr>
           <p:nvPr>
             <p:ph type="sldImg"/>
@@ -1798,6 +1824,7 @@
         </p:spPr>
         <p:txBody>
           <a:bodyPr wrap="square" lIns="92438" tIns="46219" rIns="92438" bIns="46219" anchor="t" anchorCtr="0"/>
+          <a:lstStyle/>
           <a:p>
             <a:pPr lvl="0"/>
             <a:endParaRPr dirty="0"/>
@@ -1821,12 +1848,19 @@
         <p:cNvGrpSpPr/>
         <p:nvPr/>
       </p:nvGrpSpPr>
-      <p:grpSpPr/>
+      <p:grpSpPr>
+        <a:xfrm>
+          <a:off x="0" y="0"/>
+          <a:ext cx="0" cy="0"/>
+          <a:chOff x="0" y="0"/>
+          <a:chExt cx="0" cy="0"/>
+        </a:xfrm>
+      </p:grpSpPr>
       <p:sp>
         <p:nvSpPr>
           <p:cNvPr id="80898" name="Rectangle 2"/>
           <p:cNvSpPr>
-            <a:spLocks noRot="1" noTextEdit="1"/>
+            <a:spLocks noGrp="1" noRot="1" noChangeAspect="1" noTextEdit="1"/>
           </p:cNvSpPr>
           <p:nvPr>
             <p:ph type="sldImg"/>
@@ -1859,6 +1893,7 @@
         </p:spPr>
         <p:txBody>
           <a:bodyPr wrap="square" lIns="92438" tIns="46219" rIns="92438" bIns="46219" anchor="t" anchorCtr="0"/>
+          <a:lstStyle/>
           <a:p>
             <a:pPr lvl="0"/>
             <a:endParaRPr dirty="0"/>
@@ -1882,12 +1917,19 @@
         <p:cNvGrpSpPr/>
         <p:nvPr/>
       </p:nvGrpSpPr>
-      <p:grpSpPr/>
+      <p:grpSpPr>
+        <a:xfrm>
+          <a:off x="0" y="0"/>
+          <a:ext cx="0" cy="0"/>
+          <a:chOff x="0" y="0"/>
+          <a:chExt cx="0" cy="0"/>
+        </a:xfrm>
+      </p:grpSpPr>
       <p:sp>
         <p:nvSpPr>
           <p:cNvPr id="82946" name="Rectangle 2"/>
           <p:cNvSpPr>
-            <a:spLocks noRot="1" noTextEdit="1"/>
+            <a:spLocks noGrp="1" noRot="1" noChangeAspect="1" noTextEdit="1"/>
           </p:cNvSpPr>
           <p:nvPr>
             <p:ph type="sldImg"/>
@@ -1920,6 +1962,7 @@
         </p:spPr>
         <p:txBody>
           <a:bodyPr wrap="square" lIns="92438" tIns="46219" rIns="92438" bIns="46219" anchor="t" anchorCtr="0"/>
+          <a:lstStyle/>
           <a:p>
             <a:pPr lvl="0"/>
             <a:endParaRPr dirty="0"/>
@@ -1943,12 +1986,19 @@
         <p:cNvGrpSpPr/>
         <p:nvPr/>
       </p:nvGrpSpPr>
-      <p:grpSpPr/>
+      <p:grpSpPr>
+        <a:xfrm>
+          <a:off x="0" y="0"/>
+          <a:ext cx="0" cy="0"/>
+          <a:chOff x="0" y="0"/>
+          <a:chExt cx="0" cy="0"/>
+        </a:xfrm>
+      </p:grpSpPr>
       <p:sp>
         <p:nvSpPr>
           <p:cNvPr id="63490" name="Rectangle 2"/>
           <p:cNvSpPr>
-            <a:spLocks noRot="1" noTextEdit="1"/>
+            <a:spLocks noGrp="1" noRot="1" noChangeAspect="1" noTextEdit="1"/>
           </p:cNvSpPr>
           <p:nvPr>
             <p:ph type="sldImg"/>
@@ -1981,6 +2031,7 @@
         </p:spPr>
         <p:txBody>
           <a:bodyPr wrap="square" lIns="92438" tIns="46219" rIns="92438" bIns="46219" anchor="t" anchorCtr="0"/>
+          <a:lstStyle/>
           <a:p>
             <a:pPr lvl="0"/>
             <a:endParaRPr dirty="0"/>
@@ -2004,12 +2055,19 @@
         <p:cNvGrpSpPr/>
         <p:nvPr/>
       </p:nvGrpSpPr>
-      <p:grpSpPr/>
+      <p:grpSpPr>
+        <a:xfrm>
+          <a:off x="0" y="0"/>
+          <a:ext cx="0" cy="0"/>
+          <a:chOff x="0" y="0"/>
+          <a:chExt cx="0" cy="0"/>
+        </a:xfrm>
+      </p:grpSpPr>
       <p:sp>
         <p:nvSpPr>
           <p:cNvPr id="83970" name="Rectangle 2"/>
           <p:cNvSpPr>
-            <a:spLocks noRot="1" noTextEdit="1"/>
+            <a:spLocks noGrp="1" noRot="1" noChangeAspect="1" noTextEdit="1"/>
           </p:cNvSpPr>
           <p:nvPr>
             <p:ph type="sldImg"/>
@@ -2042,6 +2100,7 @@
         </p:spPr>
         <p:txBody>
           <a:bodyPr wrap="square" lIns="92438" tIns="46219" rIns="92438" bIns="46219" anchor="t" anchorCtr="0"/>
+          <a:lstStyle/>
           <a:p>
             <a:pPr lvl="0"/>
             <a:endParaRPr dirty="0"/>
@@ -2065,12 +2124,19 @@
         <p:cNvGrpSpPr/>
         <p:nvPr/>
       </p:nvGrpSpPr>
-      <p:grpSpPr/>
+      <p:grpSpPr>
+        <a:xfrm>
+          <a:off x="0" y="0"/>
+          <a:ext cx="0" cy="0"/>
+          <a:chOff x="0" y="0"/>
+          <a:chExt cx="0" cy="0"/>
+        </a:xfrm>
+      </p:grpSpPr>
       <p:sp>
         <p:nvSpPr>
           <p:cNvPr id="88066" name="Rectangle 2"/>
           <p:cNvSpPr>
-            <a:spLocks noRot="1" noTextEdit="1"/>
+            <a:spLocks noGrp="1" noRot="1" noChangeAspect="1" noTextEdit="1"/>
           </p:cNvSpPr>
           <p:nvPr>
             <p:ph type="sldImg"/>
@@ -2103,6 +2169,7 @@
         </p:spPr>
         <p:txBody>
           <a:bodyPr wrap="square" lIns="92438" tIns="46219" rIns="92438" bIns="46219" anchor="t" anchorCtr="0"/>
+          <a:lstStyle/>
           <a:p>
             <a:pPr lvl="0"/>
             <a:endParaRPr dirty="0"/>
@@ -2126,12 +2193,19 @@
         <p:cNvGrpSpPr/>
         <p:nvPr/>
       </p:nvGrpSpPr>
-      <p:grpSpPr/>
+      <p:grpSpPr>
+        <a:xfrm>
+          <a:off x="0" y="0"/>
+          <a:ext cx="0" cy="0"/>
+          <a:chOff x="0" y="0"/>
+          <a:chExt cx="0" cy="0"/>
+        </a:xfrm>
+      </p:grpSpPr>
       <p:sp>
         <p:nvSpPr>
           <p:cNvPr id="89090" name="Rectangle 2"/>
           <p:cNvSpPr>
-            <a:spLocks noRot="1" noTextEdit="1"/>
+            <a:spLocks noGrp="1" noRot="1" noChangeAspect="1" noTextEdit="1"/>
           </p:cNvSpPr>
           <p:nvPr>
             <p:ph type="sldImg"/>
@@ -2164,6 +2238,7 @@
         </p:spPr>
         <p:txBody>
           <a:bodyPr wrap="square" lIns="92438" tIns="46219" rIns="92438" bIns="46219" anchor="t" anchorCtr="0"/>
+          <a:lstStyle/>
           <a:p>
             <a:pPr lvl="0"/>
             <a:endParaRPr dirty="0"/>
@@ -2187,12 +2262,19 @@
         <p:cNvGrpSpPr/>
         <p:nvPr/>
       </p:nvGrpSpPr>
-      <p:grpSpPr/>
+      <p:grpSpPr>
+        <a:xfrm>
+          <a:off x="0" y="0"/>
+          <a:ext cx="0" cy="0"/>
+          <a:chOff x="0" y="0"/>
+          <a:chExt cx="0" cy="0"/>
+        </a:xfrm>
+      </p:grpSpPr>
       <p:sp>
         <p:nvSpPr>
           <p:cNvPr id="90114" name="Rectangle 2"/>
           <p:cNvSpPr>
-            <a:spLocks noRot="1" noTextEdit="1"/>
+            <a:spLocks noGrp="1" noRot="1" noChangeAspect="1" noTextEdit="1"/>
           </p:cNvSpPr>
           <p:nvPr>
             <p:ph type="sldImg"/>
@@ -2225,6 +2307,7 @@
         </p:spPr>
         <p:txBody>
           <a:bodyPr wrap="square" lIns="92438" tIns="46219" rIns="92438" bIns="46219" anchor="t" anchorCtr="0"/>
+          <a:lstStyle/>
           <a:p>
             <a:pPr lvl="0"/>
             <a:endParaRPr dirty="0"/>
@@ -2248,12 +2331,19 @@
         <p:cNvGrpSpPr/>
         <p:nvPr/>
       </p:nvGrpSpPr>
-      <p:grpSpPr/>
+      <p:grpSpPr>
+        <a:xfrm>
+          <a:off x="0" y="0"/>
+          <a:ext cx="0" cy="0"/>
+          <a:chOff x="0" y="0"/>
+          <a:chExt cx="0" cy="0"/>
+        </a:xfrm>
+      </p:grpSpPr>
       <p:sp>
         <p:nvSpPr>
           <p:cNvPr id="92162" name="Rectangle 2"/>
           <p:cNvSpPr>
-            <a:spLocks noRot="1" noTextEdit="1"/>
+            <a:spLocks noGrp="1" noRot="1" noChangeAspect="1" noTextEdit="1"/>
           </p:cNvSpPr>
           <p:nvPr>
             <p:ph type="sldImg"/>
@@ -2286,6 +2376,7 @@
         </p:spPr>
         <p:txBody>
           <a:bodyPr wrap="square" lIns="92438" tIns="46219" rIns="92438" bIns="46219" anchor="t" anchorCtr="0"/>
+          <a:lstStyle/>
           <a:p>
             <a:pPr lvl="0"/>
             <a:endParaRPr dirty="0"/>
@@ -2309,12 +2400,19 @@
         <p:cNvGrpSpPr/>
         <p:nvPr/>
       </p:nvGrpSpPr>
-      <p:grpSpPr/>
+      <p:grpSpPr>
+        <a:xfrm>
+          <a:off x="0" y="0"/>
+          <a:ext cx="0" cy="0"/>
+          <a:chOff x="0" y="0"/>
+          <a:chExt cx="0" cy="0"/>
+        </a:xfrm>
+      </p:grpSpPr>
       <p:sp>
         <p:nvSpPr>
           <p:cNvPr id="93186" name="Rectangle 2"/>
           <p:cNvSpPr>
-            <a:spLocks noRot="1" noTextEdit="1"/>
+            <a:spLocks noGrp="1" noRot="1" noChangeAspect="1" noTextEdit="1"/>
           </p:cNvSpPr>
           <p:nvPr>
             <p:ph type="sldImg"/>
@@ -2347,6 +2445,7 @@
         </p:spPr>
         <p:txBody>
           <a:bodyPr wrap="square" lIns="92438" tIns="46219" rIns="92438" bIns="46219" anchor="t" anchorCtr="0"/>
+          <a:lstStyle/>
           <a:p>
             <a:pPr lvl="0"/>
             <a:endParaRPr dirty="0"/>
@@ -2370,12 +2469,19 @@
         <p:cNvGrpSpPr/>
         <p:nvPr/>
       </p:nvGrpSpPr>
-      <p:grpSpPr/>
+      <p:grpSpPr>
+        <a:xfrm>
+          <a:off x="0" y="0"/>
+          <a:ext cx="0" cy="0"/>
+          <a:chOff x="0" y="0"/>
+          <a:chExt cx="0" cy="0"/>
+        </a:xfrm>
+      </p:grpSpPr>
       <p:sp>
         <p:nvSpPr>
           <p:cNvPr id="94210" name="Rectangle 2"/>
           <p:cNvSpPr>
-            <a:spLocks noRot="1" noTextEdit="1"/>
+            <a:spLocks noGrp="1" noRot="1" noChangeAspect="1" noTextEdit="1"/>
           </p:cNvSpPr>
           <p:nvPr>
             <p:ph type="sldImg"/>
@@ -2408,6 +2514,7 @@
         </p:spPr>
         <p:txBody>
           <a:bodyPr wrap="square" lIns="92438" tIns="46219" rIns="92438" bIns="46219" anchor="t" anchorCtr="0"/>
+          <a:lstStyle/>
           <a:p>
             <a:pPr lvl="0"/>
             <a:endParaRPr dirty="0"/>
@@ -2431,12 +2538,19 @@
         <p:cNvGrpSpPr/>
         <p:nvPr/>
       </p:nvGrpSpPr>
-      <p:grpSpPr/>
+      <p:grpSpPr>
+        <a:xfrm>
+          <a:off x="0" y="0"/>
+          <a:ext cx="0" cy="0"/>
+          <a:chOff x="0" y="0"/>
+          <a:chExt cx="0" cy="0"/>
+        </a:xfrm>
+      </p:grpSpPr>
       <p:sp>
         <p:nvSpPr>
           <p:cNvPr id="95234" name="Rectangle 2"/>
           <p:cNvSpPr>
-            <a:spLocks noRot="1" noTextEdit="1"/>
+            <a:spLocks noGrp="1" noRot="1" noChangeAspect="1" noTextEdit="1"/>
           </p:cNvSpPr>
           <p:nvPr>
             <p:ph type="sldImg"/>
@@ -2469,6 +2583,7 @@
         </p:spPr>
         <p:txBody>
           <a:bodyPr wrap="square" lIns="92438" tIns="46219" rIns="92438" bIns="46219" anchor="t" anchorCtr="0"/>
+          <a:lstStyle/>
           <a:p>
             <a:pPr lvl="0"/>
             <a:endParaRPr dirty="0"/>
@@ -2492,12 +2607,19 @@
         <p:cNvGrpSpPr/>
         <p:nvPr/>
       </p:nvGrpSpPr>
-      <p:grpSpPr/>
+      <p:grpSpPr>
+        <a:xfrm>
+          <a:off x="0" y="0"/>
+          <a:ext cx="0" cy="0"/>
+          <a:chOff x="0" y="0"/>
+          <a:chExt cx="0" cy="0"/>
+        </a:xfrm>
+      </p:grpSpPr>
       <p:sp>
         <p:nvSpPr>
           <p:cNvPr id="96258" name="Rectangle 2"/>
           <p:cNvSpPr>
-            <a:spLocks noRot="1" noTextEdit="1"/>
+            <a:spLocks noGrp="1" noRot="1" noChangeAspect="1" noTextEdit="1"/>
           </p:cNvSpPr>
           <p:nvPr>
             <p:ph type="sldImg"/>
@@ -2530,6 +2652,7 @@
         </p:spPr>
         <p:txBody>
           <a:bodyPr wrap="square" lIns="92438" tIns="46219" rIns="92438" bIns="46219" anchor="t" anchorCtr="0"/>
+          <a:lstStyle/>
           <a:p>
             <a:pPr lvl="0"/>
             <a:endParaRPr dirty="0"/>
@@ -2553,12 +2676,19 @@
         <p:cNvGrpSpPr/>
         <p:nvPr/>
       </p:nvGrpSpPr>
-      <p:grpSpPr/>
+      <p:grpSpPr>
+        <a:xfrm>
+          <a:off x="0" y="0"/>
+          <a:ext cx="0" cy="0"/>
+          <a:chOff x="0" y="0"/>
+          <a:chExt cx="0" cy="0"/>
+        </a:xfrm>
+      </p:grpSpPr>
       <p:sp>
         <p:nvSpPr>
           <p:cNvPr id="98306" name="Rectangle 2"/>
           <p:cNvSpPr>
-            <a:spLocks noRot="1" noTextEdit="1"/>
+            <a:spLocks noGrp="1" noRot="1" noChangeAspect="1" noTextEdit="1"/>
           </p:cNvSpPr>
           <p:nvPr>
             <p:ph type="sldImg"/>
@@ -2591,6 +2721,7 @@
         </p:spPr>
         <p:txBody>
           <a:bodyPr wrap="square" lIns="92438" tIns="46219" rIns="92438" bIns="46219" anchor="t" anchorCtr="0"/>
+          <a:lstStyle/>
           <a:p>
             <a:pPr lvl="0"/>
             <a:endParaRPr dirty="0"/>
@@ -2614,12 +2745,19 @@
         <p:cNvGrpSpPr/>
         <p:nvPr/>
       </p:nvGrpSpPr>
-      <p:grpSpPr/>
+      <p:grpSpPr>
+        <a:xfrm>
+          <a:off x="0" y="0"/>
+          <a:ext cx="0" cy="0"/>
+          <a:chOff x="0" y="0"/>
+          <a:chExt cx="0" cy="0"/>
+        </a:xfrm>
+      </p:grpSpPr>
       <p:sp>
         <p:nvSpPr>
           <p:cNvPr id="64514" name="Rectangle 2"/>
           <p:cNvSpPr>
-            <a:spLocks noRot="1" noTextEdit="1"/>
+            <a:spLocks noGrp="1" noRot="1" noChangeAspect="1" noTextEdit="1"/>
           </p:cNvSpPr>
           <p:nvPr>
             <p:ph type="sldImg"/>
@@ -2652,6 +2790,7 @@
         </p:spPr>
         <p:txBody>
           <a:bodyPr wrap="square" lIns="92438" tIns="46219" rIns="92438" bIns="46219" anchor="t" anchorCtr="0"/>
+          <a:lstStyle/>
           <a:p>
             <a:pPr lvl="0"/>
             <a:endParaRPr dirty="0"/>
@@ -2675,12 +2814,19 @@
         <p:cNvGrpSpPr/>
         <p:nvPr/>
       </p:nvGrpSpPr>
-      <p:grpSpPr/>
+      <p:grpSpPr>
+        <a:xfrm>
+          <a:off x="0" y="0"/>
+          <a:ext cx="0" cy="0"/>
+          <a:chOff x="0" y="0"/>
+          <a:chExt cx="0" cy="0"/>
+        </a:xfrm>
+      </p:grpSpPr>
       <p:sp>
         <p:nvSpPr>
           <p:cNvPr id="99330" name="Rectangle 2"/>
           <p:cNvSpPr>
-            <a:spLocks noRot="1" noTextEdit="1"/>
+            <a:spLocks noGrp="1" noRot="1" noChangeAspect="1" noTextEdit="1"/>
           </p:cNvSpPr>
           <p:nvPr>
             <p:ph type="sldImg"/>
@@ -2713,6 +2859,7 @@
         </p:spPr>
         <p:txBody>
           <a:bodyPr wrap="square" lIns="92438" tIns="46219" rIns="92438" bIns="46219" anchor="t" anchorCtr="0"/>
+          <a:lstStyle/>
           <a:p>
             <a:pPr lvl="0"/>
             <a:endParaRPr dirty="0"/>
@@ -2736,12 +2883,19 @@
         <p:cNvGrpSpPr/>
         <p:nvPr/>
       </p:nvGrpSpPr>
-      <p:grpSpPr/>
+      <p:grpSpPr>
+        <a:xfrm>
+          <a:off x="0" y="0"/>
+          <a:ext cx="0" cy="0"/>
+          <a:chOff x="0" y="0"/>
+          <a:chExt cx="0" cy="0"/>
+        </a:xfrm>
+      </p:grpSpPr>
       <p:sp>
         <p:nvSpPr>
           <p:cNvPr id="100354" name="Rectangle 2"/>
           <p:cNvSpPr>
-            <a:spLocks noRot="1" noTextEdit="1"/>
+            <a:spLocks noGrp="1" noRot="1" noChangeAspect="1" noTextEdit="1"/>
           </p:cNvSpPr>
           <p:nvPr>
             <p:ph type="sldImg"/>
@@ -2774,6 +2928,7 @@
         </p:spPr>
         <p:txBody>
           <a:bodyPr wrap="square" lIns="92438" tIns="46219" rIns="92438" bIns="46219" anchor="t" anchorCtr="0"/>
+          <a:lstStyle/>
           <a:p>
             <a:pPr lvl="0"/>
             <a:endParaRPr dirty="0"/>
@@ -2797,12 +2952,19 @@
         <p:cNvGrpSpPr/>
         <p:nvPr/>
       </p:nvGrpSpPr>
-      <p:grpSpPr/>
+      <p:grpSpPr>
+        <a:xfrm>
+          <a:off x="0" y="0"/>
+          <a:ext cx="0" cy="0"/>
+          <a:chOff x="0" y="0"/>
+          <a:chExt cx="0" cy="0"/>
+        </a:xfrm>
+      </p:grpSpPr>
       <p:sp>
         <p:nvSpPr>
           <p:cNvPr id="101378" name="Rectangle 2"/>
           <p:cNvSpPr>
-            <a:spLocks noRot="1" noTextEdit="1"/>
+            <a:spLocks noGrp="1" noRot="1" noChangeAspect="1" noTextEdit="1"/>
           </p:cNvSpPr>
           <p:nvPr>
             <p:ph type="sldImg"/>
@@ -2835,6 +2997,7 @@
         </p:spPr>
         <p:txBody>
           <a:bodyPr wrap="square" lIns="92438" tIns="46219" rIns="92438" bIns="46219" anchor="t" anchorCtr="0"/>
+          <a:lstStyle/>
           <a:p>
             <a:pPr lvl="0"/>
             <a:endParaRPr dirty="0"/>
@@ -2858,12 +3021,19 @@
         <p:cNvGrpSpPr/>
         <p:nvPr/>
       </p:nvGrpSpPr>
-      <p:grpSpPr/>
+      <p:grpSpPr>
+        <a:xfrm>
+          <a:off x="0" y="0"/>
+          <a:ext cx="0" cy="0"/>
+          <a:chOff x="0" y="0"/>
+          <a:chExt cx="0" cy="0"/>
+        </a:xfrm>
+      </p:grpSpPr>
       <p:sp>
         <p:nvSpPr>
           <p:cNvPr id="102402" name="Rectangle 2"/>
           <p:cNvSpPr>
-            <a:spLocks noRot="1" noTextEdit="1"/>
+            <a:spLocks noGrp="1" noRot="1" noChangeAspect="1" noTextEdit="1"/>
           </p:cNvSpPr>
           <p:nvPr>
             <p:ph type="sldImg"/>
@@ -2896,6 +3066,7 @@
         </p:spPr>
         <p:txBody>
           <a:bodyPr wrap="square" lIns="92438" tIns="46219" rIns="92438" bIns="46219" anchor="t" anchorCtr="0"/>
+          <a:lstStyle/>
           <a:p>
             <a:pPr lvl="0"/>
             <a:endParaRPr dirty="0"/>
@@ -2919,12 +3090,19 @@
         <p:cNvGrpSpPr/>
         <p:nvPr/>
       </p:nvGrpSpPr>
-      <p:grpSpPr/>
+      <p:grpSpPr>
+        <a:xfrm>
+          <a:off x="0" y="0"/>
+          <a:ext cx="0" cy="0"/>
+          <a:chOff x="0" y="0"/>
+          <a:chExt cx="0" cy="0"/>
+        </a:xfrm>
+      </p:grpSpPr>
       <p:sp>
         <p:nvSpPr>
           <p:cNvPr id="103426" name="Rectangle 2"/>
           <p:cNvSpPr>
-            <a:spLocks noRot="1" noTextEdit="1"/>
+            <a:spLocks noGrp="1" noRot="1" noChangeAspect="1" noTextEdit="1"/>
           </p:cNvSpPr>
           <p:nvPr>
             <p:ph type="sldImg"/>
@@ -2957,6 +3135,7 @@
         </p:spPr>
         <p:txBody>
           <a:bodyPr wrap="square" lIns="92438" tIns="46219" rIns="92438" bIns="46219" anchor="t" anchorCtr="0"/>
+          <a:lstStyle/>
           <a:p>
             <a:pPr lvl="0"/>
             <a:endParaRPr dirty="0"/>
@@ -2980,12 +3159,19 @@
         <p:cNvGrpSpPr/>
         <p:nvPr/>
       </p:nvGrpSpPr>
-      <p:grpSpPr/>
+      <p:grpSpPr>
+        <a:xfrm>
+          <a:off x="0" y="0"/>
+          <a:ext cx="0" cy="0"/>
+          <a:chOff x="0" y="0"/>
+          <a:chExt cx="0" cy="0"/>
+        </a:xfrm>
+      </p:grpSpPr>
       <p:sp>
         <p:nvSpPr>
           <p:cNvPr id="104450" name="Rectangle 2"/>
           <p:cNvSpPr>
-            <a:spLocks noRot="1" noTextEdit="1"/>
+            <a:spLocks noGrp="1" noRot="1" noChangeAspect="1" noTextEdit="1"/>
           </p:cNvSpPr>
           <p:nvPr>
             <p:ph type="sldImg"/>
@@ -3018,6 +3204,7 @@
         </p:spPr>
         <p:txBody>
           <a:bodyPr wrap="square" lIns="92438" tIns="46219" rIns="92438" bIns="46219" anchor="t" anchorCtr="0"/>
+          <a:lstStyle/>
           <a:p>
             <a:pPr lvl="0"/>
             <a:endParaRPr dirty="0"/>
@@ -3041,12 +3228,19 @@
         <p:cNvGrpSpPr/>
         <p:nvPr/>
       </p:nvGrpSpPr>
-      <p:grpSpPr/>
+      <p:grpSpPr>
+        <a:xfrm>
+          <a:off x="0" y="0"/>
+          <a:ext cx="0" cy="0"/>
+          <a:chOff x="0" y="0"/>
+          <a:chExt cx="0" cy="0"/>
+        </a:xfrm>
+      </p:grpSpPr>
       <p:sp>
         <p:nvSpPr>
           <p:cNvPr id="105474" name="Rectangle 2"/>
           <p:cNvSpPr>
-            <a:spLocks noRot="1" noTextEdit="1"/>
+            <a:spLocks noGrp="1" noRot="1" noChangeAspect="1" noTextEdit="1"/>
           </p:cNvSpPr>
           <p:nvPr>
             <p:ph type="sldImg"/>
@@ -3079,6 +3273,7 @@
         </p:spPr>
         <p:txBody>
           <a:bodyPr wrap="square" lIns="92438" tIns="46219" rIns="92438" bIns="46219" anchor="t" anchorCtr="0"/>
+          <a:lstStyle/>
           <a:p>
             <a:pPr lvl="0"/>
             <a:endParaRPr dirty="0"/>
@@ -3102,12 +3297,19 @@
         <p:cNvGrpSpPr/>
         <p:nvPr/>
       </p:nvGrpSpPr>
-      <p:grpSpPr/>
+      <p:grpSpPr>
+        <a:xfrm>
+          <a:off x="0" y="0"/>
+          <a:ext cx="0" cy="0"/>
+          <a:chOff x="0" y="0"/>
+          <a:chExt cx="0" cy="0"/>
+        </a:xfrm>
+      </p:grpSpPr>
       <p:sp>
         <p:nvSpPr>
           <p:cNvPr id="106498" name="Rectangle 2"/>
           <p:cNvSpPr>
-            <a:spLocks noRot="1" noTextEdit="1"/>
+            <a:spLocks noGrp="1" noRot="1" noChangeAspect="1" noTextEdit="1"/>
           </p:cNvSpPr>
           <p:nvPr>
             <p:ph type="sldImg"/>
@@ -3140,6 +3342,7 @@
         </p:spPr>
         <p:txBody>
           <a:bodyPr wrap="square" lIns="92438" tIns="46219" rIns="92438" bIns="46219" anchor="t" anchorCtr="0"/>
+          <a:lstStyle/>
           <a:p>
             <a:pPr lvl="0"/>
             <a:endParaRPr dirty="0"/>
@@ -3163,12 +3366,19 @@
         <p:cNvGrpSpPr/>
         <p:nvPr/>
       </p:nvGrpSpPr>
-      <p:grpSpPr/>
+      <p:grpSpPr>
+        <a:xfrm>
+          <a:off x="0" y="0"/>
+          <a:ext cx="0" cy="0"/>
+          <a:chOff x="0" y="0"/>
+          <a:chExt cx="0" cy="0"/>
+        </a:xfrm>
+      </p:grpSpPr>
       <p:sp>
         <p:nvSpPr>
           <p:cNvPr id="107522" name="Rectangle 2"/>
           <p:cNvSpPr>
-            <a:spLocks noRot="1" noTextEdit="1"/>
+            <a:spLocks noGrp="1" noRot="1" noChangeAspect="1" noTextEdit="1"/>
           </p:cNvSpPr>
           <p:nvPr>
             <p:ph type="sldImg"/>
@@ -3201,6 +3411,7 @@
         </p:spPr>
         <p:txBody>
           <a:bodyPr wrap="square" lIns="92438" tIns="46219" rIns="92438" bIns="46219" anchor="t" anchorCtr="0"/>
+          <a:lstStyle/>
           <a:p>
             <a:pPr lvl="0"/>
             <a:endParaRPr dirty="0"/>
@@ -3224,12 +3435,19 @@
         <p:cNvGrpSpPr/>
         <p:nvPr/>
       </p:nvGrpSpPr>
-      <p:grpSpPr/>
+      <p:grpSpPr>
+        <a:xfrm>
+          <a:off x="0" y="0"/>
+          <a:ext cx="0" cy="0"/>
+          <a:chOff x="0" y="0"/>
+          <a:chExt cx="0" cy="0"/>
+        </a:xfrm>
+      </p:grpSpPr>
       <p:sp>
         <p:nvSpPr>
           <p:cNvPr id="108546" name="Rectangle 2"/>
           <p:cNvSpPr>
-            <a:spLocks noRot="1" noTextEdit="1"/>
+            <a:spLocks noGrp="1" noRot="1" noChangeAspect="1" noTextEdit="1"/>
           </p:cNvSpPr>
           <p:nvPr>
             <p:ph type="sldImg"/>
@@ -3262,6 +3480,7 @@
         </p:spPr>
         <p:txBody>
           <a:bodyPr wrap="square" lIns="92438" tIns="46219" rIns="92438" bIns="46219" anchor="t" anchorCtr="0"/>
+          <a:lstStyle/>
           <a:p>
             <a:pPr lvl="0"/>
             <a:endParaRPr dirty="0"/>
@@ -3285,12 +3504,19 @@
         <p:cNvGrpSpPr/>
         <p:nvPr/>
       </p:nvGrpSpPr>
-      <p:grpSpPr/>
+      <p:grpSpPr>
+        <a:xfrm>
+          <a:off x="0" y="0"/>
+          <a:ext cx="0" cy="0"/>
+          <a:chOff x="0" y="0"/>
+          <a:chExt cx="0" cy="0"/>
+        </a:xfrm>
+      </p:grpSpPr>
       <p:sp>
         <p:nvSpPr>
           <p:cNvPr id="65538" name="Rectangle 2"/>
           <p:cNvSpPr>
-            <a:spLocks noRot="1" noTextEdit="1"/>
+            <a:spLocks noGrp="1" noRot="1" noChangeAspect="1" noTextEdit="1"/>
           </p:cNvSpPr>
           <p:nvPr>
             <p:ph type="sldImg"/>
@@ -3323,6 +3549,7 @@
         </p:spPr>
         <p:txBody>
           <a:bodyPr wrap="square" lIns="92438" tIns="46219" rIns="92438" bIns="46219" anchor="t" anchorCtr="0"/>
+          <a:lstStyle/>
           <a:p>
             <a:pPr lvl="0"/>
             <a:endParaRPr dirty="0"/>
@@ -3346,7 +3573,14 @@
         <p:cNvGrpSpPr/>
         <p:nvPr/>
       </p:nvGrpSpPr>
-      <p:grpSpPr/>
+      <p:grpSpPr>
+        <a:xfrm>
+          <a:off x="0" y="0"/>
+          <a:ext cx="0" cy="0"/>
+          <a:chOff x="0" y="0"/>
+          <a:chExt cx="0" cy="0"/>
+        </a:xfrm>
+      </p:grpSpPr>
       <p:sp>
         <p:nvSpPr>
           <p:cNvPr id="109570" name="Rectangle 7"/>
@@ -3372,12 +3606,14 @@
         </p:spPr>
         <p:txBody>
           <a:bodyPr wrap="none" lIns="92436" tIns="46217" rIns="92436" bIns="46217" anchor="b" anchorCtr="0"/>
+          <a:lstStyle/>
           <a:p>
             <a:pPr lvl="0" algn="r" defTabSz="923925"/>
             <a:fld id="{9A0DB2DC-4C9A-4742-B13C-FB6460FD3503}" type="slidenum">
               <a:rPr lang="en-US" sz="1200" dirty="0">
                 <a:latin typeface="Times New Roman" panose="02020603050405020304" pitchFamily="18" charset="0"/>
               </a:rPr>
+              <a:t>44</a:t>
             </a:fld>
             <a:endParaRPr lang="en-US" sz="1200" dirty="0">
               <a:latin typeface="Times New Roman" panose="02020603050405020304" pitchFamily="18" charset="0"/>
@@ -3389,7 +3625,7 @@
         <p:nvSpPr>
           <p:cNvPr id="109571" name="Rectangle 2"/>
           <p:cNvSpPr>
-            <a:spLocks noTextEdit="1"/>
+            <a:spLocks noGrp="1" noRot="1" noChangeAspect="1" noTextEdit="1"/>
           </p:cNvSpPr>
           <p:nvPr>
             <p:ph type="sldImg"/>
@@ -3414,6 +3650,7 @@
         </p:spPr>
         <p:txBody>
           <a:bodyPr wrap="none" lIns="92436" tIns="46217" rIns="92436" bIns="46217" anchor="ctr" anchorCtr="0"/>
+          <a:lstStyle/>
           <a:p>
             <a:pPr lvl="0"/>
             <a:endParaRPr dirty="0"/>
@@ -3437,12 +3674,19 @@
         <p:cNvGrpSpPr/>
         <p:nvPr/>
       </p:nvGrpSpPr>
-      <p:grpSpPr/>
+      <p:grpSpPr>
+        <a:xfrm>
+          <a:off x="0" y="0"/>
+          <a:ext cx="0" cy="0"/>
+          <a:chOff x="0" y="0"/>
+          <a:chExt cx="0" cy="0"/>
+        </a:xfrm>
+      </p:grpSpPr>
       <p:sp>
         <p:nvSpPr>
           <p:cNvPr id="66562" name="Rectangle 2"/>
           <p:cNvSpPr>
-            <a:spLocks noRot="1" noTextEdit="1"/>
+            <a:spLocks noGrp="1" noRot="1" noChangeAspect="1" noTextEdit="1"/>
           </p:cNvSpPr>
           <p:nvPr>
             <p:ph type="sldImg"/>
@@ -3475,6 +3719,7 @@
         </p:spPr>
         <p:txBody>
           <a:bodyPr wrap="square" lIns="92438" tIns="46219" rIns="92438" bIns="46219" anchor="t" anchorCtr="0"/>
+          <a:lstStyle/>
           <a:p>
             <a:pPr lvl="0"/>
             <a:endParaRPr dirty="0"/>
@@ -3498,12 +3743,19 @@
         <p:cNvGrpSpPr/>
         <p:nvPr/>
       </p:nvGrpSpPr>
-      <p:grpSpPr/>
+      <p:grpSpPr>
+        <a:xfrm>
+          <a:off x="0" y="0"/>
+          <a:ext cx="0" cy="0"/>
+          <a:chOff x="0" y="0"/>
+          <a:chExt cx="0" cy="0"/>
+        </a:xfrm>
+      </p:grpSpPr>
       <p:sp>
         <p:nvSpPr>
           <p:cNvPr id="67586" name="Rectangle 2"/>
           <p:cNvSpPr>
-            <a:spLocks noRot="1" noTextEdit="1"/>
+            <a:spLocks noGrp="1" noRot="1" noChangeAspect="1" noTextEdit="1"/>
           </p:cNvSpPr>
           <p:nvPr>
             <p:ph type="sldImg"/>
@@ -3536,6 +3788,7 @@
         </p:spPr>
         <p:txBody>
           <a:bodyPr wrap="square" lIns="92438" tIns="46219" rIns="92438" bIns="46219" anchor="t" anchorCtr="0"/>
+          <a:lstStyle/>
           <a:p>
             <a:pPr lvl="0"/>
             <a:endParaRPr dirty="0"/>
@@ -3559,12 +3812,19 @@
         <p:cNvGrpSpPr/>
         <p:nvPr/>
       </p:nvGrpSpPr>
-      <p:grpSpPr/>
+      <p:grpSpPr>
+        <a:xfrm>
+          <a:off x="0" y="0"/>
+          <a:ext cx="0" cy="0"/>
+          <a:chOff x="0" y="0"/>
+          <a:chExt cx="0" cy="0"/>
+        </a:xfrm>
+      </p:grpSpPr>
       <p:sp>
         <p:nvSpPr>
           <p:cNvPr id="68610" name="Rectangle 2"/>
           <p:cNvSpPr>
-            <a:spLocks noRot="1" noTextEdit="1"/>
+            <a:spLocks noGrp="1" noRot="1" noChangeAspect="1" noTextEdit="1"/>
           </p:cNvSpPr>
           <p:nvPr>
             <p:ph type="sldImg"/>
@@ -3597,6 +3857,7 @@
         </p:spPr>
         <p:txBody>
           <a:bodyPr wrap="square" lIns="92438" tIns="46219" rIns="92438" bIns="46219" anchor="t" anchorCtr="0"/>
+          <a:lstStyle/>
           <a:p>
             <a:pPr lvl="0"/>
             <a:endParaRPr dirty="0"/>
@@ -3620,12 +3881,19 @@
         <p:cNvGrpSpPr/>
         <p:nvPr/>
       </p:nvGrpSpPr>
-      <p:grpSpPr/>
+      <p:grpSpPr>
+        <a:xfrm>
+          <a:off x="0" y="0"/>
+          <a:ext cx="0" cy="0"/>
+          <a:chOff x="0" y="0"/>
+          <a:chExt cx="0" cy="0"/>
+        </a:xfrm>
+      </p:grpSpPr>
       <p:sp>
         <p:nvSpPr>
           <p:cNvPr id="69634" name="Rectangle 2"/>
           <p:cNvSpPr>
-            <a:spLocks noRot="1" noTextEdit="1"/>
+            <a:spLocks noGrp="1" noRot="1" noChangeAspect="1" noTextEdit="1"/>
           </p:cNvSpPr>
           <p:nvPr>
             <p:ph type="sldImg"/>
@@ -3658,6 +3926,7 @@
         </p:spPr>
         <p:txBody>
           <a:bodyPr wrap="square" lIns="92438" tIns="46219" rIns="92438" bIns="46219" anchor="t" anchorCtr="0"/>
+          <a:lstStyle/>
           <a:p>
             <a:pPr lvl="0"/>
             <a:endParaRPr dirty="0"/>
@@ -3681,12 +3950,19 @@
         <p:cNvGrpSpPr/>
         <p:nvPr/>
       </p:nvGrpSpPr>
-      <p:grpSpPr/>
+      <p:grpSpPr>
+        <a:xfrm>
+          <a:off x="0" y="0"/>
+          <a:ext cx="0" cy="0"/>
+          <a:chOff x="0" y="0"/>
+          <a:chExt cx="0" cy="0"/>
+        </a:xfrm>
+      </p:grpSpPr>
       <p:sp>
         <p:nvSpPr>
           <p:cNvPr id="70658" name="Rectangle 2"/>
           <p:cNvSpPr>
-            <a:spLocks noRot="1" noTextEdit="1"/>
+            <a:spLocks noGrp="1" noRot="1" noChangeAspect="1" noTextEdit="1"/>
           </p:cNvSpPr>
           <p:nvPr>
             <p:ph type="sldImg"/>
@@ -3719,6 +3995,7 @@
         </p:spPr>
         <p:txBody>
           <a:bodyPr wrap="square" lIns="92438" tIns="46219" rIns="92438" bIns="46219" anchor="t" anchorCtr="0"/>
+          <a:lstStyle/>
           <a:p>
             <a:pPr lvl="0"/>
             <a:endParaRPr dirty="0"/>
@@ -3734,7 +4011,7 @@
 </file>
 
 <file path=ppt/slideLayouts/slideLayout1.xml><?xml version="1.0" encoding="utf-8"?>
-<p:sldLayout xmlns:a="http://schemas.openxmlformats.org/drawingml/2006/main" xmlns:r="http://schemas.openxmlformats.org/officeDocument/2006/relationships" xmlns:p="http://schemas.openxmlformats.org/presentationml/2006/main" type="title" preserve="1" showMasterSp="0">
+<p:sldLayout xmlns:a="http://schemas.openxmlformats.org/drawingml/2006/main" xmlns:r="http://schemas.openxmlformats.org/officeDocument/2006/relationships" xmlns:p="http://schemas.openxmlformats.org/presentationml/2006/main" showMasterSp="0" type="title" preserve="1">
   <p:cSld name="Title Slide">
     <p:bg>
       <p:bgPr>
@@ -3795,6 +4072,7 @@
           </p:spPr>
           <p:txBody>
             <a:bodyPr wrap="none" anchor="ctr" anchorCtr="0"/>
+            <a:lstStyle/>
             <a:p>
               <a:pPr lvl="0">
                 <a:buNone/>
@@ -3828,6 +4106,7 @@
           </p:spPr>
           <p:txBody>
             <a:bodyPr wrap="none" anchor="ctr" anchorCtr="0"/>
+            <a:lstStyle/>
             <a:p>
               <a:pPr lvl="0">
                 <a:buNone/>
@@ -3861,6 +4140,7 @@
           </p:spPr>
           <p:txBody>
             <a:bodyPr wrap="none" anchor="ctr" anchorCtr="0"/>
+            <a:lstStyle/>
             <a:p>
               <a:pPr lvl="0">
                 <a:buNone/>
@@ -3895,6 +4175,7 @@
           <a:bodyPr>
             <a:spAutoFit/>
           </a:bodyPr>
+          <a:lstStyle/>
           <a:p>
             <a:pPr lvl="0" algn="ctr">
               <a:spcBef>
@@ -3911,12 +4192,6 @@
               </a:rPr>
               <a:t>Silberschatz, Galvin and Gagne ©2013</a:t>
             </a:r>
-            <a:endParaRPr sz="1000" b="1" dirty="0">
-              <a:solidFill>
-                <a:srgbClr val="336699"/>
-              </a:solidFill>
-              <a:latin typeface="Helvetica" pitchFamily="-84" charset="0"/>
-            </a:endParaRPr>
           </a:p>
         </p:txBody>
       </p:sp>
@@ -3943,6 +4218,7 @@
           <a:bodyPr wrap="none">
             <a:spAutoFit/>
           </a:bodyPr>
+          <a:lstStyle/>
           <a:p>
             <a:pPr lvl="0">
               <a:spcBef>
@@ -3977,12 +4253,6 @@
               </a:rPr>
               <a:t> Edit9on</a:t>
             </a:r>
-            <a:endParaRPr sz="1000" b="1" dirty="0">
-              <a:solidFill>
-                <a:srgbClr val="336699"/>
-              </a:solidFill>
-              <a:latin typeface="Helvetica" pitchFamily="-84" charset="0"/>
-            </a:endParaRPr>
           </a:p>
         </p:txBody>
       </p:sp>
@@ -4047,6 +4317,7 @@
         </p:spPr>
         <p:txBody>
           <a:bodyPr wrap="none" anchor="ctr" anchorCtr="0"/>
+          <a:lstStyle/>
           <a:p>
             <a:pPr lvl="0">
               <a:buNone/>
@@ -4085,7 +4356,6 @@
               <a:rPr lang="en-US"/>
               <a:t>Click to edit Master title style</a:t>
             </a:r>
-            <a:endParaRPr lang="en-US"/>
           </a:p>
         </p:txBody>
       </p:sp>
@@ -4094,13 +4364,6 @@
   <p:clrMapOvr>
     <a:masterClrMapping/>
   </p:clrMapOvr>
-  <p:timing>
-    <p:tnLst>
-      <p:par>
-        <p:cTn id="1" dur="indefinite" restart="never" nodeType="tmRoot"/>
-      </p:par>
-    </p:tnLst>
-  </p:timing>
 </p:sldLayout>
 </file>
 
@@ -4137,10 +4400,9 @@
           <a:lstStyle/>
           <a:p>
             <a:r>
-              <a:rPr lang="en-US" smtClean="0"/>
+              <a:rPr lang="en-US"/>
               <a:t>Click to edit Master title style</a:t>
             </a:r>
-            <a:endParaRPr lang="en-US"/>
           </a:p>
         </p:txBody>
       </p:sp>
@@ -4161,42 +4423,37 @@
           <a:p>
             <a:pPr lvl="0"/>
             <a:r>
-              <a:rPr lang="en-US" smtClean="0"/>
+              <a:rPr lang="en-US"/>
               <a:t>Click to edit Master text styles</a:t>
             </a:r>
-            <a:endParaRPr lang="en-US" smtClean="0"/>
           </a:p>
           <a:p>
             <a:pPr lvl="1"/>
             <a:r>
-              <a:rPr lang="en-US" smtClean="0"/>
+              <a:rPr lang="en-US"/>
               <a:t>Second level</a:t>
             </a:r>
-            <a:endParaRPr lang="en-US" smtClean="0"/>
           </a:p>
           <a:p>
             <a:pPr lvl="2"/>
             <a:r>
-              <a:rPr lang="en-US" smtClean="0"/>
+              <a:rPr lang="en-US"/>
               <a:t>Third level</a:t>
             </a:r>
-            <a:endParaRPr lang="en-US" smtClean="0"/>
           </a:p>
           <a:p>
             <a:pPr lvl="3"/>
             <a:r>
-              <a:rPr lang="en-US" smtClean="0"/>
+              <a:rPr lang="en-US"/>
               <a:t>Fourth level</a:t>
             </a:r>
-            <a:endParaRPr lang="en-US" smtClean="0"/>
           </a:p>
           <a:p>
             <a:pPr lvl="4"/>
             <a:r>
-              <a:rPr lang="en-US" smtClean="0"/>
+              <a:rPr lang="en-US"/>
               <a:t>Fifth level</a:t>
             </a:r>
-            <a:endParaRPr lang="en-US"/>
           </a:p>
         </p:txBody>
       </p:sp>
@@ -4246,10 +4503,9 @@
           <a:lstStyle/>
           <a:p>
             <a:r>
-              <a:rPr lang="en-US" smtClean="0"/>
+              <a:rPr lang="en-US"/>
               <a:t>Click to edit Master title style</a:t>
             </a:r>
-            <a:endParaRPr lang="en-US"/>
           </a:p>
         </p:txBody>
       </p:sp>
@@ -4275,42 +4531,37 @@
           <a:p>
             <a:pPr lvl="0"/>
             <a:r>
-              <a:rPr lang="en-US" smtClean="0"/>
+              <a:rPr lang="en-US"/>
               <a:t>Click to edit Master text styles</a:t>
             </a:r>
-            <a:endParaRPr lang="en-US" smtClean="0"/>
           </a:p>
           <a:p>
             <a:pPr lvl="1"/>
             <a:r>
-              <a:rPr lang="en-US" smtClean="0"/>
+              <a:rPr lang="en-US"/>
               <a:t>Second level</a:t>
             </a:r>
-            <a:endParaRPr lang="en-US" smtClean="0"/>
           </a:p>
           <a:p>
             <a:pPr lvl="2"/>
             <a:r>
-              <a:rPr lang="en-US" smtClean="0"/>
+              <a:rPr lang="en-US"/>
               <a:t>Third level</a:t>
             </a:r>
-            <a:endParaRPr lang="en-US" smtClean="0"/>
           </a:p>
           <a:p>
             <a:pPr lvl="3"/>
             <a:r>
-              <a:rPr lang="en-US" smtClean="0"/>
+              <a:rPr lang="en-US"/>
               <a:t>Fourth level</a:t>
             </a:r>
-            <a:endParaRPr lang="en-US" smtClean="0"/>
           </a:p>
           <a:p>
             <a:pPr lvl="4"/>
             <a:r>
-              <a:rPr lang="en-US" smtClean="0"/>
+              <a:rPr lang="en-US"/>
               <a:t>Fifth level</a:t>
             </a:r>
-            <a:endParaRPr lang="en-US"/>
           </a:p>
         </p:txBody>
       </p:sp>
@@ -4355,10 +4606,9 @@
           <a:lstStyle/>
           <a:p>
             <a:r>
-              <a:rPr lang="en-US" smtClean="0"/>
+              <a:rPr lang="en-US"/>
               <a:t>Click to edit Master title style</a:t>
             </a:r>
-            <a:endParaRPr lang="en-US"/>
           </a:p>
         </p:txBody>
       </p:sp>
@@ -4379,42 +4629,37 @@
           <a:p>
             <a:pPr lvl="0"/>
             <a:r>
-              <a:rPr lang="en-US" smtClean="0"/>
+              <a:rPr lang="en-US"/>
               <a:t>Click to edit Master text styles</a:t>
             </a:r>
-            <a:endParaRPr lang="en-US" smtClean="0"/>
           </a:p>
           <a:p>
             <a:pPr lvl="1"/>
             <a:r>
-              <a:rPr lang="en-US" smtClean="0"/>
+              <a:rPr lang="en-US"/>
               <a:t>Second level</a:t>
             </a:r>
-            <a:endParaRPr lang="en-US" smtClean="0"/>
           </a:p>
           <a:p>
             <a:pPr lvl="2"/>
             <a:r>
-              <a:rPr lang="en-US" smtClean="0"/>
+              <a:rPr lang="en-US"/>
               <a:t>Third level</a:t>
             </a:r>
-            <a:endParaRPr lang="en-US" smtClean="0"/>
           </a:p>
           <a:p>
             <a:pPr lvl="3"/>
             <a:r>
-              <a:rPr lang="en-US" smtClean="0"/>
+              <a:rPr lang="en-US"/>
               <a:t>Fourth level</a:t>
             </a:r>
-            <a:endParaRPr lang="en-US" smtClean="0"/>
           </a:p>
           <a:p>
             <a:pPr lvl="4"/>
             <a:r>
-              <a:rPr lang="en-US" smtClean="0"/>
+              <a:rPr lang="en-US"/>
               <a:t>Fifth level</a:t>
             </a:r>
-            <a:endParaRPr lang="en-US"/>
           </a:p>
         </p:txBody>
       </p:sp>
@@ -4468,10 +4713,9 @@
           </a:lstStyle>
           <a:p>
             <a:r>
-              <a:rPr lang="en-US" smtClean="0"/>
+              <a:rPr lang="en-US"/>
               <a:t>Click to edit Master title style</a:t>
             </a:r>
-            <a:endParaRPr lang="en-US"/>
           </a:p>
         </p:txBody>
       </p:sp>
@@ -4534,10 +4778,9 @@
           <a:p>
             <a:pPr lvl="0"/>
             <a:r>
-              <a:rPr lang="en-US" smtClean="0"/>
+              <a:rPr lang="en-US"/>
               <a:t>Click to edit Master text styles</a:t>
             </a:r>
-            <a:endParaRPr lang="en-US" smtClean="0"/>
           </a:p>
         </p:txBody>
       </p:sp>
@@ -4582,10 +4825,9 @@
           <a:lstStyle/>
           <a:p>
             <a:r>
-              <a:rPr lang="en-US" smtClean="0"/>
+              <a:rPr lang="en-US"/>
               <a:t>Click to edit Master title style</a:t>
             </a:r>
-            <a:endParaRPr lang="en-US"/>
           </a:p>
         </p:txBody>
       </p:sp>
@@ -4639,42 +4881,37 @@
           <a:p>
             <a:pPr lvl="0"/>
             <a:r>
-              <a:rPr lang="en-US" smtClean="0"/>
+              <a:rPr lang="en-US"/>
               <a:t>Click to edit Master text styles</a:t>
             </a:r>
-            <a:endParaRPr lang="en-US" smtClean="0"/>
           </a:p>
           <a:p>
             <a:pPr lvl="1"/>
             <a:r>
-              <a:rPr lang="en-US" smtClean="0"/>
+              <a:rPr lang="en-US"/>
               <a:t>Second level</a:t>
             </a:r>
-            <a:endParaRPr lang="en-US" smtClean="0"/>
           </a:p>
           <a:p>
             <a:pPr lvl="2"/>
             <a:r>
-              <a:rPr lang="en-US" smtClean="0"/>
+              <a:rPr lang="en-US"/>
               <a:t>Third level</a:t>
             </a:r>
-            <a:endParaRPr lang="en-US" smtClean="0"/>
           </a:p>
           <a:p>
             <a:pPr lvl="3"/>
             <a:r>
-              <a:rPr lang="en-US" smtClean="0"/>
+              <a:rPr lang="en-US"/>
               <a:t>Fourth level</a:t>
             </a:r>
-            <a:endParaRPr lang="en-US" smtClean="0"/>
           </a:p>
           <a:p>
             <a:pPr lvl="4"/>
             <a:r>
-              <a:rPr lang="en-US" smtClean="0"/>
+              <a:rPr lang="en-US"/>
               <a:t>Fifth level</a:t>
             </a:r>
-            <a:endParaRPr lang="en-US"/>
           </a:p>
         </p:txBody>
       </p:sp>
@@ -4728,42 +4965,37 @@
           <a:p>
             <a:pPr lvl="0"/>
             <a:r>
-              <a:rPr lang="en-US" smtClean="0"/>
+              <a:rPr lang="en-US"/>
               <a:t>Click to edit Master text styles</a:t>
             </a:r>
-            <a:endParaRPr lang="en-US" smtClean="0"/>
           </a:p>
           <a:p>
             <a:pPr lvl="1"/>
             <a:r>
-              <a:rPr lang="en-US" smtClean="0"/>
+              <a:rPr lang="en-US"/>
               <a:t>Second level</a:t>
             </a:r>
-            <a:endParaRPr lang="en-US" smtClean="0"/>
           </a:p>
           <a:p>
             <a:pPr lvl="2"/>
             <a:r>
-              <a:rPr lang="en-US" smtClean="0"/>
+              <a:rPr lang="en-US"/>
               <a:t>Third level</a:t>
             </a:r>
-            <a:endParaRPr lang="en-US" smtClean="0"/>
           </a:p>
           <a:p>
             <a:pPr lvl="3"/>
             <a:r>
-              <a:rPr lang="en-US" smtClean="0"/>
+              <a:rPr lang="en-US"/>
               <a:t>Fourth level</a:t>
             </a:r>
-            <a:endParaRPr lang="en-US" smtClean="0"/>
           </a:p>
           <a:p>
             <a:pPr lvl="4"/>
             <a:r>
-              <a:rPr lang="en-US" smtClean="0"/>
+              <a:rPr lang="en-US"/>
               <a:t>Fifth level</a:t>
             </a:r>
-            <a:endParaRPr lang="en-US"/>
           </a:p>
         </p:txBody>
       </p:sp>
@@ -4817,10 +5049,9 @@
           </a:lstStyle>
           <a:p>
             <a:r>
-              <a:rPr lang="en-US" smtClean="0"/>
+              <a:rPr lang="en-US"/>
               <a:t>Click to edit Master title style</a:t>
             </a:r>
-            <a:endParaRPr lang="en-US"/>
           </a:p>
         </p:txBody>
       </p:sp>
@@ -4883,10 +5114,9 @@
           <a:p>
             <a:pPr lvl="0"/>
             <a:r>
-              <a:rPr lang="en-US" smtClean="0"/>
+              <a:rPr lang="en-US"/>
               <a:t>Click to edit Master text styles</a:t>
             </a:r>
-            <a:endParaRPr lang="en-US" smtClean="0"/>
           </a:p>
         </p:txBody>
       </p:sp>
@@ -4940,42 +5170,37 @@
           <a:p>
             <a:pPr lvl="0"/>
             <a:r>
-              <a:rPr lang="en-US" smtClean="0"/>
+              <a:rPr lang="en-US"/>
               <a:t>Click to edit Master text styles</a:t>
             </a:r>
-            <a:endParaRPr lang="en-US" smtClean="0"/>
           </a:p>
           <a:p>
             <a:pPr lvl="1"/>
             <a:r>
-              <a:rPr lang="en-US" smtClean="0"/>
+              <a:rPr lang="en-US"/>
               <a:t>Second level</a:t>
             </a:r>
-            <a:endParaRPr lang="en-US" smtClean="0"/>
           </a:p>
           <a:p>
             <a:pPr lvl="2"/>
             <a:r>
-              <a:rPr lang="en-US" smtClean="0"/>
+              <a:rPr lang="en-US"/>
               <a:t>Third level</a:t>
             </a:r>
-            <a:endParaRPr lang="en-US" smtClean="0"/>
           </a:p>
           <a:p>
             <a:pPr lvl="3"/>
             <a:r>
-              <a:rPr lang="en-US" smtClean="0"/>
+              <a:rPr lang="en-US"/>
               <a:t>Fourth level</a:t>
             </a:r>
-            <a:endParaRPr lang="en-US" smtClean="0"/>
           </a:p>
           <a:p>
             <a:pPr lvl="4"/>
             <a:r>
-              <a:rPr lang="en-US" smtClean="0"/>
+              <a:rPr lang="en-US"/>
               <a:t>Fifth level</a:t>
             </a:r>
-            <a:endParaRPr lang="en-US"/>
           </a:p>
         </p:txBody>
       </p:sp>
@@ -5038,10 +5263,9 @@
           <a:p>
             <a:pPr lvl="0"/>
             <a:r>
-              <a:rPr lang="en-US" smtClean="0"/>
+              <a:rPr lang="en-US"/>
               <a:t>Click to edit Master text styles</a:t>
             </a:r>
-            <a:endParaRPr lang="en-US" smtClean="0"/>
           </a:p>
         </p:txBody>
       </p:sp>
@@ -5095,42 +5319,37 @@
           <a:p>
             <a:pPr lvl="0"/>
             <a:r>
-              <a:rPr lang="en-US" smtClean="0"/>
+              <a:rPr lang="en-US"/>
               <a:t>Click to edit Master text styles</a:t>
             </a:r>
-            <a:endParaRPr lang="en-US" smtClean="0"/>
           </a:p>
           <a:p>
             <a:pPr lvl="1"/>
             <a:r>
-              <a:rPr lang="en-US" smtClean="0"/>
+              <a:rPr lang="en-US"/>
               <a:t>Second level</a:t>
             </a:r>
-            <a:endParaRPr lang="en-US" smtClean="0"/>
           </a:p>
           <a:p>
             <a:pPr lvl="2"/>
             <a:r>
-              <a:rPr lang="en-US" smtClean="0"/>
+              <a:rPr lang="en-US"/>
               <a:t>Third level</a:t>
             </a:r>
-            <a:endParaRPr lang="en-US" smtClean="0"/>
           </a:p>
           <a:p>
             <a:pPr lvl="3"/>
             <a:r>
-              <a:rPr lang="en-US" smtClean="0"/>
+              <a:rPr lang="en-US"/>
               <a:t>Fourth level</a:t>
             </a:r>
-            <a:endParaRPr lang="en-US" smtClean="0"/>
           </a:p>
           <a:p>
             <a:pPr lvl="4"/>
             <a:r>
-              <a:rPr lang="en-US" smtClean="0"/>
+              <a:rPr lang="en-US"/>
               <a:t>Fifth level</a:t>
             </a:r>
-            <a:endParaRPr lang="en-US"/>
           </a:p>
         </p:txBody>
       </p:sp>
@@ -5175,10 +5394,9 @@
           <a:lstStyle/>
           <a:p>
             <a:r>
-              <a:rPr lang="en-US" smtClean="0"/>
+              <a:rPr lang="en-US"/>
               <a:t>Click to edit Master title style</a:t>
             </a:r>
-            <a:endParaRPr lang="en-US"/>
           </a:p>
         </p:txBody>
       </p:sp>
@@ -5257,10 +5475,9 @@
           </a:lstStyle>
           <a:p>
             <a:r>
-              <a:rPr lang="en-US" smtClean="0"/>
+              <a:rPr lang="en-US"/>
               <a:t>Click to edit Master title style</a:t>
             </a:r>
-            <a:endParaRPr lang="en-US"/>
           </a:p>
         </p:txBody>
       </p:sp>
@@ -5314,42 +5531,37 @@
           <a:p>
             <a:pPr lvl="0"/>
             <a:r>
-              <a:rPr lang="en-US" smtClean="0"/>
+              <a:rPr lang="en-US"/>
               <a:t>Click to edit Master text styles</a:t>
             </a:r>
-            <a:endParaRPr lang="en-US" smtClean="0"/>
           </a:p>
           <a:p>
             <a:pPr lvl="1"/>
             <a:r>
-              <a:rPr lang="en-US" smtClean="0"/>
+              <a:rPr lang="en-US"/>
               <a:t>Second level</a:t>
             </a:r>
-            <a:endParaRPr lang="en-US" smtClean="0"/>
           </a:p>
           <a:p>
             <a:pPr lvl="2"/>
             <a:r>
-              <a:rPr lang="en-US" smtClean="0"/>
+              <a:rPr lang="en-US"/>
               <a:t>Third level</a:t>
             </a:r>
-            <a:endParaRPr lang="en-US" smtClean="0"/>
           </a:p>
           <a:p>
             <a:pPr lvl="3"/>
             <a:r>
-              <a:rPr lang="en-US" smtClean="0"/>
+              <a:rPr lang="en-US"/>
               <a:t>Fourth level</a:t>
             </a:r>
-            <a:endParaRPr lang="en-US" smtClean="0"/>
           </a:p>
           <a:p>
             <a:pPr lvl="4"/>
             <a:r>
-              <a:rPr lang="en-US" smtClean="0"/>
+              <a:rPr lang="en-US"/>
               <a:t>Fifth level</a:t>
             </a:r>
-            <a:endParaRPr lang="en-US"/>
           </a:p>
         </p:txBody>
       </p:sp>
@@ -5412,10 +5624,9 @@
           <a:p>
             <a:pPr lvl="0"/>
             <a:r>
-              <a:rPr lang="en-US" smtClean="0"/>
+              <a:rPr lang="en-US"/>
               <a:t>Click to edit Master text styles</a:t>
             </a:r>
-            <a:endParaRPr lang="en-US" smtClean="0"/>
           </a:p>
         </p:txBody>
       </p:sp>
@@ -5469,10 +5680,9 @@
           </a:lstStyle>
           <a:p>
             <a:r>
-              <a:rPr lang="en-US" smtClean="0"/>
+              <a:rPr lang="en-US"/>
               <a:t>Click to edit Master title style</a:t>
             </a:r>
-            <a:endParaRPr lang="en-US"/>
           </a:p>
         </p:txBody>
       </p:sp>
@@ -5551,7 +5761,7 @@
               <a:buNone/>
               <a:defRPr/>
             </a:pPr>
-            <a:endParaRPr kumimoji="1" lang="en-US" sz="3200" b="0" i="0" u="none" strike="noStrike" kern="0" cap="none" spc="0" normalizeH="0" baseline="0" noProof="0" smtClean="0">
+            <a:endParaRPr kumimoji="1" lang="en-US" sz="3200" b="0" i="0" u="none" strike="noStrike" kern="0" cap="none" spc="0" normalizeH="0" baseline="0" noProof="0">
               <a:ln>
                 <a:noFill/>
               </a:ln>
@@ -5627,10 +5837,9 @@
           <a:p>
             <a:pPr lvl="0"/>
             <a:r>
-              <a:rPr lang="en-US" smtClean="0"/>
+              <a:rPr lang="en-US"/>
               <a:t>Click to edit Master text styles</a:t>
             </a:r>
-            <a:endParaRPr lang="en-US" smtClean="0"/>
           </a:p>
         </p:txBody>
       </p:sp>
@@ -5659,7 +5868,14 @@
         <p:cNvGrpSpPr/>
         <p:nvPr/>
       </p:nvGrpSpPr>
-      <p:grpSpPr/>
+      <p:grpSpPr>
+        <a:xfrm>
+          <a:off x="0" y="0"/>
+          <a:ext cx="0" cy="0"/>
+          <a:chOff x="0" y="0"/>
+          <a:chExt cx="0" cy="0"/>
+        </a:xfrm>
+      </p:grpSpPr>
       <p:pic>
         <p:nvPicPr>
           <p:cNvPr id="1026" name="Picture 2" descr="dino_3"/>
@@ -5669,7 +5885,7 @@
           <p:nvPr/>
         </p:nvPicPr>
         <p:blipFill>
-          <a:blip r:embed="rId12"/>
+          <a:blip r:embed="rId13"/>
           <a:stretch>
             <a:fillRect/>
           </a:stretch>
@@ -5713,13 +5929,13 @@
         </p:spPr>
         <p:txBody>
           <a:bodyPr anchor="b" anchorCtr="0"/>
+          <a:lstStyle/>
           <a:p>
             <a:pPr lvl="0"/>
             <a:r>
               <a:rPr dirty="0"/>
               <a:t>Click to edit Master title style</a:t>
             </a:r>
-            <a:endParaRPr dirty="0"/>
           </a:p>
         </p:txBody>
       </p:sp>
@@ -5748,13 +5964,13 @@
         </p:spPr>
         <p:txBody>
           <a:bodyPr/>
+          <a:lstStyle/>
           <a:p>
             <a:pPr lvl="0"/>
             <a:r>
               <a:rPr dirty="0"/>
               <a:t>Click to edit Master text styles</a:t>
             </a:r>
-            <a:endParaRPr dirty="0"/>
           </a:p>
           <a:p>
             <a:pPr lvl="1"/>
@@ -5762,7 +5978,6 @@
               <a:rPr dirty="0"/>
               <a:t>Second level</a:t>
             </a:r>
-            <a:endParaRPr dirty="0"/>
           </a:p>
           <a:p>
             <a:pPr lvl="2"/>
@@ -5770,7 +5985,6 @@
               <a:rPr dirty="0"/>
               <a:t>Third level</a:t>
             </a:r>
-            <a:endParaRPr dirty="0"/>
           </a:p>
           <a:p>
             <a:pPr lvl="3"/>
@@ -5778,7 +5992,6 @@
               <a:rPr dirty="0"/>
               <a:t>Fourth level</a:t>
             </a:r>
-            <a:endParaRPr dirty="0"/>
           </a:p>
           <a:p>
             <a:pPr lvl="4"/>
@@ -5786,7 +5999,6 @@
               <a:rPr dirty="0"/>
               <a:t>Fifth level</a:t>
             </a:r>
-            <a:endParaRPr dirty="0"/>
           </a:p>
         </p:txBody>
       </p:sp>
@@ -5813,6 +6025,7 @@
         </p:spPr>
         <p:txBody>
           <a:bodyPr wrap="none" anchor="ctr" anchorCtr="0"/>
+          <a:lstStyle/>
           <a:p>
             <a:pPr lvl="0" algn="ctr" eaLnBrk="1" hangingPunct="1">
               <a:buNone/>
@@ -5870,6 +6083,7 @@
         </p:spPr>
         <p:txBody>
           <a:bodyPr wrap="none" anchor="ctr" anchorCtr="0"/>
+          <a:lstStyle/>
           <a:p>
             <a:pPr lvl="0" algn="ctr" eaLnBrk="1" hangingPunct="1">
               <a:buNone/>
@@ -5903,6 +6117,7 @@
         </p:spPr>
         <p:txBody>
           <a:bodyPr wrap="none" anchor="ctr" anchorCtr="0"/>
+          <a:lstStyle/>
           <a:p>
             <a:pPr lvl="0" algn="ctr" eaLnBrk="1" hangingPunct="1">
               <a:buNone/>
@@ -5936,6 +6151,7 @@
           <a:bodyPr wrap="none">
             <a:spAutoFit/>
           </a:bodyPr>
+          <a:lstStyle/>
           <a:p>
             <a:pPr lvl="0" algn="ctr">
               <a:spcBef>
@@ -5959,6 +6175,7 @@
                 </a:solidFill>
                 <a:latin typeface="Helvetica" pitchFamily="-84" charset="0"/>
               </a:rPr>
+              <a:t>‹#›</a:t>
             </a:fld>
             <a:endParaRPr lang="en-US" sz="1000" b="1" dirty="0">
               <a:solidFill>
@@ -5992,6 +6209,7 @@
           <a:bodyPr>
             <a:spAutoFit/>
           </a:bodyPr>
+          <a:lstStyle/>
           <a:p>
             <a:pPr lvl="0" algn="ctr">
               <a:spcBef>
@@ -6008,12 +6226,6 @@
               </a:rPr>
               <a:t>Silberschatz, Galvin and Gagne ©2013</a:t>
             </a:r>
-            <a:endParaRPr sz="1000" b="1" dirty="0">
-              <a:solidFill>
-                <a:srgbClr val="006699"/>
-              </a:solidFill>
-              <a:latin typeface="Helvetica" pitchFamily="-84" charset="0"/>
-            </a:endParaRPr>
           </a:p>
         </p:txBody>
       </p:sp>
@@ -6040,6 +6252,7 @@
           <a:bodyPr wrap="none">
             <a:spAutoFit/>
           </a:bodyPr>
+          <a:lstStyle/>
           <a:p>
             <a:pPr lvl="0">
               <a:spcBef>
@@ -6074,12 +6287,6 @@
               </a:rPr>
               <a:t> Edition</a:t>
             </a:r>
-            <a:endParaRPr sz="1000" b="1" dirty="0">
-              <a:solidFill>
-                <a:srgbClr val="006699"/>
-              </a:solidFill>
-              <a:latin typeface="Helvetica" pitchFamily="-84" charset="0"/>
-            </a:endParaRPr>
           </a:p>
         </p:txBody>
       </p:sp>
@@ -6092,7 +6299,7 @@
           <p:nvPr/>
         </p:nvPicPr>
         <p:blipFill>
-          <a:blip r:embed="rId13"/>
+          <a:blip r:embed="rId14"/>
           <a:stretch>
             <a:fillRect/>
           </a:stretch>
@@ -6127,13 +6334,6 @@
     <p:sldLayoutId id="2147483658" r:id="rId10"/>
     <p:sldLayoutId id="2147483659" r:id="rId11"/>
   </p:sldLayoutIdLst>
-  <p:timing>
-    <p:tnLst>
-      <p:par>
-        <p:cTn id="1" dur="indefinite" restart="never" nodeType="tmRoot"/>
-      </p:par>
-    </p:tnLst>
-  </p:timing>
   <p:hf sldNum="0" hdr="0" ftr="0" dt="0"/>
   <p:txStyles>
     <p:titleStyle>
@@ -6568,7 +6768,14 @@
         <p:cNvGrpSpPr/>
         <p:nvPr/>
       </p:nvGrpSpPr>
-      <p:grpSpPr/>
+      <p:grpSpPr>
+        <a:xfrm>
+          <a:off x="0" y="0"/>
+          <a:ext cx="0" cy="0"/>
+          <a:chOff x="0" y="0"/>
+          <a:chExt cx="0" cy="0"/>
+        </a:xfrm>
+      </p:grpSpPr>
       <p:sp>
         <p:nvSpPr>
           <p:cNvPr id="3074" name="Rectangle 4"/>
@@ -6588,6 +6795,7 @@
         </p:spPr>
         <p:txBody>
           <a:bodyPr vert="horz" wrap="square" lIns="91440" tIns="45720" rIns="91440" bIns="45720" anchor="b" anchorCtr="0"/>
+          <a:lstStyle/>
           <a:p>
             <a:pPr eaLnBrk="1" hangingPunct="1">
               <a:buClrTx/>
@@ -6602,11 +6810,6 @@
               </a:rPr>
               <a:t>Chapter 1:  Introduction</a:t>
             </a:r>
-            <a:endParaRPr dirty="0">
-              <a:latin typeface="+mj-lt"/>
-              <a:ea typeface="MS PGothic" panose="020B0600070205080204" pitchFamily="34" charset="-128"/>
-              <a:cs typeface="MS PGothic" panose="020B0600070205080204" pitchFamily="34" charset="-128"/>
-            </a:endParaRPr>
           </a:p>
         </p:txBody>
       </p:sp>
@@ -6627,7 +6830,14 @@
         <p:cNvGrpSpPr/>
         <p:nvPr/>
       </p:nvGrpSpPr>
-      <p:grpSpPr/>
+      <p:grpSpPr>
+        <a:xfrm>
+          <a:off x="0" y="0"/>
+          <a:ext cx="0" cy="0"/>
+          <a:chOff x="0" y="0"/>
+          <a:chExt cx="0" cy="0"/>
+        </a:xfrm>
+      </p:grpSpPr>
       <p:sp>
         <p:nvSpPr>
           <p:cNvPr id="12290" name="Rectangle 2"/>
@@ -6643,13 +6853,13 @@
         </p:spPr>
         <p:txBody>
           <a:bodyPr vert="horz" wrap="square" lIns="91440" tIns="45720" rIns="91440" bIns="45720" anchor="b" anchorCtr="0"/>
+          <a:lstStyle/>
           <a:p>
             <a:pPr eaLnBrk="1" hangingPunct="1"/>
             <a:r>
               <a:rPr dirty="0"/>
               <a:t>Computer Startup</a:t>
             </a:r>
-            <a:endParaRPr dirty="0"/>
           </a:p>
         </p:txBody>
       </p:sp>
@@ -6668,6 +6878,7 @@
         </p:spPr>
         <p:txBody>
           <a:bodyPr vert="horz" wrap="square" lIns="91440" tIns="45720" rIns="91440" bIns="45720" anchor="t" anchorCtr="0"/>
+          <a:lstStyle/>
           <a:p>
             <a:r>
               <a:rPr b="1" dirty="0">
@@ -6689,7 +6900,6 @@
               <a:rPr dirty="0"/>
               <a:t>is loaded at power-up or reboot</a:t>
             </a:r>
-            <a:endParaRPr dirty="0"/>
           </a:p>
           <a:p>
             <a:pPr lvl="1"/>
@@ -6705,11 +6915,6 @@
               </a:rPr>
               <a:t>firmware</a:t>
             </a:r>
-            <a:endParaRPr b="1" dirty="0">
-              <a:solidFill>
-                <a:srgbClr val="3366FF"/>
-              </a:solidFill>
-            </a:endParaRPr>
           </a:p>
           <a:p>
             <a:pPr lvl="1"/>
@@ -6717,7 +6922,6 @@
               <a:rPr dirty="0"/>
               <a:t>Initializes all aspects of system</a:t>
             </a:r>
-            <a:endParaRPr dirty="0"/>
           </a:p>
           <a:p>
             <a:pPr lvl="1"/>
@@ -6725,7 +6929,6 @@
               <a:rPr dirty="0"/>
               <a:t>Loads operating system kernel and starts execution</a:t>
             </a:r>
-            <a:endParaRPr dirty="0"/>
           </a:p>
         </p:txBody>
       </p:sp>
@@ -6746,7 +6949,14 @@
         <p:cNvGrpSpPr/>
         <p:nvPr/>
       </p:nvGrpSpPr>
-      <p:grpSpPr/>
+      <p:grpSpPr>
+        <a:xfrm>
+          <a:off x="0" y="0"/>
+          <a:ext cx="0" cy="0"/>
+          <a:chOff x="0" y="0"/>
+          <a:chExt cx="0" cy="0"/>
+        </a:xfrm>
+      </p:grpSpPr>
       <p:sp>
         <p:nvSpPr>
           <p:cNvPr id="13314" name="Rectangle 2"/>
@@ -6762,13 +6972,13 @@
         </p:spPr>
         <p:txBody>
           <a:bodyPr vert="horz" wrap="square" lIns="91440" tIns="45720" rIns="91440" bIns="45720" anchor="b" anchorCtr="0"/>
+          <a:lstStyle/>
           <a:p>
             <a:pPr eaLnBrk="1" hangingPunct="1"/>
             <a:r>
               <a:rPr dirty="0"/>
               <a:t>Computer System Organization</a:t>
             </a:r>
-            <a:endParaRPr dirty="0"/>
           </a:p>
         </p:txBody>
       </p:sp>
@@ -6791,12 +7001,12 @@
         </p:spPr>
         <p:txBody>
           <a:bodyPr vert="horz" wrap="square" lIns="91440" tIns="45720" rIns="91440" bIns="45720" anchor="t" anchorCtr="0"/>
+          <a:lstStyle/>
           <a:p>
             <a:r>
               <a:rPr dirty="0"/>
               <a:t>Computer-system operation</a:t>
             </a:r>
-            <a:endParaRPr dirty="0"/>
           </a:p>
           <a:p>
             <a:pPr lvl="1"/>
@@ -6804,7 +7014,6 @@
               <a:rPr dirty="0"/>
               <a:t>One or more CPUs, device controllers connect through common bus providing access to shared memory</a:t>
             </a:r>
-            <a:endParaRPr dirty="0"/>
           </a:p>
           <a:p>
             <a:pPr lvl="1"/>
@@ -6812,7 +7021,6 @@
               <a:rPr dirty="0"/>
               <a:t>Concurrent execution of CPUs and devices competing for memory cycles</a:t>
             </a:r>
-            <a:endParaRPr dirty="0"/>
           </a:p>
           <a:p>
             <a:pPr lvl="1"/>
@@ -6829,7 +7037,7 @@
           <p:nvPr/>
         </p:nvPicPr>
         <p:blipFill>
-          <a:blip r:embed="rId1"/>
+          <a:blip r:embed="rId3"/>
           <a:stretch>
             <a:fillRect/>
           </a:stretch>
@@ -6865,7 +7073,14 @@
         <p:cNvGrpSpPr/>
         <p:nvPr/>
       </p:nvGrpSpPr>
-      <p:grpSpPr/>
+      <p:grpSpPr>
+        <a:xfrm>
+          <a:off x="0" y="0"/>
+          <a:ext cx="0" cy="0"/>
+          <a:chOff x="0" y="0"/>
+          <a:chExt cx="0" cy="0"/>
+        </a:xfrm>
+      </p:grpSpPr>
       <p:sp>
         <p:nvSpPr>
           <p:cNvPr id="14338" name="Rectangle 2"/>
@@ -6881,13 +7096,13 @@
         </p:spPr>
         <p:txBody>
           <a:bodyPr vert="horz" wrap="square" lIns="91440" tIns="45720" rIns="91440" bIns="45720" anchor="b" anchorCtr="0"/>
+          <a:lstStyle/>
           <a:p>
             <a:pPr eaLnBrk="1" hangingPunct="1"/>
             <a:r>
               <a:rPr dirty="0"/>
               <a:t>Computer-System Operation</a:t>
             </a:r>
-            <a:endParaRPr dirty="0"/>
           </a:p>
         </p:txBody>
       </p:sp>
@@ -6910,12 +7125,12 @@
         </p:spPr>
         <p:txBody>
           <a:bodyPr vert="horz" wrap="square" lIns="91440" tIns="45720" rIns="91440" bIns="45720" anchor="t" anchorCtr="0"/>
+          <a:lstStyle/>
           <a:p>
             <a:r>
               <a:rPr dirty="0"/>
               <a:t>I/O devices and the CPU can execute concurrently</a:t>
             </a:r>
-            <a:endParaRPr dirty="0"/>
           </a:p>
           <a:p>
             <a:endParaRPr sz="800" dirty="0"/>
@@ -6925,7 +7140,6 @@
               <a:rPr dirty="0"/>
               <a:t>Each device controller is in charge of a particular device type</a:t>
             </a:r>
-            <a:endParaRPr dirty="0"/>
           </a:p>
           <a:p>
             <a:endParaRPr sz="800" dirty="0"/>
@@ -6935,7 +7149,6 @@
               <a:rPr dirty="0"/>
               <a:t>Each device controller has a local buffer</a:t>
             </a:r>
-            <a:endParaRPr dirty="0"/>
           </a:p>
           <a:p>
             <a:endParaRPr sz="800" dirty="0"/>
@@ -6945,7 +7158,6 @@
               <a:rPr dirty="0"/>
               <a:t>CPU moves data from/to main memory to/from local buffers</a:t>
             </a:r>
-            <a:endParaRPr dirty="0"/>
           </a:p>
           <a:p>
             <a:endParaRPr sz="800" dirty="0"/>
@@ -6955,7 +7167,6 @@
               <a:rPr dirty="0"/>
               <a:t>I/O is from the device to local buffer of controller</a:t>
             </a:r>
-            <a:endParaRPr dirty="0"/>
           </a:p>
           <a:p>
             <a:endParaRPr sz="800" dirty="0"/>
@@ -6973,11 +7184,6 @@
               </a:rPr>
               <a:t>interrupt</a:t>
             </a:r>
-            <a:endParaRPr dirty="0">
-              <a:solidFill>
-                <a:srgbClr val="0000FF"/>
-              </a:solidFill>
-            </a:endParaRPr>
           </a:p>
         </p:txBody>
       </p:sp>
@@ -6998,7 +7204,14 @@
         <p:cNvGrpSpPr/>
         <p:nvPr/>
       </p:nvGrpSpPr>
-      <p:grpSpPr/>
+      <p:grpSpPr>
+        <a:xfrm>
+          <a:off x="0" y="0"/>
+          <a:ext cx="0" cy="0"/>
+          <a:chOff x="0" y="0"/>
+          <a:chExt cx="0" cy="0"/>
+        </a:xfrm>
+      </p:grpSpPr>
       <p:sp>
         <p:nvSpPr>
           <p:cNvPr id="15362" name="Rectangle 2"/>
@@ -7014,13 +7227,13 @@
         </p:spPr>
         <p:txBody>
           <a:bodyPr vert="horz" wrap="square" lIns="91440" tIns="45720" rIns="91440" bIns="45720" anchor="b" anchorCtr="0"/>
+          <a:lstStyle/>
           <a:p>
             <a:pPr eaLnBrk="1" hangingPunct="1"/>
             <a:r>
               <a:rPr dirty="0"/>
               <a:t>Common Functions of Interrupts</a:t>
             </a:r>
-            <a:endParaRPr dirty="0"/>
           </a:p>
         </p:txBody>
       </p:sp>
@@ -7147,20 +7360,6 @@
               </a:rPr>
               <a:t>, which contains the addresses of all the service routines</a:t>
             </a:r>
-            <a:endParaRPr kumimoji="1" lang="en-US" sz="1800" b="0" i="0" u="none" strike="noStrike" kern="0" cap="none" spc="0" normalizeH="0" baseline="0" noProof="0" dirty="0">
-              <a:ln>
-                <a:noFill/>
-              </a:ln>
-              <a:solidFill>
-                <a:schemeClr val="tx1"/>
-              </a:solidFill>
-              <a:effectLst/>
-              <a:uLnTx/>
-              <a:uFillTx/>
-              <a:latin typeface="+mn-lt"/>
-              <a:ea typeface="MS PGothic" panose="020B0600070205080204" pitchFamily="34" charset="-128"/>
-              <a:cs typeface="MS PGothic" panose="020B0600070205080204" pitchFamily="34" charset="-128"/>
-            </a:endParaRPr>
           </a:p>
           <a:p>
             <a:pPr marL="342900" marR="0" lvl="0" indent="-342900" algn="l" defTabSz="914400" rtl="0" eaLnBrk="0" fontAlgn="base" latinLnBrk="0" hangingPunct="0">
@@ -7232,20 +7431,6 @@
               </a:rPr>
               <a:t>Interrupt architecture must save the address of the interrupted instruction</a:t>
             </a:r>
-            <a:endParaRPr kumimoji="1" lang="en-US" sz="1800" b="0" i="0" u="none" strike="noStrike" kern="0" cap="none" spc="0" normalizeH="0" baseline="0" noProof="0" dirty="0">
-              <a:ln>
-                <a:noFill/>
-              </a:ln>
-              <a:solidFill>
-                <a:schemeClr val="tx1"/>
-              </a:solidFill>
-              <a:effectLst/>
-              <a:uLnTx/>
-              <a:uFillTx/>
-              <a:latin typeface="+mn-lt"/>
-              <a:ea typeface="MS PGothic" panose="020B0600070205080204" pitchFamily="34" charset="-128"/>
-              <a:cs typeface="MS PGothic" panose="020B0600070205080204" pitchFamily="34" charset="-128"/>
-            </a:endParaRPr>
           </a:p>
           <a:p>
             <a:pPr marL="0" marR="0" lvl="0" indent="0" algn="l" defTabSz="914400" rtl="0" eaLnBrk="0" fontAlgn="base" latinLnBrk="0" hangingPunct="0">
@@ -7349,15 +7534,15 @@
                 <a:ea typeface="MS PGothic" panose="020B0600070205080204" pitchFamily="34" charset="-128"/>
                 <a:cs typeface="MS PGothic" panose="020B0600070205080204" pitchFamily="34" charset="-128"/>
               </a:rPr>
-              <a:t> </a:t>
-            </a:r>
-            <a:r>
-              <a:rPr kumimoji="1" lang="en-US" sz="1800" b="0" i="0" u="none" strike="noStrike" kern="0" cap="none" spc="0" normalizeH="0" baseline="0" noProof="0" dirty="0" smtClean="0">
+              <a:t> or </a:t>
+            </a:r>
+            <a:r>
+              <a:rPr kumimoji="1" lang="en-US" sz="1800" b="1" i="0" u="none" strike="noStrike" kern="0" cap="none" spc="0" normalizeH="0" baseline="0" noProof="0" dirty="0">
                 <a:ln>
                   <a:noFill/>
                 </a:ln>
                 <a:solidFill>
-                  <a:schemeClr val="tx1"/>
+                  <a:srgbClr val="3366FF"/>
                 </a:solidFill>
                 <a:effectLst/>
                 <a:uLnTx/>
@@ -7366,15 +7551,15 @@
                 <a:ea typeface="MS PGothic" panose="020B0600070205080204" pitchFamily="34" charset="-128"/>
                 <a:cs typeface="MS PGothic" panose="020B0600070205080204" pitchFamily="34" charset="-128"/>
               </a:rPr>
-              <a:t>or </a:t>
-            </a:r>
-            <a:r>
-              <a:rPr kumimoji="1" lang="en-US" sz="1800" b="1" i="0" u="none" strike="noStrike" kern="0" cap="none" spc="0" normalizeH="0" baseline="0" noProof="0" dirty="0">
+              <a:t>exception</a:t>
+            </a:r>
+            <a:r>
+              <a:rPr kumimoji="1" lang="en-US" sz="1800" b="0" i="0" u="none" strike="noStrike" kern="0" cap="none" spc="0" normalizeH="0" baseline="0" noProof="0" dirty="0">
                 <a:ln>
                   <a:noFill/>
                 </a:ln>
                 <a:solidFill>
-                  <a:srgbClr val="3366FF"/>
+                  <a:schemeClr val="tx1"/>
                 </a:solidFill>
                 <a:effectLst/>
                 <a:uLnTx/>
@@ -7383,56 +7568,8 @@
                 <a:ea typeface="MS PGothic" panose="020B0600070205080204" pitchFamily="34" charset="-128"/>
                 <a:cs typeface="MS PGothic" panose="020B0600070205080204" pitchFamily="34" charset="-128"/>
               </a:rPr>
-              <a:t>exception</a:t>
-            </a:r>
-            <a:r>
-              <a:rPr kumimoji="1" lang="en-US" sz="1800" b="0" i="0" u="none" strike="noStrike" kern="0" cap="none" spc="0" normalizeH="0" baseline="0" noProof="0" dirty="0" smtClean="0">
-                <a:ln>
-                  <a:noFill/>
-                </a:ln>
-                <a:solidFill>
-                  <a:schemeClr val="tx1"/>
-                </a:solidFill>
-                <a:effectLst/>
-                <a:uLnTx/>
-                <a:uFillTx/>
-                <a:latin typeface="+mn-lt"/>
-                <a:ea typeface="MS PGothic" panose="020B0600070205080204" pitchFamily="34" charset="-128"/>
-                <a:cs typeface="MS PGothic" panose="020B0600070205080204" pitchFamily="34" charset="-128"/>
-              </a:rPr>
-              <a:t> is </a:t>
-            </a:r>
-            <a:r>
-              <a:rPr kumimoji="1" lang="en-US" sz="1800" b="0" i="0" u="none" strike="noStrike" kern="0" cap="none" spc="0" normalizeH="0" baseline="0" noProof="0" dirty="0">
-                <a:ln>
-                  <a:noFill/>
-                </a:ln>
-                <a:solidFill>
-                  <a:schemeClr val="tx1"/>
-                </a:solidFill>
-                <a:effectLst/>
-                <a:uLnTx/>
-                <a:uFillTx/>
-                <a:latin typeface="+mn-lt"/>
-                <a:ea typeface="MS PGothic" panose="020B0600070205080204" pitchFamily="34" charset="-128"/>
-                <a:cs typeface="MS PGothic" panose="020B0600070205080204" pitchFamily="34" charset="-128"/>
-              </a:rPr>
-              <a:t>a software-generated interrupt caused either by an error or a user request</a:t>
-            </a:r>
-            <a:endParaRPr kumimoji="1" lang="en-US" sz="1800" b="0" i="0" u="none" strike="noStrike" kern="0" cap="none" spc="0" normalizeH="0" baseline="0" noProof="0" dirty="0">
-              <a:ln>
-                <a:noFill/>
-              </a:ln>
-              <a:solidFill>
-                <a:schemeClr val="tx1"/>
-              </a:solidFill>
-              <a:effectLst/>
-              <a:uLnTx/>
-              <a:uFillTx/>
-              <a:latin typeface="+mn-lt"/>
-              <a:ea typeface="MS PGothic" panose="020B0600070205080204" pitchFamily="34" charset="-128"/>
-              <a:cs typeface="MS PGothic" panose="020B0600070205080204" pitchFamily="34" charset="-128"/>
-            </a:endParaRPr>
+              <a:t> is a software-generated interrupt caused either by an error or a user request</a:t>
+            </a:r>
           </a:p>
           <a:p>
             <a:pPr marL="342900" marR="0" lvl="0" indent="-342900" algn="l" defTabSz="914400" rtl="0" eaLnBrk="0" fontAlgn="base" latinLnBrk="0" hangingPunct="0">
@@ -7521,20 +7658,6 @@
               </a:rPr>
               <a:t>interrupt driven</a:t>
             </a:r>
-            <a:endParaRPr kumimoji="1" lang="en-US" sz="1800" b="1" i="0" u="none" strike="noStrike" kern="0" cap="none" spc="0" normalizeH="0" baseline="0" noProof="0" dirty="0">
-              <a:ln>
-                <a:noFill/>
-              </a:ln>
-              <a:solidFill>
-                <a:srgbClr val="3366FF"/>
-              </a:solidFill>
-              <a:effectLst/>
-              <a:uLnTx/>
-              <a:uFillTx/>
-              <a:latin typeface="+mn-lt"/>
-              <a:ea typeface="MS PGothic" panose="020B0600070205080204" pitchFamily="34" charset="-128"/>
-              <a:cs typeface="MS PGothic" panose="020B0600070205080204" pitchFamily="34" charset="-128"/>
-            </a:endParaRPr>
           </a:p>
         </p:txBody>
       </p:sp>
@@ -7555,7 +7678,14 @@
         <p:cNvGrpSpPr/>
         <p:nvPr/>
       </p:nvGrpSpPr>
-      <p:grpSpPr/>
+      <p:grpSpPr>
+        <a:xfrm>
+          <a:off x="0" y="0"/>
+          <a:ext cx="0" cy="0"/>
+          <a:chOff x="0" y="0"/>
+          <a:chExt cx="0" cy="0"/>
+        </a:xfrm>
+      </p:grpSpPr>
       <p:sp>
         <p:nvSpPr>
           <p:cNvPr id="16386" name="Rectangle 2"/>
@@ -7575,13 +7705,13 @@
         </p:spPr>
         <p:txBody>
           <a:bodyPr vert="horz" wrap="square" lIns="91440" tIns="45720" rIns="91440" bIns="45720" anchor="b" anchorCtr="0"/>
+          <a:lstStyle/>
           <a:p>
             <a:pPr eaLnBrk="1" hangingPunct="1"/>
             <a:r>
               <a:rPr dirty="0"/>
               <a:t>Interrupt Handling</a:t>
             </a:r>
-            <a:endParaRPr dirty="0"/>
           </a:p>
         </p:txBody>
       </p:sp>
@@ -7604,22 +7734,21 @@
         </p:spPr>
         <p:txBody>
           <a:bodyPr vert="horz" wrap="square" lIns="91440" tIns="45720" rIns="91440" bIns="45720" anchor="t" anchorCtr="0"/>
+          <a:lstStyle/>
           <a:p>
             <a:r>
               <a:rPr dirty="0"/>
               <a:t>The operating system preserves the state of the CPU by storing registers and the program counter</a:t>
             </a:r>
+          </a:p>
+          <a:p>
             <a:endParaRPr dirty="0"/>
           </a:p>
           <a:p>
-            <a:endParaRPr dirty="0"/>
-          </a:p>
-          <a:p>
             <a:r>
               <a:rPr dirty="0"/>
               <a:t>Determines which type of interrupt has occurred:</a:t>
             </a:r>
-            <a:endParaRPr dirty="0"/>
           </a:p>
           <a:p>
             <a:pPr lvl="1"/>
@@ -7631,11 +7760,6 @@
               </a:rPr>
               <a:t>polling</a:t>
             </a:r>
-            <a:endParaRPr b="1" dirty="0">
-              <a:solidFill>
-                <a:srgbClr val="3366FF"/>
-              </a:solidFill>
-            </a:endParaRPr>
           </a:p>
           <a:p>
             <a:pPr lvl="1"/>
@@ -7651,7 +7775,6 @@
               <a:rPr dirty="0"/>
               <a:t> interrupt system</a:t>
             </a:r>
-            <a:endParaRPr dirty="0"/>
           </a:p>
           <a:p>
             <a:pPr lvl="1"/>
@@ -7662,7 +7785,6 @@
               <a:rPr dirty="0"/>
               <a:t>Separate segments of code determine what action should be taken for each type of interrupt</a:t>
             </a:r>
-            <a:endParaRPr dirty="0"/>
           </a:p>
         </p:txBody>
       </p:sp>
@@ -7683,7 +7805,14 @@
         <p:cNvGrpSpPr/>
         <p:nvPr/>
       </p:nvGrpSpPr>
-      <p:grpSpPr/>
+      <p:grpSpPr>
+        <a:xfrm>
+          <a:off x="0" y="0"/>
+          <a:ext cx="0" cy="0"/>
+          <a:chOff x="0" y="0"/>
+          <a:chExt cx="0" cy="0"/>
+        </a:xfrm>
+      </p:grpSpPr>
       <p:sp>
         <p:nvSpPr>
           <p:cNvPr id="18434" name="Rectangle 2"/>
@@ -7699,13 +7828,13 @@
         </p:spPr>
         <p:txBody>
           <a:bodyPr vert="horz" wrap="square" lIns="91440" tIns="45720" rIns="91440" bIns="45720" anchor="b" anchorCtr="0"/>
+          <a:lstStyle/>
           <a:p>
             <a:pPr eaLnBrk="1" hangingPunct="1"/>
             <a:r>
               <a:rPr dirty="0"/>
               <a:t>I/O Structure</a:t>
             </a:r>
-            <a:endParaRPr dirty="0"/>
           </a:p>
         </p:txBody>
       </p:sp>
@@ -7728,6 +7857,7 @@
         </p:spPr>
         <p:txBody>
           <a:bodyPr vert="horz" wrap="square" lIns="91440" tIns="45720" rIns="91440" bIns="45720" anchor="t" anchorCtr="0"/>
+          <a:lstStyle/>
           <a:p>
             <a:pPr>
               <a:lnSpc>
@@ -7738,7 +7868,6 @@
               <a:rPr dirty="0"/>
               <a:t>After I/O starts, control returns to user program only upon I/O completion</a:t>
             </a:r>
-            <a:endParaRPr dirty="0"/>
           </a:p>
           <a:p>
             <a:pPr lvl="1">
@@ -7750,7 +7879,6 @@
               <a:rPr dirty="0"/>
               <a:t>Wait instruction idles the CPU until the next interrupt</a:t>
             </a:r>
-            <a:endParaRPr dirty="0"/>
           </a:p>
           <a:p>
             <a:pPr lvl="1">
@@ -7762,7 +7890,6 @@
               <a:rPr dirty="0"/>
               <a:t>Wait loop (contention for memory access)</a:t>
             </a:r>
-            <a:endParaRPr dirty="0"/>
           </a:p>
           <a:p>
             <a:pPr lvl="1">
@@ -7774,7 +7901,6 @@
               <a:rPr dirty="0"/>
               <a:t>At most one I/O request is outstanding at a time, no simultaneous I/O processing</a:t>
             </a:r>
-            <a:endParaRPr dirty="0"/>
           </a:p>
           <a:p>
             <a:pPr lvl="1">
@@ -7794,7 +7920,6 @@
               <a:rPr dirty="0"/>
               <a:t>After I/O starts, control returns to user program without waiting for I/O completion</a:t>
             </a:r>
-            <a:endParaRPr dirty="0"/>
           </a:p>
           <a:p>
             <a:pPr lvl="1">
@@ -7814,7 +7939,6 @@
               <a:rPr dirty="0"/>
               <a:t>– request to the OS to allow user to wait for I/O completion</a:t>
             </a:r>
-            <a:endParaRPr dirty="0"/>
           </a:p>
           <a:p>
             <a:pPr lvl="1">
@@ -7834,7 +7958,6 @@
               <a:rPr dirty="0"/>
               <a:t>contains entry for each I/O device indicating its type, address, and state</a:t>
             </a:r>
-            <a:endParaRPr dirty="0"/>
           </a:p>
           <a:p>
             <a:pPr lvl="1">
@@ -7846,7 +7969,6 @@
               <a:rPr dirty="0"/>
               <a:t>OS indexes into I/O device table to determine device status and to modify table entry to include interrupt</a:t>
             </a:r>
-            <a:endParaRPr dirty="0"/>
           </a:p>
           <a:p>
             <a:pPr lvl="1">
@@ -7875,7 +7997,14 @@
         <p:cNvGrpSpPr/>
         <p:nvPr/>
       </p:nvGrpSpPr>
-      <p:grpSpPr/>
+      <p:grpSpPr>
+        <a:xfrm>
+          <a:off x="0" y="0"/>
+          <a:ext cx="0" cy="0"/>
+          <a:chOff x="0" y="0"/>
+          <a:chExt cx="0" cy="0"/>
+        </a:xfrm>
+      </p:grpSpPr>
       <p:sp>
         <p:nvSpPr>
           <p:cNvPr id="20482" name="Rectangle 2"/>
@@ -7895,13 +8024,13 @@
         </p:spPr>
         <p:txBody>
           <a:bodyPr vert="horz" wrap="square" lIns="91440" tIns="45720" rIns="91440" bIns="45720" anchor="b" anchorCtr="0"/>
+          <a:lstStyle/>
           <a:p>
             <a:pPr eaLnBrk="1" hangingPunct="1"/>
             <a:r>
               <a:rPr dirty="0"/>
               <a:t>Direct Memory Access Structure</a:t>
             </a:r>
-            <a:endParaRPr dirty="0"/>
           </a:p>
         </p:txBody>
       </p:sp>
@@ -7924,32 +8053,30 @@
         </p:spPr>
         <p:txBody>
           <a:bodyPr vert="horz" wrap="square" lIns="91440" tIns="45720" rIns="91440" bIns="45720" anchor="t" anchorCtr="0"/>
+          <a:lstStyle/>
           <a:p>
             <a:r>
               <a:rPr dirty="0"/>
               <a:t>Used for high-speed I/O devices able to transmit information at close to memory speeds</a:t>
             </a:r>
+          </a:p>
+          <a:p>
             <a:endParaRPr dirty="0"/>
           </a:p>
           <a:p>
+            <a:r>
+              <a:rPr dirty="0"/>
+              <a:t>Device controller transfers blocks of data from buffer storage directly to main memory without CPU intervention</a:t>
+            </a:r>
+          </a:p>
+          <a:p>
             <a:endParaRPr dirty="0"/>
           </a:p>
           <a:p>
             <a:r>
               <a:rPr dirty="0"/>
-              <a:t>Device controller transfers blocks of data from buffer storage directly to main memory without CPU intervention</a:t>
-            </a:r>
-            <a:endParaRPr dirty="0"/>
-          </a:p>
-          <a:p>
-            <a:endParaRPr dirty="0"/>
-          </a:p>
-          <a:p>
-            <a:r>
-              <a:rPr dirty="0"/>
               <a:t>Only one interrupt is generated per block, rather than the one interrupt per byte</a:t>
             </a:r>
-            <a:endParaRPr dirty="0"/>
           </a:p>
         </p:txBody>
       </p:sp>
@@ -7970,7 +8097,14 @@
         <p:cNvGrpSpPr/>
         <p:nvPr/>
       </p:nvGrpSpPr>
-      <p:grpSpPr/>
+      <p:grpSpPr>
+        <a:xfrm>
+          <a:off x="0" y="0"/>
+          <a:ext cx="0" cy="0"/>
+          <a:chOff x="0" y="0"/>
+          <a:chExt cx="0" cy="0"/>
+        </a:xfrm>
+      </p:grpSpPr>
       <p:sp>
         <p:nvSpPr>
           <p:cNvPr id="21506" name="Rectangle 2"/>
@@ -7986,13 +8120,13 @@
         </p:spPr>
         <p:txBody>
           <a:bodyPr vert="horz" wrap="square" lIns="91440" tIns="45720" rIns="91440" bIns="45720" anchor="b" anchorCtr="0"/>
+          <a:lstStyle/>
           <a:p>
             <a:pPr eaLnBrk="1" hangingPunct="1"/>
             <a:r>
               <a:rPr dirty="0"/>
               <a:t>Storage Structure</a:t>
             </a:r>
-            <a:endParaRPr dirty="0"/>
           </a:p>
         </p:txBody>
       </p:sp>
@@ -8015,12 +8149,12 @@
         </p:spPr>
         <p:txBody>
           <a:bodyPr vert="horz" wrap="square" lIns="91440" tIns="45720" rIns="91440" bIns="45720" anchor="t" anchorCtr="0"/>
+          <a:lstStyle/>
           <a:p>
             <a:r>
               <a:rPr dirty="0"/>
               <a:t>Main memory – only large storage media that the CPU can access directly</a:t>
             </a:r>
-            <a:endParaRPr dirty="0"/>
           </a:p>
           <a:p>
             <a:pPr lvl="1"/>
@@ -8048,11 +8182,6 @@
               </a:rPr>
               <a:t>access</a:t>
             </a:r>
-            <a:endParaRPr b="1" dirty="0">
-              <a:solidFill>
-                <a:srgbClr val="3366FF"/>
-              </a:solidFill>
-            </a:endParaRPr>
           </a:p>
           <a:p>
             <a:pPr lvl="1"/>
@@ -8068,11 +8197,6 @@
               </a:rPr>
               <a:t>volatile</a:t>
             </a:r>
-            <a:endParaRPr b="1" dirty="0">
-              <a:solidFill>
-                <a:srgbClr val="3366FF"/>
-              </a:solidFill>
-            </a:endParaRPr>
           </a:p>
           <a:p>
             <a:r>
@@ -8099,14 +8223,12 @@
               <a:rPr dirty="0"/>
               <a:t>storage capacity</a:t>
             </a:r>
-            <a:endParaRPr dirty="0"/>
           </a:p>
           <a:p>
             <a:r>
               <a:rPr dirty="0"/>
               <a:t>Magnetic disks – rigid metal or glass platters covered with magnetic recording material </a:t>
             </a:r>
-            <a:endParaRPr dirty="0"/>
           </a:p>
           <a:p>
             <a:pPr lvl="1"/>
@@ -8134,11 +8256,6 @@
               </a:rPr>
               <a:t>sectors</a:t>
             </a:r>
-            <a:endParaRPr b="1" dirty="0">
-              <a:solidFill>
-                <a:srgbClr val="3366FF"/>
-              </a:solidFill>
-            </a:endParaRPr>
           </a:p>
           <a:p>
             <a:pPr lvl="1"/>
@@ -8158,7 +8275,6 @@
               <a:rPr dirty="0"/>
               <a:t>determines the logical interaction between the device and the computer </a:t>
             </a:r>
-            <a:endParaRPr dirty="0"/>
           </a:p>
           <a:p>
             <a:r>
@@ -8173,7 +8289,6 @@
               <a:rPr dirty="0"/>
               <a:t>– faster than magnetic disks, nonvolatile</a:t>
             </a:r>
-            <a:endParaRPr dirty="0"/>
           </a:p>
           <a:p>
             <a:pPr lvl="1"/>
@@ -8181,7 +8296,6 @@
               <a:rPr dirty="0"/>
               <a:t>Various technologies</a:t>
             </a:r>
-            <a:endParaRPr dirty="0"/>
           </a:p>
           <a:p>
             <a:pPr lvl="1"/>
@@ -8189,7 +8303,6 @@
               <a:rPr dirty="0"/>
               <a:t>Becoming more popular</a:t>
             </a:r>
-            <a:endParaRPr dirty="0"/>
           </a:p>
         </p:txBody>
       </p:sp>
@@ -8210,7 +8323,14 @@
         <p:cNvGrpSpPr/>
         <p:nvPr/>
       </p:nvGrpSpPr>
-      <p:grpSpPr/>
+      <p:grpSpPr>
+        <a:xfrm>
+          <a:off x="0" y="0"/>
+          <a:ext cx="0" cy="0"/>
+          <a:chOff x="0" y="0"/>
+          <a:chExt cx="0" cy="0"/>
+        </a:xfrm>
+      </p:grpSpPr>
       <p:sp>
         <p:nvSpPr>
           <p:cNvPr id="22530" name="Rectangle 2"/>
@@ -8230,13 +8350,13 @@
         </p:spPr>
         <p:txBody>
           <a:bodyPr vert="horz" wrap="square" lIns="91440" tIns="45720" rIns="91440" bIns="45720" anchor="b" anchorCtr="0"/>
+          <a:lstStyle/>
           <a:p>
             <a:pPr eaLnBrk="1" hangingPunct="1"/>
             <a:r>
               <a:rPr dirty="0"/>
               <a:t>Storage Hierarchy</a:t>
             </a:r>
-            <a:endParaRPr dirty="0"/>
           </a:p>
         </p:txBody>
       </p:sp>
@@ -8259,12 +8379,12 @@
         </p:spPr>
         <p:txBody>
           <a:bodyPr vert="horz" wrap="square" lIns="91440" tIns="45720" rIns="91440" bIns="45720" anchor="t" anchorCtr="0"/>
+          <a:lstStyle/>
           <a:p>
             <a:r>
               <a:rPr dirty="0"/>
               <a:t>Storage systems organized in hierarchy</a:t>
             </a:r>
-            <a:endParaRPr dirty="0"/>
           </a:p>
           <a:p>
             <a:pPr lvl="1"/>
@@ -8272,7 +8392,6 @@
               <a:rPr dirty="0"/>
               <a:t>Speed</a:t>
             </a:r>
-            <a:endParaRPr dirty="0"/>
           </a:p>
           <a:p>
             <a:pPr lvl="1"/>
@@ -8280,7 +8399,6 @@
               <a:rPr dirty="0"/>
               <a:t>Cost</a:t>
             </a:r>
-            <a:endParaRPr dirty="0"/>
           </a:p>
           <a:p>
             <a:pPr lvl="1"/>
@@ -8288,7 +8406,6 @@
               <a:rPr dirty="0"/>
               <a:t>Volatility</a:t>
             </a:r>
-            <a:endParaRPr dirty="0"/>
           </a:p>
           <a:p>
             <a:pPr lvl="1"/>
@@ -8307,12 +8424,11 @@
               <a:rPr dirty="0"/>
               <a:t> – copying information into faster storage system; main memory can be viewed as a cache for secondary storage</a:t>
             </a:r>
+          </a:p>
+          <a:p>
             <a:endParaRPr dirty="0"/>
           </a:p>
           <a:p>
-            <a:endParaRPr dirty="0"/>
-          </a:p>
-          <a:p>
             <a:r>
               <a:rPr b="1" dirty="0">
                 <a:solidFill>
@@ -8325,7 +8441,6 @@
               <a:rPr dirty="0"/>
               <a:t>for each device controller to manage I/O</a:t>
             </a:r>
-            <a:endParaRPr dirty="0"/>
           </a:p>
           <a:p>
             <a:pPr lvl="1"/>
@@ -8333,7 +8448,6 @@
               <a:rPr dirty="0"/>
               <a:t>Provides uniform interface between controller and kernel</a:t>
             </a:r>
-            <a:endParaRPr dirty="0"/>
           </a:p>
         </p:txBody>
       </p:sp>
@@ -8354,7 +8468,14 @@
         <p:cNvGrpSpPr/>
         <p:nvPr/>
       </p:nvGrpSpPr>
-      <p:grpSpPr/>
+      <p:grpSpPr>
+        <a:xfrm>
+          <a:off x="0" y="0"/>
+          <a:ext cx="0" cy="0"/>
+          <a:chOff x="0" y="0"/>
+          <a:chExt cx="0" cy="0"/>
+        </a:xfrm>
+      </p:grpSpPr>
       <p:sp>
         <p:nvSpPr>
           <p:cNvPr id="23554" name="Rectangle 2"/>
@@ -8370,13 +8491,13 @@
         </p:spPr>
         <p:txBody>
           <a:bodyPr vert="horz" wrap="square" lIns="91440" tIns="45720" rIns="91440" bIns="45720" anchor="b" anchorCtr="0"/>
+          <a:lstStyle/>
           <a:p>
             <a:pPr eaLnBrk="1" hangingPunct="1"/>
             <a:r>
               <a:rPr dirty="0"/>
               <a:t>Storage-Device Hierarchy</a:t>
             </a:r>
-            <a:endParaRPr dirty="0"/>
           </a:p>
         </p:txBody>
       </p:sp>
@@ -8389,7 +8510,7 @@
           <p:nvPr/>
         </p:nvPicPr>
         <p:blipFill>
-          <a:blip r:embed="rId1"/>
+          <a:blip r:embed="rId3"/>
           <a:stretch>
             <a:fillRect/>
           </a:stretch>
@@ -8425,7 +8546,14 @@
         <p:cNvGrpSpPr/>
         <p:nvPr/>
       </p:nvGrpSpPr>
-      <p:grpSpPr/>
+      <p:grpSpPr>
+        <a:xfrm>
+          <a:off x="0" y="0"/>
+          <a:ext cx="0" cy="0"/>
+          <a:chOff x="0" y="0"/>
+          <a:chExt cx="0" cy="0"/>
+        </a:xfrm>
+      </p:grpSpPr>
       <p:sp>
         <p:nvSpPr>
           <p:cNvPr id="4098" name="Rectangle 2"/>
@@ -8441,13 +8569,13 @@
         </p:spPr>
         <p:txBody>
           <a:bodyPr vert="horz" wrap="square" lIns="91440" tIns="45720" rIns="91440" bIns="45720" anchor="b" anchorCtr="0"/>
+          <a:lstStyle/>
           <a:p>
             <a:pPr eaLnBrk="1" hangingPunct="1"/>
             <a:r>
               <a:rPr dirty="0"/>
               <a:t>Chapter 1: Introduction</a:t>
             </a:r>
-            <a:endParaRPr dirty="0"/>
           </a:p>
         </p:txBody>
       </p:sp>
@@ -8466,89 +8594,78 @@
         </p:spPr>
         <p:txBody>
           <a:bodyPr vert="horz" wrap="square" lIns="91440" tIns="45720" rIns="91440" bIns="45720" anchor="t" anchorCtr="0"/>
+          <a:lstStyle/>
           <a:p>
             <a:r>
               <a:rPr dirty="0"/>
               <a:t>What Operating Systems Do</a:t>
             </a:r>
-            <a:endParaRPr dirty="0"/>
           </a:p>
           <a:p>
             <a:r>
               <a:rPr dirty="0"/>
               <a:t>Computer-System Organization</a:t>
             </a:r>
-            <a:endParaRPr dirty="0"/>
           </a:p>
           <a:p>
             <a:r>
               <a:rPr dirty="0"/>
               <a:t>Computer-System Architecture</a:t>
             </a:r>
-            <a:endParaRPr dirty="0"/>
           </a:p>
           <a:p>
             <a:r>
               <a:rPr dirty="0"/>
               <a:t>Operating-System Structure</a:t>
             </a:r>
-            <a:endParaRPr dirty="0"/>
           </a:p>
           <a:p>
             <a:r>
               <a:rPr dirty="0"/>
               <a:t>Operating-System Operations</a:t>
             </a:r>
-            <a:endParaRPr dirty="0"/>
           </a:p>
           <a:p>
             <a:r>
               <a:rPr dirty="0"/>
               <a:t>Process Management</a:t>
             </a:r>
-            <a:endParaRPr dirty="0"/>
           </a:p>
           <a:p>
             <a:r>
               <a:rPr dirty="0"/>
               <a:t>Memory Management</a:t>
             </a:r>
-            <a:endParaRPr dirty="0"/>
           </a:p>
           <a:p>
             <a:r>
               <a:rPr dirty="0"/>
               <a:t>Storage Management</a:t>
             </a:r>
-            <a:endParaRPr dirty="0"/>
           </a:p>
           <a:p>
             <a:r>
               <a:rPr dirty="0"/>
               <a:t>Protection and Security</a:t>
             </a:r>
-            <a:endParaRPr dirty="0"/>
           </a:p>
           <a:p>
             <a:r>
               <a:rPr dirty="0"/>
               <a:t>Kernel Data Structures</a:t>
             </a:r>
-            <a:endParaRPr dirty="0"/>
           </a:p>
           <a:p>
             <a:r>
               <a:rPr dirty="0"/>
               <a:t>Computing Environments</a:t>
             </a:r>
-            <a:endParaRPr dirty="0"/>
           </a:p>
           <a:p>
             <a:r>
               <a:rPr dirty="0"/>
               <a:t>Open-Source Operating Systems</a:t>
             </a:r>
-            <a:endParaRPr dirty="0"/>
           </a:p>
           <a:p>
             <a:pPr>
@@ -8578,7 +8695,14 @@
         <p:cNvGrpSpPr/>
         <p:nvPr/>
       </p:nvGrpSpPr>
-      <p:grpSpPr/>
+      <p:grpSpPr>
+        <a:xfrm>
+          <a:off x="0" y="0"/>
+          <a:ext cx="0" cy="0"/>
+          <a:chOff x="0" y="0"/>
+          <a:chExt cx="0" cy="0"/>
+        </a:xfrm>
+      </p:grpSpPr>
       <p:sp>
         <p:nvSpPr>
           <p:cNvPr id="25602" name="Title 1"/>
@@ -8598,12 +8722,12 @@
         </p:spPr>
         <p:txBody>
           <a:bodyPr vert="horz" wrap="square" lIns="91440" tIns="45720" rIns="91440" bIns="45720" anchor="b" anchorCtr="0"/>
+          <a:lstStyle/>
           <a:p>
             <a:r>
               <a:rPr dirty="0"/>
               <a:t>Computer-System Architecture</a:t>
             </a:r>
-            <a:endParaRPr dirty="0"/>
           </a:p>
         </p:txBody>
       </p:sp>
@@ -8622,26 +8746,39 @@
         </p:spPr>
         <p:txBody>
           <a:bodyPr vert="horz" wrap="square" lIns="91440" tIns="45720" rIns="91440" bIns="45720" anchor="t" anchorCtr="0"/>
-          <a:p>
+          <a:lstStyle/>
+          <a:p>
+            <a:endParaRPr lang="en-US" dirty="0"/>
+          </a:p>
+          <a:p>
+            <a:endParaRPr lang="en-US" dirty="0"/>
+          </a:p>
+          <a:p>
+            <a:endParaRPr lang="en-US" dirty="0"/>
+          </a:p>
+          <a:p>
+            <a:endParaRPr lang="en-US" dirty="0"/>
+          </a:p>
+          <a:p>
+            <a:pPr lvl="1"/>
             <a:r>
               <a:rPr dirty="0"/>
               <a:t>Most systems use a single general-purpose processor (PDAs through mainframes)</a:t>
             </a:r>
-            <a:endParaRPr dirty="0"/>
-          </a:p>
-          <a:p>
-            <a:pPr lvl="1"/>
+          </a:p>
+          <a:p>
+            <a:pPr lvl="2"/>
             <a:r>
               <a:rPr dirty="0"/>
               <a:t>Most systems have special-purpose processors as well</a:t>
             </a:r>
-            <a:endParaRPr dirty="0"/>
           </a:p>
           <a:p>
             <a:pPr lvl="1"/>
             <a:endParaRPr sz="800" dirty="0"/>
           </a:p>
           <a:p>
+            <a:pPr lvl="1"/>
             <a:r>
               <a:rPr b="1" dirty="0">
                 <a:solidFill>
@@ -8662,47 +8799,113 @@
               <a:rPr dirty="0"/>
               <a:t>systems growing in use and importance</a:t>
             </a:r>
-            <a:endParaRPr dirty="0"/>
+          </a:p>
+          <a:p>
+            <a:pPr lvl="2"/>
+            <a:r>
+              <a:rPr dirty="0"/>
+              <a:t>Also known as </a:t>
+            </a:r>
+            <a:r>
+              <a:rPr b="1" dirty="0">
+                <a:solidFill>
+                  <a:srgbClr val="3366FF"/>
+                </a:solidFill>
+              </a:rPr>
+              <a:t>parallel systems</a:t>
+            </a:r>
+            <a:r>
+              <a:rPr dirty="0"/>
+              <a:t>, </a:t>
+            </a:r>
+            <a:r>
+              <a:rPr b="1" dirty="0">
+                <a:solidFill>
+                  <a:srgbClr val="3366FF"/>
+                </a:solidFill>
+              </a:rPr>
+              <a:t>tightly-coupled systems</a:t>
+            </a:r>
+          </a:p>
+          <a:p>
+            <a:pPr lvl="2"/>
+            <a:r>
+              <a:rPr dirty="0"/>
+              <a:t>Advantages include:</a:t>
+            </a:r>
+          </a:p>
+          <a:p>
+            <a:pPr marL="1543050" lvl="3" indent="-342900">
+              <a:buFont typeface="Arial" panose="020B0604020202020204" pitchFamily="34" charset="0"/>
+              <a:buAutoNum type="arabicPeriod"/>
+            </a:pPr>
+            <a:r>
+              <a:rPr b="1" dirty="0">
+                <a:solidFill>
+                  <a:srgbClr val="3366FF"/>
+                </a:solidFill>
+              </a:rPr>
+              <a:t>Increased throughput</a:t>
+            </a:r>
+          </a:p>
+          <a:p>
+            <a:pPr marL="1543050" lvl="3" indent="-342900">
+              <a:buFont typeface="Arial" panose="020B0604020202020204" pitchFamily="34" charset="0"/>
+              <a:buAutoNum type="arabicPeriod"/>
+            </a:pPr>
+            <a:r>
+              <a:rPr b="1" dirty="0">
+                <a:solidFill>
+                  <a:srgbClr val="3366FF"/>
+                </a:solidFill>
+              </a:rPr>
+              <a:t>Economy of scale</a:t>
+            </a:r>
+          </a:p>
+          <a:p>
+            <a:pPr marL="1543050" lvl="3" indent="-342900">
+              <a:buFont typeface="Arial" panose="020B0604020202020204" pitchFamily="34" charset="0"/>
+              <a:buAutoNum type="arabicPeriod"/>
+            </a:pPr>
+            <a:r>
+              <a:rPr b="1" dirty="0">
+                <a:solidFill>
+                  <a:srgbClr val="3366FF"/>
+                </a:solidFill>
+              </a:rPr>
+              <a:t>Increased reliability – graceful degradation</a:t>
+            </a:r>
+            <a:r>
+              <a:rPr dirty="0">
+                <a:solidFill>
+                  <a:srgbClr val="3366FF"/>
+                </a:solidFill>
+              </a:rPr>
+              <a:t> </a:t>
+            </a:r>
+            <a:r>
+              <a:rPr dirty="0">
+                <a:solidFill>
+                  <a:srgbClr val="000000"/>
+                </a:solidFill>
+              </a:rPr>
+              <a:t>or </a:t>
+            </a:r>
+            <a:r>
+              <a:rPr b="1" dirty="0">
+                <a:solidFill>
+                  <a:srgbClr val="3366FF"/>
+                </a:solidFill>
+              </a:rPr>
+              <a:t>fault tolerance</a:t>
+            </a:r>
           </a:p>
           <a:p>
             <a:pPr lvl="1"/>
             <a:r>
               <a:rPr dirty="0"/>
-              <a:t>Also known as </a:t>
-            </a:r>
-            <a:r>
-              <a:rPr b="1" dirty="0">
-                <a:solidFill>
-                  <a:srgbClr val="3366FF"/>
-                </a:solidFill>
-              </a:rPr>
-              <a:t>parallel systems</a:t>
-            </a:r>
-            <a:r>
-              <a:rPr dirty="0"/>
-              <a:t>, </a:t>
-            </a:r>
-            <a:r>
-              <a:rPr b="1" dirty="0">
-                <a:solidFill>
-                  <a:srgbClr val="3366FF"/>
-                </a:solidFill>
-              </a:rPr>
-              <a:t>tightly-coupled systems</a:t>
-            </a:r>
-            <a:endParaRPr b="1" dirty="0">
-              <a:solidFill>
-                <a:srgbClr val="3366FF"/>
-              </a:solidFill>
-            </a:endParaRPr>
-          </a:p>
-          <a:p>
-            <a:pPr lvl="1"/>
-            <a:r>
-              <a:rPr dirty="0"/>
-              <a:t>Advantages include:</a:t>
-            </a:r>
-            <a:endParaRPr dirty="0"/>
+              <a:t>Two types:</a:t>
+            </a:r>
           </a:p>
           <a:p>
             <a:pPr marL="1200150" lvl="2" indent="-342900">
@@ -8715,13 +8918,8 @@
                   <a:srgbClr val="3366FF"/>
                 </a:solidFill>
               </a:rPr>
-              <a:t>Increased throughput</a:t>
-            </a:r>
-            <a:endParaRPr b="1" dirty="0">
-              <a:solidFill>
-                <a:srgbClr val="3366FF"/>
-              </a:solidFill>
-            </a:endParaRPr>
+              <a:t>Asymmetric Multiprocessing</a:t>
+            </a:r>
           </a:p>
           <a:p>
             <a:pPr marL="1200150" lvl="2" indent="-342900">
@@ -8734,102 +8932,8 @@
                   <a:srgbClr val="3366FF"/>
                 </a:solidFill>
               </a:rPr>
-              <a:t>Economy of scale</a:t>
-            </a:r>
-            <a:endParaRPr b="1" dirty="0">
-              <a:solidFill>
-                <a:srgbClr val="3366FF"/>
-              </a:solidFill>
-            </a:endParaRPr>
-          </a:p>
-          <a:p>
-            <a:pPr marL="1200150" lvl="2" indent="-342900">
-              <a:buFont typeface="Arial" panose="020B0604020202020204" pitchFamily="34" charset="0"/>
-              <a:buAutoNum type="arabicPeriod"/>
-            </a:pPr>
-            <a:r>
-              <a:rPr b="1" dirty="0">
-                <a:solidFill>
-                  <a:srgbClr val="3366FF"/>
-                </a:solidFill>
-              </a:rPr>
-              <a:t>Increased reliability – graceful degradation</a:t>
-            </a:r>
-            <a:r>
-              <a:rPr dirty="0">
-                <a:solidFill>
-                  <a:srgbClr val="3366FF"/>
-                </a:solidFill>
-              </a:rPr>
-              <a:t> </a:t>
-            </a:r>
-            <a:r>
-              <a:rPr dirty="0">
-                <a:solidFill>
-                  <a:srgbClr val="000000"/>
-                </a:solidFill>
-              </a:rPr>
-              <a:t>or </a:t>
-            </a:r>
-            <a:r>
-              <a:rPr b="1" dirty="0">
-                <a:solidFill>
-                  <a:srgbClr val="3366FF"/>
-                </a:solidFill>
-              </a:rPr>
-              <a:t>fault tolerance</a:t>
-            </a:r>
-            <a:endParaRPr b="1" dirty="0">
-              <a:solidFill>
-                <a:srgbClr val="3366FF"/>
-              </a:solidFill>
-            </a:endParaRPr>
-          </a:p>
-          <a:p>
-            <a:pPr lvl="1"/>
-            <a:r>
-              <a:rPr dirty="0"/>
-              <a:t>Two types:</a:t>
-            </a:r>
-            <a:endParaRPr dirty="0"/>
-          </a:p>
-          <a:p>
-            <a:pPr marL="1200150" lvl="2" indent="-342900">
-              <a:buFont typeface="Arial" panose="020B0604020202020204" pitchFamily="34" charset="0"/>
-              <a:buAutoNum type="arabicPeriod"/>
-            </a:pPr>
-            <a:r>
-              <a:rPr b="1" dirty="0">
-                <a:solidFill>
-                  <a:srgbClr val="3366FF"/>
-                </a:solidFill>
-              </a:rPr>
-              <a:t>Asymmetric Multiprocessing</a:t>
-            </a:r>
-            <a:endParaRPr b="1" dirty="0">
-              <a:solidFill>
-                <a:srgbClr val="3366FF"/>
-              </a:solidFill>
-            </a:endParaRPr>
-          </a:p>
-          <a:p>
-            <a:pPr marL="1200150" lvl="2" indent="-342900">
-              <a:buFont typeface="Arial" panose="020B0604020202020204" pitchFamily="34" charset="0"/>
-              <a:buAutoNum type="arabicPeriod"/>
-            </a:pPr>
-            <a:r>
-              <a:rPr b="1" dirty="0">
-                <a:solidFill>
-                  <a:srgbClr val="3366FF"/>
-                </a:solidFill>
-              </a:rPr>
               <a:t>Symmetric Multiprocessing</a:t>
             </a:r>
-            <a:endParaRPr b="1" dirty="0">
-              <a:solidFill>
-                <a:srgbClr val="3366FF"/>
-              </a:solidFill>
-            </a:endParaRPr>
           </a:p>
           <a:p>
             <a:pPr marL="1200150" lvl="2" indent="-342900">
@@ -8860,7 +8964,14 @@
         <p:cNvGrpSpPr/>
         <p:nvPr/>
       </p:nvGrpSpPr>
-      <p:grpSpPr/>
+      <p:grpSpPr>
+        <a:xfrm>
+          <a:off x="0" y="0"/>
+          <a:ext cx="0" cy="0"/>
+          <a:chOff x="0" y="0"/>
+          <a:chExt cx="0" cy="0"/>
+        </a:xfrm>
+      </p:grpSpPr>
       <p:sp>
         <p:nvSpPr>
           <p:cNvPr id="26626" name="Title 1"/>
@@ -8876,12 +8987,12 @@
         </p:spPr>
         <p:txBody>
           <a:bodyPr vert="horz" wrap="square" lIns="91440" tIns="45720" rIns="91440" bIns="45720" anchor="b" anchorCtr="0"/>
+          <a:lstStyle/>
           <a:p>
             <a:r>
               <a:rPr dirty="0"/>
               <a:t>How a Modern Computer Works</a:t>
             </a:r>
-            <a:endParaRPr dirty="0"/>
           </a:p>
         </p:txBody>
       </p:sp>
@@ -8894,7 +9005,7 @@
           <p:nvPr/>
         </p:nvPicPr>
         <p:blipFill>
-          <a:blip r:embed="rId1"/>
+          <a:blip r:embed="rId3"/>
           <a:stretch>
             <a:fillRect/>
           </a:stretch>
@@ -8936,6 +9047,7 @@
           <a:bodyPr>
             <a:spAutoFit/>
           </a:bodyPr>
+          <a:lstStyle/>
           <a:p>
             <a:r>
               <a:rPr sz="1400" i="1" dirty="0">
@@ -8943,9 +9055,6 @@
               </a:rPr>
               <a:t>A von Neumann architecture</a:t>
             </a:r>
-            <a:endParaRPr sz="1400" i="1" dirty="0">
-              <a:latin typeface="Verdana" panose="020B0604030504040204" pitchFamily="34" charset="0"/>
-            </a:endParaRPr>
           </a:p>
         </p:txBody>
       </p:sp>
@@ -8966,7 +9075,14 @@
         <p:cNvGrpSpPr/>
         <p:nvPr/>
       </p:nvGrpSpPr>
-      <p:grpSpPr/>
+      <p:grpSpPr>
+        <a:xfrm>
+          <a:off x="0" y="0"/>
+          <a:ext cx="0" cy="0"/>
+          <a:chOff x="0" y="0"/>
+          <a:chExt cx="0" cy="0"/>
+        </a:xfrm>
+      </p:grpSpPr>
       <p:sp>
         <p:nvSpPr>
           <p:cNvPr id="30722" name="Title 1"/>
@@ -8982,12 +9098,12 @@
         </p:spPr>
         <p:txBody>
           <a:bodyPr vert="horz" wrap="square" lIns="91440" tIns="45720" rIns="91440" bIns="45720" anchor="b" anchorCtr="0"/>
+          <a:lstStyle/>
           <a:p>
             <a:r>
               <a:rPr dirty="0"/>
               <a:t>Clustered Systems</a:t>
             </a:r>
-            <a:endParaRPr dirty="0"/>
           </a:p>
         </p:txBody>
       </p:sp>
@@ -9002,7 +9118,7 @@
           </p:nvPr>
         </p:nvPicPr>
         <p:blipFill>
-          <a:blip r:embed="rId1"/>
+          <a:blip r:embed="rId2"/>
           <a:srcRect t="-3476" b="-3476"/>
           <a:stretch>
             <a:fillRect/>
@@ -9029,7 +9145,14 @@
         <p:cNvGrpSpPr/>
         <p:nvPr/>
       </p:nvGrpSpPr>
-      <p:grpSpPr/>
+      <p:grpSpPr>
+        <a:xfrm>
+          <a:off x="0" y="0"/>
+          <a:ext cx="0" cy="0"/>
+          <a:chOff x="0" y="0"/>
+          <a:chExt cx="0" cy="0"/>
+        </a:xfrm>
+      </p:grpSpPr>
       <p:sp>
         <p:nvSpPr>
           <p:cNvPr id="31746" name="Rectangle 2"/>
@@ -9049,13 +9172,13 @@
         </p:spPr>
         <p:txBody>
           <a:bodyPr vert="horz" wrap="square" lIns="91440" tIns="45720" rIns="91440" bIns="45720" anchor="b" anchorCtr="0"/>
+          <a:lstStyle/>
           <a:p>
             <a:pPr eaLnBrk="1" hangingPunct="1"/>
             <a:r>
               <a:rPr dirty="0"/>
               <a:t>Operating System Structure</a:t>
             </a:r>
-            <a:endParaRPr dirty="0"/>
           </a:p>
         </p:txBody>
       </p:sp>
@@ -9078,6 +9201,7 @@
         </p:spPr>
         <p:txBody>
           <a:bodyPr vert="horz" wrap="square" lIns="91440" tIns="45720" rIns="91440" bIns="45720" anchor="t" anchorCtr="0"/>
+          <a:lstStyle/>
           <a:p>
             <a:pPr>
               <a:lnSpc>
@@ -9105,7 +9229,6 @@
               <a:rPr sz="1600" dirty="0"/>
               <a:t> needed for efficiency</a:t>
             </a:r>
-            <a:endParaRPr sz="1600" dirty="0"/>
           </a:p>
           <a:p>
             <a:pPr lvl="1">
@@ -9117,7 +9240,6 @@
               <a:rPr sz="1600" dirty="0"/>
               <a:t>Single user cannot keep CPU and I/O devices busy at all times</a:t>
             </a:r>
-            <a:endParaRPr sz="1600" dirty="0"/>
           </a:p>
           <a:p>
             <a:pPr lvl="1">
@@ -9129,7 +9251,6 @@
               <a:rPr sz="1600" dirty="0"/>
               <a:t>Multiprogramming organizes jobs (code and data) so CPU always has one to execute</a:t>
             </a:r>
-            <a:endParaRPr sz="1600" dirty="0"/>
           </a:p>
           <a:p>
             <a:pPr lvl="1">
@@ -9141,7 +9262,6 @@
               <a:rPr sz="1600" dirty="0"/>
               <a:t>A subset of total jobs in system is kept in memory</a:t>
             </a:r>
-            <a:endParaRPr sz="1600" dirty="0"/>
           </a:p>
           <a:p>
             <a:pPr lvl="1">
@@ -9161,11 +9281,6 @@
               </a:rPr>
               <a:t>job scheduling</a:t>
             </a:r>
-            <a:endParaRPr b="1" dirty="0">
-              <a:solidFill>
-                <a:srgbClr val="3366FF"/>
-              </a:solidFill>
-            </a:endParaRPr>
           </a:p>
           <a:p>
             <a:pPr lvl="1">
@@ -9177,7 +9292,6 @@
               <a:rPr sz="1600" dirty="0"/>
               <a:t>When it has to wait (for I/O for example), OS switches to another job</a:t>
             </a:r>
-            <a:endParaRPr sz="1600" dirty="0"/>
           </a:p>
           <a:p>
             <a:pPr lvl="1">
@@ -9241,7 +9355,6 @@
               <a:rPr sz="1600" dirty="0"/>
               <a:t> computing</a:t>
             </a:r>
-            <a:endParaRPr sz="1600" dirty="0"/>
           </a:p>
           <a:p>
             <a:pPr lvl="1">
@@ -9261,7 +9374,6 @@
               <a:rPr sz="1600" dirty="0"/>
               <a:t>should be &lt; 1 second</a:t>
             </a:r>
-            <a:endParaRPr sz="1600" dirty="0"/>
           </a:p>
           <a:p>
             <a:pPr lvl="1">
@@ -9288,12 +9400,6 @@
               </a:rPr>
               <a:t>process</a:t>
             </a:r>
-            <a:endParaRPr b="1" dirty="0">
-              <a:solidFill>
-                <a:srgbClr val="3366FF"/>
-              </a:solidFill>
-              <a:sym typeface="Wingdings 3" panose="05040102010807070707" pitchFamily="18" charset="2"/>
-            </a:endParaRPr>
           </a:p>
           <a:p>
             <a:pPr lvl="1">
@@ -9316,12 +9422,6 @@
               </a:rPr>
               <a:t>CPU scheduling</a:t>
             </a:r>
-            <a:endParaRPr b="1" dirty="0">
-              <a:solidFill>
-                <a:srgbClr val="3366FF"/>
-              </a:solidFill>
-              <a:sym typeface="Wingdings 3" panose="05040102010807070707" pitchFamily="18" charset="2"/>
-            </a:endParaRPr>
           </a:p>
           <a:p>
             <a:pPr lvl="1">
@@ -9362,9 +9462,6 @@
               </a:rPr>
               <a:t> moves them in and out to run</a:t>
             </a:r>
-            <a:endParaRPr lang="en-US" altLang="ja-JP" sz="1600" dirty="0">
-              <a:sym typeface="Wingdings 3" panose="05040102010807070707" pitchFamily="18" charset="2"/>
-            </a:endParaRPr>
           </a:p>
           <a:p>
             <a:pPr lvl="1">
@@ -9387,9 +9484,6 @@
               </a:rPr>
               <a:t>allows execution of processes not completely in memory</a:t>
             </a:r>
-            <a:endParaRPr sz="1600" dirty="0">
-              <a:sym typeface="Wingdings 3" panose="05040102010807070707" pitchFamily="18" charset="2"/>
-            </a:endParaRPr>
           </a:p>
         </p:txBody>
       </p:sp>
@@ -9410,7 +9504,14 @@
         <p:cNvGrpSpPr/>
         <p:nvPr/>
       </p:nvGrpSpPr>
-      <p:grpSpPr/>
+      <p:grpSpPr>
+        <a:xfrm>
+          <a:off x="0" y="0"/>
+          <a:ext cx="0" cy="0"/>
+          <a:chOff x="0" y="0"/>
+          <a:chExt cx="0" cy="0"/>
+        </a:xfrm>
+      </p:grpSpPr>
       <p:sp>
         <p:nvSpPr>
           <p:cNvPr id="32770" name="Rectangle 2"/>
@@ -9430,13 +9531,13 @@
         </p:spPr>
         <p:txBody>
           <a:bodyPr vert="horz" wrap="square" lIns="91440" tIns="45720" rIns="91440" bIns="45720" anchor="b" anchorCtr="0"/>
+          <a:lstStyle/>
           <a:p>
             <a:pPr eaLnBrk="1" hangingPunct="1"/>
             <a:r>
               <a:rPr sz="2800" dirty="0"/>
               <a:t>Memory Layout for Multiprogrammed System</a:t>
             </a:r>
-            <a:endParaRPr sz="2800" dirty="0"/>
           </a:p>
         </p:txBody>
       </p:sp>
@@ -9449,7 +9550,7 @@
           <p:nvPr/>
         </p:nvPicPr>
         <p:blipFill>
-          <a:blip r:embed="rId1"/>
+          <a:blip r:embed="rId3"/>
           <a:stretch>
             <a:fillRect/>
           </a:stretch>
@@ -9485,7 +9586,14 @@
         <p:cNvGrpSpPr/>
         <p:nvPr/>
       </p:nvGrpSpPr>
-      <p:grpSpPr/>
+      <p:grpSpPr>
+        <a:xfrm>
+          <a:off x="0" y="0"/>
+          <a:ext cx="0" cy="0"/>
+          <a:chOff x="0" y="0"/>
+          <a:chExt cx="0" cy="0"/>
+        </a:xfrm>
+      </p:grpSpPr>
       <p:sp>
         <p:nvSpPr>
           <p:cNvPr id="33794" name="Rectangle 2"/>
@@ -9505,13 +9613,13 @@
         </p:spPr>
         <p:txBody>
           <a:bodyPr vert="horz" wrap="square" lIns="91440" tIns="45720" rIns="91440" bIns="45720" anchor="b" anchorCtr="0"/>
+          <a:lstStyle/>
           <a:p>
             <a:pPr eaLnBrk="1" hangingPunct="1"/>
             <a:r>
               <a:rPr dirty="0"/>
               <a:t>Operating-System Operations</a:t>
             </a:r>
-            <a:endParaRPr dirty="0"/>
           </a:p>
         </p:txBody>
       </p:sp>
@@ -9534,6 +9642,7 @@
         </p:spPr>
         <p:txBody>
           <a:bodyPr vert="horz" wrap="square" lIns="91440" tIns="45720" rIns="91440" bIns="45720" anchor="t" anchorCtr="0"/>
+          <a:lstStyle/>
           <a:p>
             <a:pPr>
               <a:lnSpc>
@@ -9552,7 +9661,6 @@
               <a:rPr sz="1600" dirty="0"/>
               <a:t>by hardware</a:t>
             </a:r>
-            <a:endParaRPr sz="1600" dirty="0"/>
           </a:p>
           <a:p>
             <a:pPr>
@@ -9584,11 +9692,6 @@
               </a:rPr>
               <a:t>trap</a:t>
             </a:r>
-            <a:endParaRPr sz="1600" b="1" dirty="0">
-              <a:solidFill>
-                <a:srgbClr val="3366FF"/>
-              </a:solidFill>
-            </a:endParaRPr>
           </a:p>
           <a:p>
             <a:pPr lvl="1">
@@ -9600,7 +9703,6 @@
               <a:rPr sz="1600" dirty="0"/>
               <a:t>Division by zero, request for operating system service</a:t>
             </a:r>
-            <a:endParaRPr sz="1600" dirty="0"/>
           </a:p>
           <a:p>
             <a:pPr>
@@ -9612,7 +9714,6 @@
               <a:rPr sz="1600" dirty="0"/>
               <a:t>Other process problems include infinite loop, processes modifying each other or the operating system</a:t>
             </a:r>
-            <a:endParaRPr sz="1600" dirty="0"/>
           </a:p>
           <a:p>
             <a:pPr>
@@ -9632,7 +9733,6 @@
               <a:rPr sz="1600" dirty="0"/>
               <a:t>operation allows OS to protect itself and other system components</a:t>
             </a:r>
-            <a:endParaRPr sz="1600" dirty="0"/>
           </a:p>
           <a:p>
             <a:pPr lvl="1">
@@ -9660,11 +9760,6 @@
               </a:rPr>
               <a:t>kernel mode </a:t>
             </a:r>
-            <a:endParaRPr sz="1600" b="1" dirty="0">
-              <a:solidFill>
-                <a:srgbClr val="3366FF"/>
-              </a:solidFill>
-            </a:endParaRPr>
           </a:p>
           <a:p>
             <a:pPr lvl="1">
@@ -9684,7 +9779,6 @@
               <a:rPr sz="1600" dirty="0"/>
               <a:t>provided by hardware</a:t>
             </a:r>
-            <a:endParaRPr sz="1600" dirty="0"/>
           </a:p>
           <a:p>
             <a:pPr lvl="2">
@@ -9696,7 +9790,6 @@
               <a:rPr sz="1600" dirty="0"/>
               <a:t>Provides ability to distinguish when system is running user code or kernel code</a:t>
             </a:r>
-            <a:endParaRPr sz="1600" dirty="0"/>
           </a:p>
           <a:p>
             <a:pPr lvl="2">
@@ -9720,7 +9813,6 @@
               <a:rPr sz="1600" dirty="0"/>
               <a:t>, only executable in kernel mode</a:t>
             </a:r>
-            <a:endParaRPr sz="1600" dirty="0"/>
           </a:p>
           <a:p>
             <a:pPr lvl="2">
@@ -9732,7 +9824,6 @@
               <a:rPr sz="1600" dirty="0"/>
               <a:t>System call changes mode to kernel, return from call resets it to user</a:t>
             </a:r>
-            <a:endParaRPr sz="1600" dirty="0"/>
           </a:p>
           <a:p>
             <a:pPr>
@@ -9744,7 +9835,6 @@
               <a:rPr sz="1600" dirty="0"/>
               <a:t>Increasingly CPUs support multi-mode operations</a:t>
             </a:r>
-            <a:endParaRPr sz="1600" dirty="0"/>
           </a:p>
           <a:p>
             <a:pPr lvl="1">
@@ -9788,11 +9878,6 @@
               </a:rPr>
               <a:t>VMs</a:t>
             </a:r>
-            <a:endParaRPr sz="1600" b="1" dirty="0">
-              <a:solidFill>
-                <a:srgbClr val="3366FF"/>
-              </a:solidFill>
-            </a:endParaRPr>
           </a:p>
           <a:p>
             <a:pPr lvl="1">
@@ -9821,7 +9906,14 @@
         <p:cNvGrpSpPr/>
         <p:nvPr/>
       </p:nvGrpSpPr>
-      <p:grpSpPr/>
+      <p:grpSpPr>
+        <a:xfrm>
+          <a:off x="0" y="0"/>
+          <a:ext cx="0" cy="0"/>
+          <a:chOff x="0" y="0"/>
+          <a:chExt cx="0" cy="0"/>
+        </a:xfrm>
+      </p:grpSpPr>
       <p:sp>
         <p:nvSpPr>
           <p:cNvPr id="35842" name="Rectangle 2"/>
@@ -9841,13 +9933,13 @@
         </p:spPr>
         <p:txBody>
           <a:bodyPr vert="horz" wrap="square" lIns="91440" tIns="45720" rIns="91440" bIns="45720" anchor="b" anchorCtr="0"/>
+          <a:lstStyle/>
           <a:p>
             <a:pPr eaLnBrk="1" hangingPunct="1"/>
             <a:r>
               <a:rPr dirty="0"/>
               <a:t>Process Management</a:t>
             </a:r>
-            <a:endParaRPr dirty="0"/>
           </a:p>
         </p:txBody>
       </p:sp>
@@ -9870,6 +9962,7 @@
         </p:spPr>
         <p:txBody>
           <a:bodyPr vert="horz" wrap="square" lIns="91440" tIns="45720" rIns="91440" bIns="45720" anchor="t" anchorCtr="0"/>
+          <a:lstStyle/>
           <a:p>
             <a:pPr>
               <a:lnSpc>
@@ -9916,7 +10009,6 @@
               <a:rPr dirty="0"/>
               <a:t>.</a:t>
             </a:r>
-            <a:endParaRPr dirty="0"/>
           </a:p>
           <a:p>
             <a:pPr>
@@ -9928,7 +10020,6 @@
               <a:rPr dirty="0"/>
               <a:t>Process needs resources to accomplish its task</a:t>
             </a:r>
-            <a:endParaRPr dirty="0"/>
           </a:p>
           <a:p>
             <a:pPr lvl="1">
@@ -9940,7 +10031,6 @@
               <a:rPr dirty="0"/>
               <a:t>CPU, memory, I/O, files</a:t>
             </a:r>
-            <a:endParaRPr dirty="0"/>
           </a:p>
           <a:p>
             <a:pPr lvl="1">
@@ -9952,7 +10042,6 @@
               <a:rPr dirty="0"/>
               <a:t>Initialization data</a:t>
             </a:r>
-            <a:endParaRPr dirty="0"/>
           </a:p>
           <a:p>
             <a:pPr>
@@ -9964,7 +10053,6 @@
               <a:rPr dirty="0"/>
               <a:t>Process termination requires reclaim of any reusable resources</a:t>
             </a:r>
-            <a:endParaRPr dirty="0"/>
           </a:p>
           <a:p>
             <a:pPr>
@@ -9996,7 +10084,6 @@
               <a:rPr dirty="0"/>
               <a:t>specifying location of next instruction to execute</a:t>
             </a:r>
-            <a:endParaRPr dirty="0"/>
           </a:p>
           <a:p>
             <a:pPr lvl="1">
@@ -10008,7 +10095,6 @@
               <a:rPr dirty="0"/>
               <a:t>Process executes instructions sequentially, one at a time, until completion</a:t>
             </a:r>
-            <a:endParaRPr dirty="0"/>
           </a:p>
           <a:p>
             <a:pPr>
@@ -10020,7 +10106,6 @@
               <a:rPr dirty="0"/>
               <a:t>Multi-threaded process has one program counter per thread</a:t>
             </a:r>
-            <a:endParaRPr dirty="0"/>
           </a:p>
           <a:p>
             <a:pPr>
@@ -10032,7 +10117,6 @@
               <a:rPr dirty="0"/>
               <a:t>Typically system has many processes, some user, some operating system running concurrently on one or more CPUs</a:t>
             </a:r>
-            <a:endParaRPr dirty="0"/>
           </a:p>
           <a:p>
             <a:pPr lvl="1">
@@ -10044,7 +10128,6 @@
               <a:rPr dirty="0"/>
               <a:t>Concurrency by multiplexing the CPUs among the processes / threads</a:t>
             </a:r>
-            <a:endParaRPr dirty="0"/>
           </a:p>
           <a:p>
             <a:pPr>
@@ -10074,7 +10157,14 @@
         <p:cNvGrpSpPr/>
         <p:nvPr/>
       </p:nvGrpSpPr>
-      <p:grpSpPr/>
+      <p:grpSpPr>
+        <a:xfrm>
+          <a:off x="0" y="0"/>
+          <a:ext cx="0" cy="0"/>
+          <a:chOff x="0" y="0"/>
+          <a:chExt cx="0" cy="0"/>
+        </a:xfrm>
+      </p:grpSpPr>
       <p:sp>
         <p:nvSpPr>
           <p:cNvPr id="36866" name="Rectangle 2"/>
@@ -10094,13 +10184,13 @@
         </p:spPr>
         <p:txBody>
           <a:bodyPr vert="horz" wrap="square" lIns="91440" tIns="45720" rIns="91440" bIns="45720" anchor="b" anchorCtr="0"/>
+          <a:lstStyle/>
           <a:p>
             <a:pPr eaLnBrk="1" hangingPunct="1"/>
             <a:r>
               <a:rPr dirty="0"/>
               <a:t>Process Management Activities</a:t>
             </a:r>
-            <a:endParaRPr dirty="0"/>
           </a:p>
         </p:txBody>
       </p:sp>
@@ -10123,6 +10213,7 @@
         </p:spPr>
         <p:txBody>
           <a:bodyPr vert="horz" wrap="square" lIns="91440" tIns="45720" rIns="91440" bIns="45720" anchor="t" anchorCtr="0"/>
+          <a:lstStyle/>
           <a:p>
             <a:pPr>
               <a:buNone/>
@@ -10131,42 +10222,36 @@
               <a:rPr dirty="0"/>
               <a:t>     </a:t>
             </a:r>
-            <a:endParaRPr dirty="0"/>
           </a:p>
           <a:p>
             <a:r>
               <a:rPr dirty="0"/>
               <a:t>Creating and deleting both user and system processes</a:t>
             </a:r>
-            <a:endParaRPr dirty="0"/>
           </a:p>
           <a:p>
             <a:r>
               <a:rPr dirty="0"/>
               <a:t>Suspending and resuming processes</a:t>
             </a:r>
-            <a:endParaRPr dirty="0"/>
           </a:p>
           <a:p>
             <a:r>
               <a:rPr dirty="0"/>
               <a:t>Providing mechanisms for process synchronization</a:t>
             </a:r>
-            <a:endParaRPr dirty="0"/>
           </a:p>
           <a:p>
             <a:r>
               <a:rPr dirty="0"/>
               <a:t>Providing mechanisms for process communication</a:t>
             </a:r>
-            <a:endParaRPr dirty="0"/>
           </a:p>
           <a:p>
             <a:r>
               <a:rPr dirty="0"/>
               <a:t>Providing mechanisms for deadlock handling</a:t>
             </a:r>
-            <a:endParaRPr dirty="0"/>
           </a:p>
         </p:txBody>
       </p:sp>
@@ -10193,6 +10278,7 @@
           <a:bodyPr>
             <a:spAutoFit/>
           </a:bodyPr>
+          <a:lstStyle/>
           <a:p>
             <a:pPr>
               <a:spcBef>
@@ -10205,9 +10291,6 @@
               </a:rPr>
               <a:t>The operating system is responsible for the following activities in connection with process management:</a:t>
             </a:r>
-            <a:endParaRPr dirty="0">
-              <a:latin typeface="Helvetica" pitchFamily="-84" charset="0"/>
-            </a:endParaRPr>
           </a:p>
         </p:txBody>
       </p:sp>
@@ -10228,7 +10311,14 @@
         <p:cNvGrpSpPr/>
         <p:nvPr/>
       </p:nvGrpSpPr>
-      <p:grpSpPr/>
+      <p:grpSpPr>
+        <a:xfrm>
+          <a:off x="0" y="0"/>
+          <a:ext cx="0" cy="0"/>
+          <a:chOff x="0" y="0"/>
+          <a:chExt cx="0" cy="0"/>
+        </a:xfrm>
+      </p:grpSpPr>
       <p:sp>
         <p:nvSpPr>
           <p:cNvPr id="37890" name="Rectangle 2"/>
@@ -10248,13 +10338,13 @@
         </p:spPr>
         <p:txBody>
           <a:bodyPr vert="horz" wrap="square" lIns="91440" tIns="45720" rIns="91440" bIns="45720" anchor="b" anchorCtr="0"/>
+          <a:lstStyle/>
           <a:p>
             <a:pPr eaLnBrk="1" hangingPunct="1"/>
             <a:r>
               <a:rPr dirty="0"/>
               <a:t>Memory Management</a:t>
             </a:r>
-            <a:endParaRPr dirty="0"/>
           </a:p>
         </p:txBody>
       </p:sp>
@@ -10277,12 +10367,12 @@
         </p:spPr>
         <p:txBody>
           <a:bodyPr vert="horz" wrap="square" lIns="91440" tIns="45720" rIns="91440" bIns="45720" anchor="t" anchorCtr="0"/>
+          <a:lstStyle/>
           <a:p>
             <a:r>
               <a:rPr dirty="0"/>
               <a:t>All data in memory before and after processing</a:t>
             </a:r>
-            <a:endParaRPr dirty="0"/>
           </a:p>
           <a:p>
             <a:endParaRPr sz="800" dirty="0"/>
@@ -10292,7 +10382,6 @@
               <a:rPr dirty="0"/>
               <a:t>All instructions in memory in order to execute</a:t>
             </a:r>
-            <a:endParaRPr dirty="0"/>
           </a:p>
           <a:p>
             <a:endParaRPr sz="800" dirty="0"/>
@@ -10302,7 +10391,6 @@
               <a:rPr dirty="0"/>
               <a:t>Memory management determines what is in memory when</a:t>
             </a:r>
-            <a:endParaRPr dirty="0"/>
           </a:p>
           <a:p>
             <a:pPr lvl="1"/>
@@ -10310,7 +10398,6 @@
               <a:rPr dirty="0"/>
               <a:t>Optimizing CPU utilization and computer response to users</a:t>
             </a:r>
-            <a:endParaRPr dirty="0"/>
           </a:p>
           <a:p>
             <a:pPr lvl="1"/>
@@ -10321,7 +10408,6 @@
               <a:rPr dirty="0"/>
               <a:t>Memory management activities</a:t>
             </a:r>
-            <a:endParaRPr dirty="0"/>
           </a:p>
           <a:p>
             <a:pPr lvl="1"/>
@@ -10329,7 +10415,6 @@
               <a:rPr dirty="0"/>
               <a:t>Keeping track of which parts of memory are currently being used and by whom</a:t>
             </a:r>
-            <a:endParaRPr dirty="0"/>
           </a:p>
           <a:p>
             <a:pPr lvl="1"/>
@@ -10337,7 +10422,6 @@
               <a:rPr dirty="0"/>
               <a:t>Deciding which processes (or parts thereof) and data to move into and out of memory</a:t>
             </a:r>
-            <a:endParaRPr dirty="0"/>
           </a:p>
           <a:p>
             <a:pPr lvl="1"/>
@@ -10345,7 +10429,6 @@
               <a:rPr dirty="0"/>
               <a:t>Allocating and deallocating memory space as needed</a:t>
             </a:r>
-            <a:endParaRPr dirty="0"/>
           </a:p>
           <a:p>
             <a:pPr lvl="1">
@@ -10372,7 +10455,14 @@
         <p:cNvGrpSpPr/>
         <p:nvPr/>
       </p:nvGrpSpPr>
-      <p:grpSpPr/>
+      <p:grpSpPr>
+        <a:xfrm>
+          <a:off x="0" y="0"/>
+          <a:ext cx="0" cy="0"/>
+          <a:chOff x="0" y="0"/>
+          <a:chExt cx="0" cy="0"/>
+        </a:xfrm>
+      </p:grpSpPr>
       <p:sp>
         <p:nvSpPr>
           <p:cNvPr id="38914" name="Rectangle 2"/>
@@ -10392,13 +10482,13 @@
         </p:spPr>
         <p:txBody>
           <a:bodyPr vert="horz" wrap="square" lIns="91440" tIns="45720" rIns="91440" bIns="45720" anchor="b" anchorCtr="0"/>
+          <a:lstStyle/>
           <a:p>
             <a:pPr eaLnBrk="1" hangingPunct="1"/>
             <a:r>
               <a:rPr dirty="0"/>
               <a:t>Storage Management</a:t>
             </a:r>
-            <a:endParaRPr dirty="0"/>
           </a:p>
         </p:txBody>
       </p:sp>
@@ -10421,6 +10511,7 @@
         </p:spPr>
         <p:txBody>
           <a:bodyPr vert="horz" wrap="square" lIns="91440" tIns="45720" rIns="91440" bIns="45720" anchor="t" anchorCtr="0"/>
+          <a:lstStyle/>
           <a:p>
             <a:pPr>
               <a:lnSpc>
@@ -10431,7 +10522,6 @@
               <a:rPr dirty="0"/>
               <a:t>OS provides uniform, logical view of information storage</a:t>
             </a:r>
-            <a:endParaRPr dirty="0"/>
           </a:p>
           <a:p>
             <a:pPr lvl="1">
@@ -10451,11 +10541,6 @@
               </a:rPr>
               <a:t>file</a:t>
             </a:r>
-            <a:endParaRPr b="1" dirty="0">
-              <a:solidFill>
-                <a:srgbClr val="3366FF"/>
-              </a:solidFill>
-            </a:endParaRPr>
           </a:p>
           <a:p>
             <a:pPr lvl="1">
@@ -10467,7 +10552,6 @@
               <a:rPr dirty="0"/>
               <a:t>Each medium is controlled by device (i.e., disk drive, tape drive)</a:t>
             </a:r>
-            <a:endParaRPr dirty="0"/>
           </a:p>
           <a:p>
             <a:pPr lvl="2">
@@ -10479,7 +10563,6 @@
               <a:rPr dirty="0"/>
               <a:t>Varying properties include access speed, capacity, data-transfer rate, access method (sequential or random)</a:t>
             </a:r>
-            <a:endParaRPr dirty="0"/>
           </a:p>
           <a:p>
             <a:pPr lvl="2">
@@ -10499,7 +10582,6 @@
               <a:rPr dirty="0"/>
               <a:t>File-System management</a:t>
             </a:r>
-            <a:endParaRPr dirty="0"/>
           </a:p>
           <a:p>
             <a:pPr lvl="1">
@@ -10511,7 +10593,6 @@
               <a:rPr dirty="0"/>
               <a:t>Files usually organized into directories</a:t>
             </a:r>
-            <a:endParaRPr dirty="0"/>
           </a:p>
           <a:p>
             <a:pPr lvl="1">
@@ -10523,7 +10604,6 @@
               <a:rPr dirty="0"/>
               <a:t>Access control on most systems to determine who can access what</a:t>
             </a:r>
-            <a:endParaRPr dirty="0"/>
           </a:p>
           <a:p>
             <a:pPr lvl="1">
@@ -10535,7 +10615,6 @@
               <a:rPr dirty="0"/>
               <a:t>OS activities include</a:t>
             </a:r>
-            <a:endParaRPr dirty="0"/>
           </a:p>
           <a:p>
             <a:pPr lvl="2">
@@ -10547,7 +10626,6 @@
               <a:rPr dirty="0"/>
               <a:t>Creating and deleting files and directories</a:t>
             </a:r>
-            <a:endParaRPr dirty="0"/>
           </a:p>
           <a:p>
             <a:pPr lvl="2">
@@ -10559,7 +10637,6 @@
               <a:rPr dirty="0"/>
               <a:t>Primitives to manipulate files and dirs</a:t>
             </a:r>
-            <a:endParaRPr dirty="0"/>
           </a:p>
           <a:p>
             <a:pPr lvl="2">
@@ -10571,7 +10648,6 @@
               <a:rPr dirty="0"/>
               <a:t>Mapping files onto secondary storage</a:t>
             </a:r>
-            <a:endParaRPr dirty="0"/>
           </a:p>
           <a:p>
             <a:pPr lvl="2">
@@ -10583,7 +10659,6 @@
               <a:rPr dirty="0"/>
               <a:t>Backup files onto stable (non-volatile) storage media</a:t>
             </a:r>
-            <a:endParaRPr dirty="0"/>
           </a:p>
         </p:txBody>
       </p:sp>
@@ -10604,7 +10679,14 @@
         <p:cNvGrpSpPr/>
         <p:nvPr/>
       </p:nvGrpSpPr>
-      <p:grpSpPr/>
+      <p:grpSpPr>
+        <a:xfrm>
+          <a:off x="0" y="0"/>
+          <a:ext cx="0" cy="0"/>
+          <a:chOff x="0" y="0"/>
+          <a:chExt cx="0" cy="0"/>
+        </a:xfrm>
+      </p:grpSpPr>
       <p:sp>
         <p:nvSpPr>
           <p:cNvPr id="5122" name="Rectangle 2"/>
@@ -10620,67 +10702,64 @@
         </p:spPr>
         <p:txBody>
           <a:bodyPr vert="horz" wrap="square" lIns="91440" tIns="45720" rIns="91440" bIns="45720" anchor="b" anchorCtr="0"/>
+          <a:lstStyle/>
           <a:p>
             <a:pPr eaLnBrk="1" hangingPunct="1"/>
             <a:r>
               <a:rPr dirty="0"/>
               <a:t>Objectives</a:t>
             </a:r>
+          </a:p>
+        </p:txBody>
+      </p:sp>
+      <p:sp>
+        <p:nvSpPr>
+          <p:cNvPr id="5123" name="Rectangle 3"/>
+          <p:cNvSpPr>
+            <a:spLocks noGrp="1"/>
+          </p:cNvSpPr>
+          <p:nvPr>
+            <p:ph type="body" idx="4294967295"/>
+          </p:nvPr>
+        </p:nvSpPr>
+        <p:spPr>
+          <a:ln/>
+        </p:spPr>
+        <p:txBody>
+          <a:bodyPr vert="horz" wrap="square" lIns="91440" tIns="45720" rIns="91440" bIns="45720" anchor="t" anchorCtr="0"/>
+          <a:lstStyle/>
+          <a:p>
+            <a:r>
+              <a:rPr dirty="0"/>
+              <a:t>To describe the basic organization of computer systems</a:t>
+            </a:r>
+          </a:p>
+          <a:p>
             <a:endParaRPr dirty="0"/>
           </a:p>
-        </p:txBody>
-      </p:sp>
-      <p:sp>
-        <p:nvSpPr>
-          <p:cNvPr id="5123" name="Rectangle 3"/>
-          <p:cNvSpPr>
-            <a:spLocks noGrp="1"/>
-          </p:cNvSpPr>
-          <p:nvPr>
-            <p:ph type="body" idx="4294967295"/>
-          </p:nvPr>
-        </p:nvSpPr>
-        <p:spPr>
-          <a:ln/>
-        </p:spPr>
-        <p:txBody>
-          <a:bodyPr vert="horz" wrap="square" lIns="91440" tIns="45720" rIns="91440" bIns="45720" anchor="t" anchorCtr="0"/>
-          <a:p>
-            <a:r>
-              <a:rPr dirty="0"/>
-              <a:t>To describe the basic organization of computer systems</a:t>
-            </a:r>
+          <a:p>
+            <a:r>
+              <a:rPr dirty="0"/>
+              <a:t>To provide a grand tour of the major components of operating systems</a:t>
+            </a:r>
+          </a:p>
+          <a:p>
             <a:endParaRPr dirty="0"/>
           </a:p>
           <a:p>
+            <a:r>
+              <a:rPr dirty="0"/>
+              <a:t>To give an overview of the many types of computing environments</a:t>
+            </a:r>
+          </a:p>
+          <a:p>
             <a:endParaRPr dirty="0"/>
           </a:p>
           <a:p>
             <a:r>
               <a:rPr dirty="0"/>
-              <a:t>To provide a grand tour of the major components of operating systems</a:t>
-            </a:r>
-            <a:endParaRPr dirty="0"/>
-          </a:p>
-          <a:p>
-            <a:endParaRPr dirty="0"/>
-          </a:p>
-          <a:p>
-            <a:r>
-              <a:rPr dirty="0"/>
-              <a:t>To give an overview of the many types of computing environments</a:t>
-            </a:r>
-            <a:endParaRPr dirty="0"/>
-          </a:p>
-          <a:p>
-            <a:endParaRPr dirty="0"/>
-          </a:p>
-          <a:p>
-            <a:r>
-              <a:rPr dirty="0"/>
               <a:t>To explore several open-source operating systems</a:t>
             </a:r>
-            <a:endParaRPr dirty="0"/>
           </a:p>
           <a:p>
             <a:pPr>
@@ -10707,7 +10786,14 @@
         <p:cNvGrpSpPr/>
         <p:nvPr/>
       </p:nvGrpSpPr>
-      <p:grpSpPr/>
+      <p:grpSpPr>
+        <a:xfrm>
+          <a:off x="0" y="0"/>
+          <a:ext cx="0" cy="0"/>
+          <a:chOff x="0" y="0"/>
+          <a:chExt cx="0" cy="0"/>
+        </a:xfrm>
+      </p:grpSpPr>
       <p:sp>
         <p:nvSpPr>
           <p:cNvPr id="39938" name="Rectangle 2"/>
@@ -10727,13 +10813,13 @@
         </p:spPr>
         <p:txBody>
           <a:bodyPr vert="horz" wrap="square" lIns="91440" tIns="45720" rIns="91440" bIns="45720" anchor="b" anchorCtr="0"/>
+          <a:lstStyle/>
           <a:p>
             <a:pPr eaLnBrk="1" hangingPunct="1"/>
             <a:r>
               <a:rPr dirty="0"/>
               <a:t>Mass-Storage Management</a:t>
             </a:r>
-            <a:endParaRPr dirty="0"/>
           </a:p>
         </p:txBody>
       </p:sp>
@@ -10756,6 +10842,7 @@
         </p:spPr>
         <p:txBody>
           <a:bodyPr vert="horz" wrap="square" lIns="91440" tIns="45720" rIns="91440" bIns="45720" anchor="t" anchorCtr="0"/>
+          <a:lstStyle/>
           <a:p>
             <a:r>
               <a:rPr dirty="0"/>
@@ -10777,28 +10864,24 @@
               <a:rPr lang="en-US" altLang="ja-JP" dirty="0"/>
               <a:t> period of time</a:t>
             </a:r>
-            <a:endParaRPr lang="en-US" altLang="ja-JP" dirty="0"/>
           </a:p>
           <a:p>
             <a:r>
               <a:rPr dirty="0"/>
               <a:t>Proper management is of central importance</a:t>
             </a:r>
-            <a:endParaRPr dirty="0"/>
           </a:p>
           <a:p>
             <a:r>
               <a:rPr dirty="0"/>
               <a:t>Entire speed of computer operation hinges on disk subsystem and its algorithms</a:t>
             </a:r>
-            <a:endParaRPr dirty="0"/>
           </a:p>
           <a:p>
             <a:r>
               <a:rPr dirty="0"/>
               <a:t>OS activities</a:t>
             </a:r>
-            <a:endParaRPr dirty="0"/>
           </a:p>
           <a:p>
             <a:pPr lvl="1"/>
@@ -10806,7 +10889,6 @@
               <a:rPr dirty="0"/>
               <a:t>Free-space management</a:t>
             </a:r>
-            <a:endParaRPr dirty="0"/>
           </a:p>
           <a:p>
             <a:pPr lvl="1"/>
@@ -10814,7 +10896,6 @@
               <a:rPr dirty="0"/>
               <a:t>Storage allocation</a:t>
             </a:r>
-            <a:endParaRPr dirty="0"/>
           </a:p>
           <a:p>
             <a:pPr lvl="1"/>
@@ -10822,14 +10903,12 @@
               <a:rPr dirty="0"/>
               <a:t>Disk scheduling</a:t>
             </a:r>
-            <a:endParaRPr dirty="0"/>
           </a:p>
           <a:p>
             <a:r>
               <a:rPr dirty="0"/>
               <a:t>Some storage need not be fast</a:t>
             </a:r>
-            <a:endParaRPr dirty="0"/>
           </a:p>
           <a:p>
             <a:pPr lvl="1"/>
@@ -10837,7 +10916,6 @@
               <a:rPr dirty="0"/>
               <a:t>Tertiary storage includes optical storage, magnetic tape</a:t>
             </a:r>
-            <a:endParaRPr dirty="0"/>
           </a:p>
           <a:p>
             <a:pPr lvl="1"/>
@@ -10845,7 +10923,6 @@
               <a:rPr dirty="0"/>
               <a:t>Still must be managed – by OS or applications</a:t>
             </a:r>
-            <a:endParaRPr dirty="0"/>
           </a:p>
           <a:p>
             <a:pPr lvl="1"/>
@@ -10853,7 +10930,6 @@
               <a:rPr dirty="0"/>
               <a:t>Varies between WORM (write-once, read-many-times) and RW (read-write)</a:t>
             </a:r>
-            <a:endParaRPr dirty="0"/>
           </a:p>
         </p:txBody>
       </p:sp>
@@ -10874,7 +10950,14 @@
         <p:cNvGrpSpPr/>
         <p:nvPr/>
       </p:nvGrpSpPr>
-      <p:grpSpPr/>
+      <p:grpSpPr>
+        <a:xfrm>
+          <a:off x="0" y="0"/>
+          <a:ext cx="0" cy="0"/>
+          <a:chOff x="0" y="0"/>
+          <a:chExt cx="0" cy="0"/>
+        </a:xfrm>
+      </p:grpSpPr>
       <p:sp>
         <p:nvSpPr>
           <p:cNvPr id="41986" name="Rectangle 2"/>
@@ -10894,13 +10977,13 @@
         </p:spPr>
         <p:txBody>
           <a:bodyPr vert="horz" wrap="square" lIns="91440" tIns="45720" rIns="91440" bIns="45720" anchor="b" anchorCtr="0"/>
+          <a:lstStyle/>
           <a:p>
             <a:pPr eaLnBrk="1" hangingPunct="1"/>
             <a:r>
               <a:rPr sz="2800" dirty="0"/>
               <a:t>Migration of Integer A from Disk to Register</a:t>
             </a:r>
-            <a:endParaRPr sz="2800" dirty="0"/>
           </a:p>
         </p:txBody>
       </p:sp>
@@ -10923,6 +11006,7 @@
         </p:spPr>
         <p:txBody>
           <a:bodyPr vert="horz" wrap="square" lIns="91440" tIns="45720" rIns="91440" bIns="45720" anchor="t" anchorCtr="0"/>
+          <a:lstStyle/>
           <a:p>
             <a:r>
               <a:rPr dirty="0"/>
@@ -10965,7 +11049,6 @@
               <a:rPr dirty="0"/>
               <a:t>in hardware such that all CPUs have the most recent value in their cache</a:t>
             </a:r>
-            <a:endParaRPr dirty="0"/>
           </a:p>
           <a:p>
             <a:endParaRPr sz="800" dirty="0"/>
@@ -10975,7 +11058,6 @@
               <a:rPr dirty="0"/>
               <a:t>Distributed environment situation even more complex</a:t>
             </a:r>
-            <a:endParaRPr dirty="0"/>
           </a:p>
           <a:p>
             <a:pPr lvl="1"/>
@@ -10983,7 +11065,6 @@
               <a:rPr dirty="0"/>
               <a:t>Several copies of a datum can exist</a:t>
             </a:r>
-            <a:endParaRPr dirty="0"/>
           </a:p>
           <a:p>
             <a:pPr lvl="1"/>
@@ -10991,7 +11072,6 @@
               <a:rPr dirty="0"/>
               <a:t>Various solutions covered in Chapter 17</a:t>
             </a:r>
-            <a:endParaRPr dirty="0"/>
           </a:p>
         </p:txBody>
       </p:sp>
@@ -11004,7 +11084,7 @@
           <p:nvPr/>
         </p:nvPicPr>
         <p:blipFill>
-          <a:blip r:embed="rId1"/>
+          <a:blip r:embed="rId3"/>
           <a:stretch>
             <a:fillRect/>
           </a:stretch>
@@ -11040,7 +11120,14 @@
         <p:cNvGrpSpPr/>
         <p:nvPr/>
       </p:nvGrpSpPr>
-      <p:grpSpPr/>
+      <p:grpSpPr>
+        <a:xfrm>
+          <a:off x="0" y="0"/>
+          <a:ext cx="0" cy="0"/>
+          <a:chOff x="0" y="0"/>
+          <a:chExt cx="0" cy="0"/>
+        </a:xfrm>
+      </p:grpSpPr>
       <p:sp>
         <p:nvSpPr>
           <p:cNvPr id="43010" name="Rectangle 2"/>
@@ -11056,13 +11143,13 @@
         </p:spPr>
         <p:txBody>
           <a:bodyPr vert="horz" wrap="square" lIns="91440" tIns="45720" rIns="91440" bIns="45720" anchor="b" anchorCtr="0"/>
+          <a:lstStyle/>
           <a:p>
             <a:pPr eaLnBrk="1" hangingPunct="1"/>
             <a:r>
               <a:rPr dirty="0"/>
               <a:t>I/O Subsystem</a:t>
             </a:r>
-            <a:endParaRPr dirty="0"/>
           </a:p>
         </p:txBody>
       </p:sp>
@@ -11085,22 +11172,21 @@
         </p:spPr>
         <p:txBody>
           <a:bodyPr vert="horz" wrap="square" lIns="91440" tIns="45720" rIns="91440" bIns="45720" anchor="t" anchorCtr="0"/>
+          <a:lstStyle/>
           <a:p>
             <a:r>
               <a:rPr dirty="0"/>
               <a:t>One purpose of OS is to hide peculiarities of hardware devices from the user</a:t>
             </a:r>
+          </a:p>
+          <a:p>
             <a:endParaRPr dirty="0"/>
           </a:p>
           <a:p>
-            <a:endParaRPr dirty="0"/>
-          </a:p>
-          <a:p>
             <a:r>
               <a:rPr dirty="0"/>
               <a:t>I/O subsystem responsible for</a:t>
             </a:r>
-            <a:endParaRPr dirty="0"/>
           </a:p>
           <a:p>
             <a:pPr lvl="1"/>
@@ -11108,7 +11194,6 @@
               <a:rPr dirty="0"/>
               <a:t>Memory management of I/O including buffering (storing data temporarily while it is being transferred), caching (storing parts of data in faster storage for performance), spooling (the overlapping of output of one job with input of other jobs)</a:t>
             </a:r>
-            <a:endParaRPr dirty="0"/>
           </a:p>
           <a:p>
             <a:pPr lvl="1"/>
@@ -11116,7 +11201,6 @@
               <a:rPr dirty="0"/>
               <a:t>General device-driver interface</a:t>
             </a:r>
-            <a:endParaRPr dirty="0"/>
           </a:p>
           <a:p>
             <a:pPr lvl="1"/>
@@ -11124,7 +11208,6 @@
               <a:rPr dirty="0"/>
               <a:t>Drivers for specific hardware devices</a:t>
             </a:r>
-            <a:endParaRPr dirty="0"/>
           </a:p>
         </p:txBody>
       </p:sp>
@@ -11145,7 +11228,14 @@
         <p:cNvGrpSpPr/>
         <p:nvPr/>
       </p:nvGrpSpPr>
-      <p:grpSpPr/>
+      <p:grpSpPr>
+        <a:xfrm>
+          <a:off x="0" y="0"/>
+          <a:ext cx="0" cy="0"/>
+          <a:chOff x="0" y="0"/>
+          <a:chExt cx="0" cy="0"/>
+        </a:xfrm>
+      </p:grpSpPr>
       <p:sp>
         <p:nvSpPr>
           <p:cNvPr id="44034" name="Rectangle 2"/>
@@ -11165,13 +11255,13 @@
         </p:spPr>
         <p:txBody>
           <a:bodyPr vert="horz" wrap="square" lIns="91440" tIns="45720" rIns="91440" bIns="45720" anchor="b" anchorCtr="0"/>
+          <a:lstStyle/>
           <a:p>
             <a:pPr eaLnBrk="1" hangingPunct="1"/>
             <a:r>
               <a:rPr dirty="0"/>
               <a:t>Protection and Security</a:t>
             </a:r>
-            <a:endParaRPr dirty="0"/>
           </a:p>
         </p:txBody>
       </p:sp>
@@ -11194,6 +11284,7 @@
         </p:spPr>
         <p:txBody>
           <a:bodyPr vert="horz" wrap="square" lIns="91440" tIns="45720" rIns="91440" bIns="45720" anchor="t" anchorCtr="0"/>
+          <a:lstStyle/>
           <a:p>
             <a:pPr>
               <a:lnSpc>
@@ -11212,7 +11303,6 @@
               <a:rPr dirty="0"/>
               <a:t>– any mechanism for controlling access of processes or users to resources defined by the OS</a:t>
             </a:r>
-            <a:endParaRPr dirty="0"/>
           </a:p>
           <a:p>
             <a:pPr>
@@ -11240,7 +11330,6 @@
               <a:rPr dirty="0"/>
               <a:t>– defense of the system against internal and external attacks</a:t>
             </a:r>
-            <a:endParaRPr dirty="0"/>
           </a:p>
           <a:p>
             <a:pPr lvl="1">
@@ -11252,7 +11341,6 @@
               <a:rPr dirty="0"/>
               <a:t>Huge range, including denial-of-service, worms, viruses, identity theft, theft of service</a:t>
             </a:r>
-            <a:endParaRPr dirty="0"/>
           </a:p>
           <a:p>
             <a:pPr lvl="1">
@@ -11272,7 +11360,6 @@
               <a:rPr dirty="0"/>
               <a:t>Systems generally first distinguish among users, to determine who can do what</a:t>
             </a:r>
-            <a:endParaRPr dirty="0"/>
           </a:p>
           <a:p>
             <a:pPr lvl="1">
@@ -11296,7 +11383,6 @@
               <a:rPr dirty="0"/>
               <a:t>, security IDs) include name and associated number, one per user</a:t>
             </a:r>
-            <a:endParaRPr dirty="0"/>
           </a:p>
           <a:p>
             <a:pPr lvl="1">
@@ -11308,7 +11394,6 @@
               <a:rPr dirty="0"/>
               <a:t>User ID then associated with all files, processes of that user to determine access control</a:t>
             </a:r>
-            <a:endParaRPr dirty="0"/>
           </a:p>
           <a:p>
             <a:pPr lvl="1">
@@ -11332,7 +11417,6 @@
               <a:rPr dirty="0"/>
               <a:t>) allows set of users to be defined and controls managed, then also associated with each process, file</a:t>
             </a:r>
-            <a:endParaRPr dirty="0"/>
           </a:p>
           <a:p>
             <a:pPr lvl="1">
@@ -11352,7 +11436,6 @@
               <a:rPr dirty="0"/>
               <a:t>allows user to change to effective ID with more rights</a:t>
             </a:r>
-            <a:endParaRPr dirty="0"/>
           </a:p>
         </p:txBody>
       </p:sp>
@@ -11373,7 +11456,14 @@
         <p:cNvGrpSpPr/>
         <p:nvPr/>
       </p:nvGrpSpPr>
-      <p:grpSpPr/>
+      <p:grpSpPr>
+        <a:xfrm>
+          <a:off x="0" y="0"/>
+          <a:ext cx="0" cy="0"/>
+          <a:chOff x="0" y="0"/>
+          <a:chExt cx="0" cy="0"/>
+        </a:xfrm>
+      </p:grpSpPr>
       <p:sp>
         <p:nvSpPr>
           <p:cNvPr id="50178" name="Title 1"/>
@@ -11389,12 +11479,12 @@
         </p:spPr>
         <p:txBody>
           <a:bodyPr vert="horz" wrap="square" lIns="91440" tIns="45720" rIns="91440" bIns="45720" anchor="b" anchorCtr="0"/>
+          <a:lstStyle/>
           <a:p>
             <a:r>
               <a:rPr sz="2800" dirty="0"/>
               <a:t>Computing Environments – Distributed</a:t>
             </a:r>
-            <a:endParaRPr sz="2800" dirty="0"/>
           </a:p>
         </p:txBody>
       </p:sp>
@@ -11413,23 +11503,32 @@
         </p:spPr>
         <p:txBody>
           <a:bodyPr vert="horz" wrap="square" lIns="91440" tIns="45720" rIns="91440" bIns="45720" anchor="t" anchorCtr="0"/>
-          <a:p>
+          <a:lstStyle/>
+          <a:p>
+            <a:endParaRPr lang="en-US" dirty="0"/>
+          </a:p>
+          <a:p>
+            <a:endParaRPr lang="en-US" dirty="0"/>
+          </a:p>
+          <a:p>
+            <a:endParaRPr lang="en-US" dirty="0"/>
+          </a:p>
+          <a:p>
+            <a:pPr lvl="1"/>
             <a:r>
               <a:rPr dirty="0"/>
               <a:t>Distributed</a:t>
             </a:r>
-            <a:endParaRPr dirty="0"/>
-          </a:p>
-          <a:p>
-            <a:pPr lvl="1"/>
+          </a:p>
+          <a:p>
+            <a:pPr lvl="2"/>
             <a:r>
               <a:rPr dirty="0"/>
               <a:t>Collection of separate, possibly heterogeneous, systems networked together</a:t>
             </a:r>
-            <a:endParaRPr dirty="0"/>
-          </a:p>
-          <a:p>
-            <a:pPr lvl="2"/>
+          </a:p>
+          <a:p>
+            <a:pPr lvl="3"/>
             <a:r>
               <a:rPr b="1" dirty="0">
                 <a:solidFill>
@@ -11454,10 +11553,9 @@
               <a:rPr dirty="0"/>
               <a:t>most common</a:t>
             </a:r>
-            <a:endParaRPr dirty="0"/>
-          </a:p>
-          <a:p>
-            <a:pPr lvl="3"/>
+          </a:p>
+          <a:p>
+            <a:pPr lvl="4"/>
             <a:r>
               <a:rPr b="1" dirty="0">
                 <a:solidFill>
@@ -11482,10 +11580,9 @@
               <a:rPr dirty="0"/>
               <a:t>)</a:t>
             </a:r>
-            <a:endParaRPr dirty="0"/>
-          </a:p>
-          <a:p>
-            <a:pPr lvl="3"/>
+          </a:p>
+          <a:p>
+            <a:pPr lvl="4"/>
             <a:r>
               <a:rPr b="1" dirty="0">
                 <a:solidFill>
@@ -11510,10 +11607,9 @@
               <a:rPr dirty="0"/>
               <a:t>)</a:t>
             </a:r>
-            <a:endParaRPr dirty="0"/>
-          </a:p>
-          <a:p>
-            <a:pPr lvl="3"/>
+          </a:p>
+          <a:p>
+            <a:pPr lvl="4"/>
             <a:r>
               <a:rPr b="1" dirty="0">
                 <a:solidFill>
@@ -11545,7 +11641,7 @@
             </a:endParaRPr>
           </a:p>
           <a:p>
-            <a:pPr lvl="3"/>
+            <a:pPr lvl="4"/>
             <a:r>
               <a:rPr b="1" dirty="0">
                 <a:solidFill>
@@ -11570,7 +11666,6 @@
               <a:rPr dirty="0"/>
               <a:t>)</a:t>
             </a:r>
-            <a:endParaRPr dirty="0"/>
           </a:p>
           <a:p>
             <a:pPr lvl="1"/>
@@ -11586,7 +11681,6 @@
               <a:rPr dirty="0"/>
               <a:t>provides features between systems across network</a:t>
             </a:r>
-            <a:endParaRPr dirty="0"/>
           </a:p>
           <a:p>
             <a:pPr lvl="2"/>
@@ -11594,7 +11688,6 @@
               <a:rPr dirty="0"/>
               <a:t>Communication scheme allows systems to exchange messages</a:t>
             </a:r>
-            <a:endParaRPr dirty="0"/>
           </a:p>
           <a:p>
             <a:pPr lvl="2"/>
@@ -11602,7 +11695,6 @@
               <a:rPr dirty="0"/>
               <a:t>Illusion of a single system</a:t>
             </a:r>
-            <a:endParaRPr dirty="0"/>
           </a:p>
         </p:txBody>
       </p:sp>
@@ -11623,7 +11715,14 @@
         <p:cNvGrpSpPr/>
         <p:nvPr/>
       </p:nvGrpSpPr>
-      <p:grpSpPr/>
+      <p:grpSpPr>
+        <a:xfrm>
+          <a:off x="0" y="0"/>
+          <a:ext cx="0" cy="0"/>
+          <a:chOff x="0" y="0"/>
+          <a:chExt cx="0" cy="0"/>
+        </a:xfrm>
+      </p:grpSpPr>
       <p:sp>
         <p:nvSpPr>
           <p:cNvPr id="51202" name="Rectangle 2"/>
@@ -11643,13 +11742,13 @@
         </p:spPr>
         <p:txBody>
           <a:bodyPr vert="horz" wrap="square" lIns="91440" tIns="45720" rIns="91440" bIns="45720" anchor="b" anchorCtr="0"/>
+          <a:lstStyle/>
           <a:p>
             <a:pPr eaLnBrk="1" hangingPunct="1"/>
             <a:r>
               <a:rPr sz="2800" dirty="0"/>
               <a:t>Computing Environments – Client-Server</a:t>
             </a:r>
-            <a:endParaRPr sz="2800" dirty="0"/>
           </a:p>
         </p:txBody>
       </p:sp>
@@ -11674,6 +11773,7 @@
         </p:spPr>
         <p:txBody>
           <a:bodyPr/>
+          <a:lstStyle/>
           <a:p>
             <a:pPr marL="342900" indent="-342900">
               <a:lnSpc>
@@ -11695,9 +11795,6 @@
               </a:rPr>
               <a:t>Client-Server Computing</a:t>
             </a:r>
-            <a:endParaRPr dirty="0">
-              <a:latin typeface="Helvetica" pitchFamily="-84" charset="0"/>
-            </a:endParaRPr>
           </a:p>
           <a:p>
             <a:pPr marL="742950" lvl="1" indent="-285750">
@@ -11720,9 +11817,6 @@
               </a:rPr>
               <a:t>Dumb terminals supplanted by smart PCs</a:t>
             </a:r>
-            <a:endParaRPr dirty="0">
-              <a:latin typeface="Helvetica" pitchFamily="-84" charset="0"/>
-            </a:endParaRPr>
           </a:p>
           <a:p>
             <a:pPr marL="742950" lvl="1" indent="-285750">
@@ -11769,12 +11863,6 @@
               </a:rPr>
               <a:t>clients</a:t>
             </a:r>
-            <a:endParaRPr b="1" dirty="0">
-              <a:solidFill>
-                <a:srgbClr val="3366FF"/>
-              </a:solidFill>
-              <a:latin typeface="Helvetica" pitchFamily="-84" charset="0"/>
-            </a:endParaRPr>
           </a:p>
           <a:p>
             <a:pPr marL="1085850" lvl="2" indent="-228600">
@@ -11806,9 +11894,6 @@
               </a:rPr>
               <a:t>provides an interface to client to request services (i.e., database)</a:t>
             </a:r>
-            <a:endParaRPr dirty="0">
-              <a:latin typeface="Helvetica" pitchFamily="-84" charset="0"/>
-            </a:endParaRPr>
           </a:p>
           <a:p>
             <a:pPr marL="1085850" lvl="2" indent="-228600">
@@ -11840,9 +11925,6 @@
               </a:rPr>
               <a:t>provides interface for clients to store and retrieve files</a:t>
             </a:r>
-            <a:endParaRPr dirty="0">
-              <a:latin typeface="Helvetica" pitchFamily="-84" charset="0"/>
-            </a:endParaRPr>
           </a:p>
         </p:txBody>
       </p:sp>
@@ -11855,7 +11937,7 @@
           <p:nvPr/>
         </p:nvPicPr>
         <p:blipFill>
-          <a:blip r:embed="rId1"/>
+          <a:blip r:embed="rId3"/>
           <a:stretch>
             <a:fillRect/>
           </a:stretch>
@@ -11891,7 +11973,14 @@
         <p:cNvGrpSpPr/>
         <p:nvPr/>
       </p:nvGrpSpPr>
-      <p:grpSpPr/>
+      <p:grpSpPr>
+        <a:xfrm>
+          <a:off x="0" y="0"/>
+          <a:ext cx="0" cy="0"/>
+          <a:chOff x="0" y="0"/>
+          <a:chExt cx="0" cy="0"/>
+        </a:xfrm>
+      </p:grpSpPr>
       <p:sp>
         <p:nvSpPr>
           <p:cNvPr id="52226" name="Rectangle 2"/>
@@ -11911,13 +12000,13 @@
         </p:spPr>
         <p:txBody>
           <a:bodyPr vert="horz" wrap="square" lIns="91440" tIns="45720" rIns="91440" bIns="45720" anchor="b" anchorCtr="0"/>
+          <a:lstStyle/>
           <a:p>
             <a:pPr eaLnBrk="1" hangingPunct="1"/>
             <a:r>
               <a:rPr sz="2800" dirty="0"/>
               <a:t>Computing Environments - Peer-to-Peer</a:t>
             </a:r>
-            <a:endParaRPr sz="2800" dirty="0"/>
           </a:p>
         </p:txBody>
       </p:sp>
@@ -11940,22 +12029,21 @@
         </p:spPr>
         <p:txBody>
           <a:bodyPr vert="horz" wrap="square" lIns="91440" tIns="45720" rIns="91440" bIns="45720" anchor="t" anchorCtr="0"/>
+          <a:lstStyle/>
           <a:p>
             <a:r>
               <a:rPr dirty="0"/>
               <a:t>Another model of distributed system</a:t>
             </a:r>
+          </a:p>
+          <a:p>
             <a:endParaRPr dirty="0"/>
           </a:p>
           <a:p>
-            <a:endParaRPr dirty="0"/>
-          </a:p>
-          <a:p>
             <a:r>
               <a:rPr dirty="0"/>
               <a:t>P2P does not distinguish clients and servers</a:t>
             </a:r>
-            <a:endParaRPr dirty="0"/>
           </a:p>
           <a:p>
             <a:pPr lvl="1"/>
@@ -11963,7 +12051,6 @@
               <a:rPr dirty="0"/>
               <a:t>Instead all nodes are considered peers</a:t>
             </a:r>
-            <a:endParaRPr dirty="0"/>
           </a:p>
           <a:p>
             <a:pPr lvl="1"/>
@@ -11971,7 +12058,6 @@
               <a:rPr dirty="0"/>
               <a:t>May each act as client, server or both</a:t>
             </a:r>
-            <a:endParaRPr dirty="0"/>
           </a:p>
           <a:p>
             <a:pPr lvl="1"/>
@@ -11979,7 +12065,6 @@
               <a:rPr dirty="0"/>
               <a:t>Node must join P2P network</a:t>
             </a:r>
-            <a:endParaRPr dirty="0"/>
           </a:p>
           <a:p>
             <a:pPr lvl="2"/>
@@ -11987,7 +12072,6 @@
               <a:rPr dirty="0"/>
               <a:t>Registers its service with central lookup service on network, or</a:t>
             </a:r>
-            <a:endParaRPr dirty="0"/>
           </a:p>
           <a:p>
             <a:pPr lvl="2"/>
@@ -11999,7 +12083,6 @@
               <a:rPr b="1" i="1" dirty="0"/>
               <a:t>discovery protocol</a:t>
             </a:r>
-            <a:endParaRPr b="1" i="1" dirty="0"/>
           </a:p>
           <a:p>
             <a:pPr lvl="1"/>
@@ -12063,7 +12146,6 @@
               <a:rPr dirty="0"/>
               <a:t>such as Skype </a:t>
             </a:r>
-            <a:endParaRPr dirty="0"/>
           </a:p>
         </p:txBody>
       </p:sp>
@@ -12076,7 +12158,7 @@
           <p:nvPr/>
         </p:nvPicPr>
         <p:blipFill>
-          <a:blip r:embed="rId1"/>
+          <a:blip r:embed="rId3"/>
           <a:stretch>
             <a:fillRect/>
           </a:stretch>
@@ -12112,7 +12194,14 @@
         <p:cNvGrpSpPr/>
         <p:nvPr/>
       </p:nvGrpSpPr>
-      <p:grpSpPr/>
+      <p:grpSpPr>
+        <a:xfrm>
+          <a:off x="0" y="0"/>
+          <a:ext cx="0" cy="0"/>
+          <a:chOff x="0" y="0"/>
+          <a:chExt cx="0" cy="0"/>
+        </a:xfrm>
+      </p:grpSpPr>
       <p:sp>
         <p:nvSpPr>
           <p:cNvPr id="53250" name="Rectangle 2"/>
@@ -12132,13 +12221,13 @@
         </p:spPr>
         <p:txBody>
           <a:bodyPr vert="horz" wrap="square" lIns="91440" tIns="45720" rIns="91440" bIns="45720" anchor="b" anchorCtr="0"/>
+          <a:lstStyle/>
           <a:p>
             <a:pPr eaLnBrk="1" hangingPunct="1"/>
             <a:r>
               <a:rPr sz="2800" dirty="0"/>
               <a:t>Computing Environments - Virtualization</a:t>
             </a:r>
-            <a:endParaRPr sz="2800" dirty="0"/>
           </a:p>
         </p:txBody>
       </p:sp>
@@ -12161,12 +12250,12 @@
         </p:spPr>
         <p:txBody>
           <a:bodyPr vert="horz" wrap="square" lIns="91440" tIns="45720" rIns="91440" bIns="45720" anchor="t" anchorCtr="0"/>
+          <a:lstStyle/>
           <a:p>
             <a:r>
               <a:rPr dirty="0"/>
               <a:t>Allows operating systems to run applications within other OSes</a:t>
             </a:r>
-            <a:endParaRPr dirty="0"/>
           </a:p>
           <a:p>
             <a:pPr lvl="1"/>
@@ -12174,7 +12263,6 @@
               <a:rPr dirty="0"/>
               <a:t>Vast and growing industry</a:t>
             </a:r>
-            <a:endParaRPr dirty="0"/>
           </a:p>
           <a:p>
             <a:endParaRPr sz="800" dirty="0"/>
@@ -12192,7 +12280,6 @@
               <a:rPr dirty="0"/>
               <a:t> used when source CPU type different from target type (i.e. PowerPC to Intel x86)</a:t>
             </a:r>
-            <a:endParaRPr dirty="0"/>
           </a:p>
           <a:p>
             <a:pPr lvl="1"/>
@@ -12200,7 +12287,6 @@
               <a:rPr dirty="0"/>
               <a:t>Generally slowest method</a:t>
             </a:r>
-            <a:endParaRPr dirty="0"/>
           </a:p>
           <a:p>
             <a:pPr lvl="1"/>
@@ -12216,11 +12302,6 @@
               </a:rPr>
               <a:t>Interpretation</a:t>
             </a:r>
-            <a:endParaRPr b="1" dirty="0">
-              <a:solidFill>
-                <a:srgbClr val="3366FF"/>
-              </a:solidFill>
-            </a:endParaRPr>
           </a:p>
           <a:p>
             <a:r>
@@ -12247,7 +12328,6 @@
               <a:rPr dirty="0"/>
               <a:t> OSes  also natively compiled </a:t>
             </a:r>
-            <a:endParaRPr dirty="0"/>
           </a:p>
           <a:p>
             <a:pPr lvl="1"/>
@@ -12267,7 +12347,6 @@
               <a:rPr dirty="0"/>
               <a:t> OS</a:t>
             </a:r>
-            <a:endParaRPr dirty="0"/>
           </a:p>
           <a:p>
             <a:pPr lvl="1"/>
@@ -12283,7 +12362,6 @@
               <a:rPr dirty="0"/>
               <a:t> provides virtualization services</a:t>
             </a:r>
-            <a:endParaRPr dirty="0"/>
           </a:p>
         </p:txBody>
       </p:sp>
@@ -12304,7 +12382,14 @@
         <p:cNvGrpSpPr/>
         <p:nvPr/>
       </p:nvGrpSpPr>
-      <p:grpSpPr/>
+      <p:grpSpPr>
+        <a:xfrm>
+          <a:off x="0" y="0"/>
+          <a:ext cx="0" cy="0"/>
+          <a:chOff x="0" y="0"/>
+          <a:chExt cx="0" cy="0"/>
+        </a:xfrm>
+      </p:grpSpPr>
       <p:sp>
         <p:nvSpPr>
           <p:cNvPr id="54274" name="Rectangle 2"/>
@@ -12324,13 +12409,13 @@
         </p:spPr>
         <p:txBody>
           <a:bodyPr vert="horz" wrap="square" lIns="91440" tIns="45720" rIns="91440" bIns="45720" anchor="b" anchorCtr="0"/>
+          <a:lstStyle/>
           <a:p>
             <a:pPr eaLnBrk="1" hangingPunct="1"/>
             <a:r>
               <a:rPr sz="2800" dirty="0"/>
               <a:t>Computing Environments - Virtualization</a:t>
             </a:r>
-            <a:endParaRPr sz="2800" dirty="0"/>
           </a:p>
         </p:txBody>
       </p:sp>
@@ -12353,12 +12438,12 @@
         </p:spPr>
         <p:txBody>
           <a:bodyPr vert="horz" wrap="square" lIns="91440" tIns="45720" rIns="91440" bIns="45720" anchor="t" anchorCtr="0"/>
+          <a:lstStyle/>
           <a:p>
             <a:r>
               <a:rPr dirty="0"/>
               <a:t>Use cases involve laptops and desktops running multiple OSes for exploration or compatibility</a:t>
             </a:r>
-            <a:endParaRPr dirty="0"/>
           </a:p>
           <a:p>
             <a:pPr lvl="1"/>
@@ -12366,7 +12451,6 @@
               <a:rPr dirty="0"/>
               <a:t>Apple laptop running Mac OS X host, Windows as a guest</a:t>
             </a:r>
-            <a:endParaRPr dirty="0"/>
           </a:p>
           <a:p>
             <a:pPr lvl="1"/>
@@ -12374,7 +12458,6 @@
               <a:rPr dirty="0"/>
               <a:t>Developing apps for multiple OSes without having multiple systems</a:t>
             </a:r>
-            <a:endParaRPr dirty="0"/>
           </a:p>
           <a:p>
             <a:pPr lvl="1"/>
@@ -12382,7 +12465,6 @@
               <a:rPr dirty="0"/>
               <a:t>QA testing applications without having multiple systems</a:t>
             </a:r>
-            <a:endParaRPr dirty="0"/>
           </a:p>
           <a:p>
             <a:pPr lvl="1"/>
@@ -12390,14 +12472,12 @@
               <a:rPr dirty="0"/>
               <a:t>Executing and managing compute environments within data centers</a:t>
             </a:r>
-            <a:endParaRPr dirty="0"/>
           </a:p>
           <a:p>
             <a:r>
               <a:rPr dirty="0"/>
               <a:t>VMM can run natively, in which case they are also the host</a:t>
             </a:r>
-            <a:endParaRPr dirty="0"/>
           </a:p>
           <a:p>
             <a:pPr lvl="1"/>
@@ -12405,7 +12485,6 @@
               <a:rPr dirty="0"/>
               <a:t>There is no general purpose host then (VMware ESX and Citrix XenServer)</a:t>
             </a:r>
-            <a:endParaRPr dirty="0"/>
           </a:p>
           <a:p>
             <a:pPr lvl="2"/>
@@ -12430,7 +12509,14 @@
         <p:cNvGrpSpPr/>
         <p:nvPr/>
       </p:nvGrpSpPr>
-      <p:grpSpPr/>
+      <p:grpSpPr>
+        <a:xfrm>
+          <a:off x="0" y="0"/>
+          <a:ext cx="0" cy="0"/>
+          <a:chOff x="0" y="0"/>
+          <a:chExt cx="0" cy="0"/>
+        </a:xfrm>
+      </p:grpSpPr>
       <p:sp>
         <p:nvSpPr>
           <p:cNvPr id="55298" name="Rectangle 2"/>
@@ -12450,13 +12536,13 @@
         </p:spPr>
         <p:txBody>
           <a:bodyPr vert="horz" wrap="square" lIns="91440" tIns="45720" rIns="91440" bIns="45720" anchor="b" anchorCtr="0"/>
+          <a:lstStyle/>
           <a:p>
             <a:pPr eaLnBrk="1" hangingPunct="1"/>
             <a:r>
               <a:rPr sz="2800" dirty="0"/>
               <a:t>Computing Environments - Virtualization</a:t>
             </a:r>
-            <a:endParaRPr sz="2800" dirty="0"/>
           </a:p>
         </p:txBody>
       </p:sp>
@@ -12469,7 +12555,7 @@
           <p:nvPr/>
         </p:nvPicPr>
         <p:blipFill>
-          <a:blip r:embed="rId1"/>
+          <a:blip r:embed="rId3"/>
           <a:stretch>
             <a:fillRect/>
           </a:stretch>
@@ -12505,7 +12591,14 @@
         <p:cNvGrpSpPr/>
         <p:nvPr/>
       </p:nvGrpSpPr>
-      <p:grpSpPr/>
+      <p:grpSpPr>
+        <a:xfrm>
+          <a:off x="0" y="0"/>
+          <a:ext cx="0" cy="0"/>
+          <a:chOff x="0" y="0"/>
+          <a:chExt cx="0" cy="0"/>
+        </a:xfrm>
+      </p:grpSpPr>
       <p:sp>
         <p:nvSpPr>
           <p:cNvPr id="6146" name="Rectangle 2"/>
@@ -12525,13 +12618,13 @@
         </p:spPr>
         <p:txBody>
           <a:bodyPr vert="horz" wrap="square" lIns="91440" tIns="45720" rIns="91440" bIns="45720" anchor="b" anchorCtr="0"/>
+          <a:lstStyle/>
           <a:p>
             <a:pPr eaLnBrk="1" hangingPunct="1"/>
             <a:r>
               <a:rPr dirty="0"/>
               <a:t>What is an Operating System?</a:t>
             </a:r>
-            <a:endParaRPr dirty="0"/>
           </a:p>
         </p:txBody>
       </p:sp>
@@ -12554,22 +12647,21 @@
         </p:spPr>
         <p:txBody>
           <a:bodyPr vert="horz" wrap="square" lIns="91440" tIns="45720" rIns="91440" bIns="45720" anchor="t" anchorCtr="0"/>
+          <a:lstStyle/>
           <a:p>
             <a:r>
               <a:rPr dirty="0"/>
               <a:t>A program that acts as an intermediary between a user of a computer and the computer hardware</a:t>
             </a:r>
+          </a:p>
+          <a:p>
             <a:endParaRPr dirty="0"/>
           </a:p>
           <a:p>
-            <a:endParaRPr dirty="0"/>
-          </a:p>
-          <a:p>
             <a:r>
               <a:rPr dirty="0"/>
               <a:t>Operating system goals:</a:t>
             </a:r>
-            <a:endParaRPr dirty="0"/>
           </a:p>
           <a:p>
             <a:pPr lvl="1"/>
@@ -12577,7 +12669,6 @@
               <a:rPr dirty="0"/>
               <a:t>Execute user programs and make solving user problems easier</a:t>
             </a:r>
-            <a:endParaRPr dirty="0"/>
           </a:p>
           <a:p>
             <a:pPr lvl="1"/>
@@ -12585,7 +12676,6 @@
               <a:rPr dirty="0"/>
               <a:t>Make the computer system convenient to use</a:t>
             </a:r>
-            <a:endParaRPr dirty="0"/>
           </a:p>
           <a:p>
             <a:pPr lvl="1"/>
@@ -12593,7 +12683,6 @@
               <a:rPr dirty="0"/>
               <a:t>Use the computer hardware in an efficient manner</a:t>
             </a:r>
-            <a:endParaRPr dirty="0"/>
           </a:p>
         </p:txBody>
       </p:sp>
@@ -12614,7 +12703,14 @@
         <p:cNvGrpSpPr/>
         <p:nvPr/>
       </p:nvGrpSpPr>
-      <p:grpSpPr/>
+      <p:grpSpPr>
+        <a:xfrm>
+          <a:off x="0" y="0"/>
+          <a:ext cx="0" cy="0"/>
+          <a:chOff x="0" y="0"/>
+          <a:chExt cx="0" cy="0"/>
+        </a:xfrm>
+      </p:grpSpPr>
       <p:sp>
         <p:nvSpPr>
           <p:cNvPr id="56322" name="Rectangle 2"/>
@@ -12634,13 +12730,13 @@
         </p:spPr>
         <p:txBody>
           <a:bodyPr vert="horz" wrap="square" lIns="91440" tIns="45720" rIns="91440" bIns="45720" anchor="b" anchorCtr="0"/>
+          <a:lstStyle/>
           <a:p>
             <a:pPr eaLnBrk="1" hangingPunct="1"/>
             <a:r>
               <a:rPr sz="2400" dirty="0"/>
               <a:t>Computing Environments – Cloud Computing</a:t>
             </a:r>
-            <a:endParaRPr sz="2400" dirty="0"/>
           </a:p>
         </p:txBody>
       </p:sp>
@@ -12663,19 +12759,18 @@
         </p:spPr>
         <p:txBody>
           <a:bodyPr vert="horz" wrap="square" lIns="91440" tIns="45720" rIns="91440" bIns="45720" anchor="t" anchorCtr="0"/>
+          <a:lstStyle/>
           <a:p>
             <a:r>
               <a:rPr dirty="0"/>
               <a:t>Delivers computing, storage, even apps as a service across a network</a:t>
             </a:r>
-            <a:endParaRPr dirty="0"/>
           </a:p>
           <a:p>
             <a:r>
               <a:rPr dirty="0"/>
               <a:t>Logical extension of virtualization as based on virtualization</a:t>
             </a:r>
-            <a:endParaRPr dirty="0"/>
           </a:p>
           <a:p>
             <a:pPr lvl="1"/>
@@ -12702,7 +12797,6 @@
               <a:rPr dirty="0"/>
               <a:t>Many types</a:t>
             </a:r>
-            <a:endParaRPr dirty="0"/>
           </a:p>
           <a:p>
             <a:pPr lvl="1"/>
@@ -12718,7 +12812,6 @@
               <a:rPr dirty="0"/>
               <a:t>– available via Internet to anyone willing to pay</a:t>
             </a:r>
-            <a:endParaRPr dirty="0"/>
           </a:p>
           <a:p>
             <a:pPr lvl="1"/>
@@ -12742,7 +12835,6 @@
               <a:rPr dirty="0"/>
               <a:t>s own use</a:t>
             </a:r>
-            <a:endParaRPr dirty="0"/>
           </a:p>
           <a:p>
             <a:pPr lvl="1"/>
@@ -12758,7 +12850,6 @@
               <a:rPr dirty="0"/>
               <a:t>– includes both public and private cloud components</a:t>
             </a:r>
-            <a:endParaRPr dirty="0"/>
           </a:p>
           <a:p>
             <a:pPr lvl="1"/>
@@ -12778,7 +12869,6 @@
               <a:rPr dirty="0"/>
               <a:t>) – one or more applications available via the Internet (i.e. word processor)</a:t>
             </a:r>
-            <a:endParaRPr dirty="0"/>
           </a:p>
           <a:p>
             <a:pPr lvl="1"/>
@@ -12798,7 +12888,6 @@
               <a:rPr dirty="0"/>
               <a:t>) – software stack ready for application use via the Internet (i.e a database server)</a:t>
             </a:r>
-            <a:endParaRPr dirty="0"/>
           </a:p>
           <a:p>
             <a:pPr lvl="1"/>
@@ -12818,7 +12907,6 @@
               <a:rPr dirty="0"/>
               <a:t>) – servers or storage available over Internet (i.e. storage available for backup use)</a:t>
             </a:r>
-            <a:endParaRPr dirty="0"/>
           </a:p>
         </p:txBody>
       </p:sp>
@@ -12839,7 +12927,14 @@
         <p:cNvGrpSpPr/>
         <p:nvPr/>
       </p:nvGrpSpPr>
-      <p:grpSpPr/>
+      <p:grpSpPr>
+        <a:xfrm>
+          <a:off x="0" y="0"/>
+          <a:ext cx="0" cy="0"/>
+          <a:chOff x="0" y="0"/>
+          <a:chExt cx="0" cy="0"/>
+        </a:xfrm>
+      </p:grpSpPr>
       <p:sp>
         <p:nvSpPr>
           <p:cNvPr id="57346" name="Rectangle 2"/>
@@ -12859,13 +12954,13 @@
         </p:spPr>
         <p:txBody>
           <a:bodyPr vert="horz" wrap="square" lIns="91440" tIns="45720" rIns="91440" bIns="45720" anchor="b" anchorCtr="0"/>
+          <a:lstStyle/>
           <a:p>
             <a:pPr eaLnBrk="1" hangingPunct="1"/>
             <a:r>
               <a:rPr sz="2400" dirty="0"/>
               <a:t>Computing Environments – Cloud Computing</a:t>
             </a:r>
-            <a:endParaRPr sz="2400" dirty="0"/>
           </a:p>
         </p:txBody>
       </p:sp>
@@ -12888,12 +12983,12 @@
         </p:spPr>
         <p:txBody>
           <a:bodyPr vert="horz" wrap="square" lIns="91440" tIns="45720" rIns="91440" bIns="45720" anchor="t" anchorCtr="0"/>
+          <a:lstStyle/>
           <a:p>
             <a:r>
               <a:rPr dirty="0"/>
               <a:t>Cloud compute environments composed of traditional OSes, plus VMMs, plus cloud management tools</a:t>
             </a:r>
-            <a:endParaRPr dirty="0"/>
           </a:p>
           <a:p>
             <a:pPr lvl="1"/>
@@ -12909,7 +13004,6 @@
               <a:rPr dirty="0"/>
               <a:t>Load balancers spread traffic across multiple applications</a:t>
             </a:r>
-            <a:endParaRPr dirty="0"/>
           </a:p>
         </p:txBody>
       </p:sp>
@@ -12922,7 +13016,7 @@
           <p:nvPr/>
         </p:nvPicPr>
         <p:blipFill>
-          <a:blip r:embed="rId1"/>
+          <a:blip r:embed="rId3"/>
           <a:stretch>
             <a:fillRect/>
           </a:stretch>
@@ -12958,7 +13052,14 @@
         <p:cNvGrpSpPr/>
         <p:nvPr/>
       </p:nvGrpSpPr>
-      <p:grpSpPr/>
+      <p:grpSpPr>
+        <a:xfrm>
+          <a:off x="0" y="0"/>
+          <a:ext cx="0" cy="0"/>
+          <a:chOff x="0" y="0"/>
+          <a:chExt cx="0" cy="0"/>
+        </a:xfrm>
+      </p:grpSpPr>
       <p:sp>
         <p:nvSpPr>
           <p:cNvPr id="58370" name="Title 1"/>
@@ -12974,12 +13075,12 @@
         </p:spPr>
         <p:txBody>
           <a:bodyPr vert="horz" wrap="square" lIns="91440" tIns="45720" rIns="91440" bIns="45720" anchor="b" anchorCtr="0"/>
+          <a:lstStyle/>
           <a:p>
             <a:r>
               <a:rPr sz="2000" dirty="0"/>
               <a:t>Computing Environments – Real-Time Embedded Systems</a:t>
             </a:r>
-            <a:endParaRPr sz="2000" dirty="0"/>
           </a:p>
         </p:txBody>
       </p:sp>
@@ -12998,65 +13099,71 @@
         </p:spPr>
         <p:txBody>
           <a:bodyPr vert="horz" wrap="square" lIns="91440" tIns="45720" rIns="91440" bIns="45720" anchor="t" anchorCtr="0"/>
-          <a:p>
+          <a:lstStyle/>
+          <a:p>
+            <a:endParaRPr lang="en-US" dirty="0"/>
+          </a:p>
+          <a:p>
+            <a:endParaRPr lang="en-US" dirty="0"/>
+          </a:p>
+          <a:p>
+            <a:endParaRPr lang="en-US" dirty="0"/>
+          </a:p>
+          <a:p>
+            <a:endParaRPr lang="en-US" dirty="0"/>
+          </a:p>
+          <a:p>
+            <a:pPr lvl="1"/>
             <a:r>
               <a:rPr dirty="0"/>
               <a:t>Real-time embedded systems most prevalent form of computers</a:t>
             </a:r>
-            <a:endParaRPr dirty="0"/>
+          </a:p>
+          <a:p>
+            <a:pPr lvl="2"/>
+            <a:r>
+              <a:rPr dirty="0"/>
+              <a:t>Vary considerable, special purpose, limited purpose OS, </a:t>
+            </a:r>
+            <a:r>
+              <a:rPr b="1" dirty="0">
+                <a:solidFill>
+                  <a:srgbClr val="3366FF"/>
+                </a:solidFill>
+              </a:rPr>
+              <a:t>real-time OS</a:t>
+            </a:r>
+          </a:p>
+          <a:p>
+            <a:pPr lvl="2"/>
+            <a:r>
+              <a:rPr dirty="0"/>
+              <a:t>Use expanding</a:t>
+            </a:r>
           </a:p>
           <a:p>
             <a:pPr lvl="1"/>
             <a:r>
               <a:rPr dirty="0"/>
-              <a:t>Vary considerable, special purpose, limited purpose OS, </a:t>
-            </a:r>
-            <a:r>
-              <a:rPr b="1" dirty="0">
-                <a:solidFill>
-                  <a:srgbClr val="3366FF"/>
-                </a:solidFill>
-              </a:rPr>
-              <a:t>real-time OS</a:t>
-            </a:r>
-            <a:endParaRPr b="1" dirty="0">
-              <a:solidFill>
-                <a:srgbClr val="3366FF"/>
-              </a:solidFill>
-            </a:endParaRPr>
+              <a:t>Many other special computing environments as well</a:t>
+            </a:r>
+          </a:p>
+          <a:p>
+            <a:pPr lvl="2"/>
+            <a:r>
+              <a:rPr dirty="0"/>
+              <a:t>Some have OSes, some perform tasks without an OS</a:t>
+            </a:r>
           </a:p>
           <a:p>
             <a:pPr lvl="1"/>
             <a:r>
               <a:rPr dirty="0"/>
-              <a:t>Use expanding</a:t>
-            </a:r>
-            <a:endParaRPr dirty="0"/>
-          </a:p>
-          <a:p>
-            <a:r>
-              <a:rPr dirty="0"/>
-              <a:t>Many other special computing environments as well</a:t>
-            </a:r>
-            <a:endParaRPr dirty="0"/>
-          </a:p>
-          <a:p>
-            <a:pPr lvl="1"/>
-            <a:r>
-              <a:rPr dirty="0"/>
-              <a:t>Some have OSes, some perform tasks without an OS</a:t>
-            </a:r>
-            <a:endParaRPr dirty="0"/>
-          </a:p>
-          <a:p>
-            <a:r>
-              <a:rPr dirty="0"/>
               <a:t>Real-time OS has well-defined fixed time constraints</a:t>
             </a:r>
-            <a:endParaRPr dirty="0"/>
-          </a:p>
-          <a:p>
-            <a:pPr lvl="1"/>
+          </a:p>
+          <a:p>
+            <a:pPr lvl="2"/>
             <a:r>
               <a:rPr dirty="0"/>
               <a:t>Processing </a:t>
@@ -13069,15 +13176,13 @@
               <a:rPr dirty="0"/>
               <a:t> be done within constraint</a:t>
             </a:r>
-            <a:endParaRPr dirty="0"/>
-          </a:p>
-          <a:p>
-            <a:pPr lvl="1"/>
+          </a:p>
+          <a:p>
+            <a:pPr lvl="2"/>
             <a:r>
               <a:rPr dirty="0"/>
               <a:t>Correct operation only if constraints met</a:t>
             </a:r>
-            <a:endParaRPr dirty="0"/>
           </a:p>
           <a:p>
             <a:pPr lvl="1"/>
@@ -13102,7 +13207,14 @@
         <p:cNvGrpSpPr/>
         <p:nvPr/>
       </p:nvGrpSpPr>
-      <p:grpSpPr/>
+      <p:grpSpPr>
+        <a:xfrm>
+          <a:off x="0" y="0"/>
+          <a:ext cx="0" cy="0"/>
+          <a:chOff x="0" y="0"/>
+          <a:chExt cx="0" cy="0"/>
+        </a:xfrm>
+      </p:grpSpPr>
       <p:sp>
         <p:nvSpPr>
           <p:cNvPr id="59394" name="Title 1"/>
@@ -13122,12 +13234,12 @@
         </p:spPr>
         <p:txBody>
           <a:bodyPr vert="horz" wrap="square" lIns="91440" tIns="45720" rIns="91440" bIns="45720" anchor="b" anchorCtr="0"/>
+          <a:lstStyle/>
           <a:p>
             <a:r>
               <a:rPr dirty="0"/>
               <a:t>Open-Source Operating Systems</a:t>
             </a:r>
-            <a:endParaRPr dirty="0"/>
           </a:p>
         </p:txBody>
       </p:sp>
@@ -13150,6 +13262,7 @@
         </p:spPr>
         <p:txBody>
           <a:bodyPr vert="horz" wrap="square" lIns="91440" tIns="45720" rIns="91440" bIns="45720" anchor="t" anchorCtr="0"/>
+          <a:lstStyle/>
           <a:p>
             <a:r>
               <a:rPr dirty="0"/>
@@ -13163,11 +13276,6 @@
               </a:rPr>
               <a:t>closed-source</a:t>
             </a:r>
-            <a:endParaRPr b="1" dirty="0">
-              <a:solidFill>
-                <a:srgbClr val="3366FF"/>
-              </a:solidFill>
-            </a:endParaRPr>
           </a:p>
           <a:p>
             <a:endParaRPr sz="800" b="1" dirty="0">
@@ -13229,11 +13337,6 @@
               </a:rPr>
               <a:t>movement</a:t>
             </a:r>
-            <a:endParaRPr dirty="0">
-              <a:solidFill>
-                <a:srgbClr val="000000"/>
-              </a:solidFill>
-            </a:endParaRPr>
           </a:p>
           <a:p>
             <a:endParaRPr sz="800" dirty="0">
@@ -13307,11 +13410,6 @@
               </a:rPr>
               <a:t>GNU Public License (GPL)</a:t>
             </a:r>
-            <a:endParaRPr lang="en-US" altLang="ja-JP" b="1" dirty="0">
-              <a:solidFill>
-                <a:srgbClr val="3366FF"/>
-              </a:solidFill>
-            </a:endParaRPr>
           </a:p>
           <a:p>
             <a:endParaRPr sz="800" b="1" dirty="0">
@@ -13381,11 +13479,6 @@
               </a:rPr>
               <a:t>), and many more</a:t>
             </a:r>
-            <a:endParaRPr dirty="0">
-              <a:solidFill>
-                <a:srgbClr val="000000"/>
-              </a:solidFill>
-            </a:endParaRPr>
           </a:p>
           <a:p>
             <a:r>
@@ -13400,7 +13493,6 @@
               <a:rPr dirty="0"/>
               <a:t>http://www.virtualbox.com) </a:t>
             </a:r>
-            <a:endParaRPr dirty="0"/>
           </a:p>
           <a:p>
             <a:pPr lvl="1"/>
@@ -13412,11 +13504,6 @@
               </a:rPr>
               <a:t>Use to run guest operating systems for exploration</a:t>
             </a:r>
-            <a:endParaRPr dirty="0">
-              <a:solidFill>
-                <a:srgbClr val="000000"/>
-              </a:solidFill>
-            </a:endParaRPr>
           </a:p>
         </p:txBody>
       </p:sp>
@@ -13437,7 +13524,14 @@
         <p:cNvGrpSpPr/>
         <p:nvPr/>
       </p:nvGrpSpPr>
-      <p:grpSpPr/>
+      <p:grpSpPr>
+        <a:xfrm>
+          <a:off x="0" y="0"/>
+          <a:ext cx="0" cy="0"/>
+          <a:chOff x="0" y="0"/>
+          <a:chExt cx="0" cy="0"/>
+        </a:xfrm>
+      </p:grpSpPr>
       <p:sp>
         <p:nvSpPr>
           <p:cNvPr id="60418" name="Rectangle 2"/>
@@ -13453,6 +13547,7 @@
         </p:spPr>
         <p:txBody>
           <a:bodyPr vert="horz" wrap="square" lIns="91440" tIns="45720" rIns="91440" bIns="45720" anchor="b" anchorCtr="0"/>
+          <a:lstStyle/>
           <a:p>
             <a:pPr eaLnBrk="1" hangingPunct="1">
               <a:buClrTx/>
@@ -13467,11 +13562,6 @@
               </a:rPr>
               <a:t>End of Chapter 1</a:t>
             </a:r>
-            <a:endParaRPr dirty="0">
-              <a:latin typeface="+mj-lt"/>
-              <a:ea typeface="MS PGothic" panose="020B0600070205080204" pitchFamily="34" charset="-128"/>
-              <a:cs typeface="MS PGothic" panose="020B0600070205080204" pitchFamily="34" charset="-128"/>
-            </a:endParaRPr>
           </a:p>
         </p:txBody>
       </p:sp>
@@ -13495,6 +13585,7 @@
           <a:bodyPr wrap="square" rtlCol="0">
             <a:spAutoFit/>
           </a:bodyPr>
+          <a:lstStyle/>
           <a:p>
             <a:endParaRPr lang="en-US">
               <a:solidFill>
@@ -13524,6 +13615,7 @@
           <a:bodyPr wrap="square" rtlCol="0">
             <a:noAutofit/>
           </a:bodyPr>
+          <a:lstStyle/>
           <a:p>
             <a:r>
               <a:rPr lang="en-US">
@@ -13562,7 +13654,14 @@
         <p:cNvGrpSpPr/>
         <p:nvPr/>
       </p:nvGrpSpPr>
-      <p:grpSpPr/>
+      <p:grpSpPr>
+        <a:xfrm>
+          <a:off x="0" y="0"/>
+          <a:ext cx="0" cy="0"/>
+          <a:chOff x="0" y="0"/>
+          <a:chExt cx="0" cy="0"/>
+        </a:xfrm>
+      </p:grpSpPr>
       <p:sp>
         <p:nvSpPr>
           <p:cNvPr id="7170" name="Rectangle 2"/>
@@ -13582,13 +13681,13 @@
         </p:spPr>
         <p:txBody>
           <a:bodyPr vert="horz" wrap="square" lIns="91440" tIns="45720" rIns="91440" bIns="45720" anchor="b" anchorCtr="0"/>
+          <a:lstStyle/>
           <a:p>
             <a:pPr eaLnBrk="1" hangingPunct="1"/>
             <a:r>
               <a:rPr dirty="0"/>
               <a:t>Computer System Structure</a:t>
             </a:r>
-            <a:endParaRPr dirty="0"/>
           </a:p>
         </p:txBody>
       </p:sp>
@@ -13611,12 +13710,12 @@
         </p:spPr>
         <p:txBody>
           <a:bodyPr vert="horz" wrap="square" lIns="91440" tIns="45720" rIns="91440" bIns="45720" anchor="t" anchorCtr="0"/>
+          <a:lstStyle/>
           <a:p>
             <a:r>
               <a:rPr dirty="0"/>
               <a:t>Computer system can be divided into four components:</a:t>
             </a:r>
-            <a:endParaRPr dirty="0"/>
           </a:p>
           <a:p>
             <a:pPr lvl="1"/>
@@ -13624,7 +13723,6 @@
               <a:rPr dirty="0"/>
               <a:t>Hardware – provides basic computing resources</a:t>
             </a:r>
-            <a:endParaRPr dirty="0"/>
           </a:p>
           <a:p>
             <a:pPr lvl="2"/>
@@ -13632,7 +13730,6 @@
               <a:rPr dirty="0"/>
               <a:t>CPU, memory, I/O devices</a:t>
             </a:r>
-            <a:endParaRPr dirty="0"/>
           </a:p>
           <a:p>
             <a:pPr lvl="1"/>
@@ -13640,7 +13737,6 @@
               <a:rPr dirty="0"/>
               <a:t>Operating system</a:t>
             </a:r>
-            <a:endParaRPr dirty="0"/>
           </a:p>
           <a:p>
             <a:pPr lvl="2"/>
@@ -13648,7 +13744,6 @@
               <a:rPr dirty="0"/>
               <a:t>Controls and coordinates use of hardware among various applications and users</a:t>
             </a:r>
-            <a:endParaRPr dirty="0"/>
           </a:p>
           <a:p>
             <a:pPr lvl="1"/>
@@ -13656,7 +13751,6 @@
               <a:rPr dirty="0"/>
               <a:t>Application programs – define the ways in which the system resources are used to solve the computing problems of the users</a:t>
             </a:r>
-            <a:endParaRPr dirty="0"/>
           </a:p>
           <a:p>
             <a:pPr lvl="2"/>
@@ -13664,7 +13758,6 @@
               <a:rPr dirty="0"/>
               <a:t>Word processors, compilers, web browsers, database systems, video games</a:t>
             </a:r>
-            <a:endParaRPr dirty="0"/>
           </a:p>
           <a:p>
             <a:pPr lvl="1"/>
@@ -13672,7 +13765,6 @@
               <a:rPr dirty="0"/>
               <a:t>Users</a:t>
             </a:r>
-            <a:endParaRPr dirty="0"/>
           </a:p>
           <a:p>
             <a:pPr lvl="2"/>
@@ -13680,7 +13772,6 @@
               <a:rPr dirty="0"/>
               <a:t>People, machines, other computers</a:t>
             </a:r>
-            <a:endParaRPr dirty="0"/>
           </a:p>
         </p:txBody>
       </p:sp>
@@ -13701,7 +13792,14 @@
         <p:cNvGrpSpPr/>
         <p:nvPr/>
       </p:nvGrpSpPr>
-      <p:grpSpPr/>
+      <p:grpSpPr>
+        <a:xfrm>
+          <a:off x="0" y="0"/>
+          <a:ext cx="0" cy="0"/>
+          <a:chOff x="0" y="0"/>
+          <a:chExt cx="0" cy="0"/>
+        </a:xfrm>
+      </p:grpSpPr>
       <p:sp>
         <p:nvSpPr>
           <p:cNvPr id="8194" name="Rectangle 2"/>
@@ -13721,13 +13819,13 @@
         </p:spPr>
         <p:txBody>
           <a:bodyPr vert="horz" wrap="square" lIns="91440" tIns="45720" rIns="91440" bIns="45720" anchor="b" anchorCtr="0"/>
+          <a:lstStyle/>
           <a:p>
             <a:pPr eaLnBrk="1" hangingPunct="1"/>
             <a:r>
               <a:rPr sz="2800" dirty="0"/>
               <a:t>Four Components of a Computer System</a:t>
             </a:r>
-            <a:endParaRPr sz="2800" dirty="0"/>
           </a:p>
         </p:txBody>
       </p:sp>
@@ -13740,7 +13838,7 @@
           <p:nvPr/>
         </p:nvPicPr>
         <p:blipFill>
-          <a:blip r:embed="rId1"/>
+          <a:blip r:embed="rId3"/>
           <a:stretch>
             <a:fillRect/>
           </a:stretch>
@@ -13776,7 +13874,14 @@
         <p:cNvGrpSpPr/>
         <p:nvPr/>
       </p:nvGrpSpPr>
-      <p:grpSpPr/>
+      <p:grpSpPr>
+        <a:xfrm>
+          <a:off x="0" y="0"/>
+          <a:ext cx="0" cy="0"/>
+          <a:chOff x="0" y="0"/>
+          <a:chExt cx="0" cy="0"/>
+        </a:xfrm>
+      </p:grpSpPr>
       <p:sp>
         <p:nvSpPr>
           <p:cNvPr id="9218" name="Title 1"/>
@@ -13792,12 +13897,12 @@
         </p:spPr>
         <p:txBody>
           <a:bodyPr vert="horz" wrap="square" lIns="91440" tIns="45720" rIns="91440" bIns="45720" anchor="b" anchorCtr="0"/>
+          <a:lstStyle/>
           <a:p>
             <a:r>
               <a:rPr dirty="0"/>
               <a:t>What Operating Systems Do</a:t>
             </a:r>
-            <a:endParaRPr dirty="0"/>
           </a:p>
         </p:txBody>
       </p:sp>
@@ -13816,14 +13921,28 @@
         </p:spPr>
         <p:txBody>
           <a:bodyPr vert="horz" wrap="square" lIns="91440" tIns="45720" rIns="91440" bIns="45720" anchor="t" anchorCtr="0"/>
-          <a:p>
+          <a:lstStyle/>
+          <a:p>
+            <a:endParaRPr lang="en-US" dirty="0"/>
+          </a:p>
+          <a:p>
+            <a:endParaRPr lang="en-US" dirty="0"/>
+          </a:p>
+          <a:p>
+            <a:endParaRPr lang="en-US" dirty="0"/>
+          </a:p>
+          <a:p>
+            <a:endParaRPr lang="en-US" dirty="0"/>
+          </a:p>
+          <a:p>
+            <a:pPr lvl="1"/>
             <a:r>
               <a:rPr dirty="0"/>
               <a:t>Depends on the point of view</a:t>
             </a:r>
-            <a:endParaRPr dirty="0"/>
-          </a:p>
-          <a:p>
+          </a:p>
+          <a:p>
+            <a:pPr lvl="1"/>
             <a:r>
               <a:rPr dirty="0"/>
               <a:t>Users want convenience, </a:t>
@@ -13868,11 +13987,6 @@
               </a:rPr>
               <a:t>use</a:t>
             </a:r>
-            <a:endParaRPr b="1" dirty="0">
-              <a:solidFill>
-                <a:srgbClr val="3366FF"/>
-              </a:solidFill>
-            </a:endParaRPr>
           </a:p>
           <a:p>
             <a:pPr lvl="1"/>
@@ -13912,13 +14026,9 @@
               </a:rPr>
               <a:t>utilization</a:t>
             </a:r>
-            <a:endParaRPr lang="en-US" altLang="ja-JP" b="1" dirty="0">
-              <a:solidFill>
-                <a:srgbClr val="3366FF"/>
-              </a:solidFill>
-            </a:endParaRPr>
-          </a:p>
-          <a:p>
+          </a:p>
+          <a:p>
+            <a:pPr lvl="1"/>
             <a:r>
               <a:rPr dirty="0"/>
               <a:t>But shared computer such as </a:t>
@@ -13945,11 +14055,21 @@
             </a:r>
             <a:r>
               <a:rPr dirty="0"/>
-              <a:t> must keep all users happy</a:t>
-            </a:r>
-            <a:endParaRPr dirty="0"/>
-          </a:p>
-          <a:p>
+              <a:t> must keep all </a:t>
+            </a:r>
+            <a:endParaRPr lang="en-US" dirty="0"/>
+          </a:p>
+          <a:p>
+            <a:pPr marL="457200" lvl="1" indent="0">
+              <a:buNone/>
+            </a:pPr>
+            <a:r>
+              <a:rPr dirty="0"/>
+              <a:t>users happy</a:t>
+            </a:r>
+          </a:p>
+          <a:p>
+            <a:pPr lvl="1"/>
             <a:r>
               <a:rPr dirty="0"/>
               <a:t>Users of dedicate systems such as </a:t>
@@ -13964,7 +14084,17 @@
             </a:r>
             <a:r>
               <a:rPr dirty="0"/>
-              <a:t> have dedicated resources but frequently use shared resources from </a:t>
+              <a:t> have dedicated resources but</a:t>
+            </a:r>
+            <a:endParaRPr lang="en-US" dirty="0"/>
+          </a:p>
+          <a:p>
+            <a:pPr marL="457200" lvl="1" indent="0">
+              <a:buNone/>
+            </a:pPr>
+            <a:r>
+              <a:rPr dirty="0"/>
+              <a:t>frequently use shared resources from </a:t>
             </a:r>
             <a:r>
               <a:rPr b="1" dirty="0">
@@ -13974,13 +14104,9 @@
               </a:rPr>
               <a:t>servers</a:t>
             </a:r>
-            <a:endParaRPr b="1" dirty="0">
-              <a:solidFill>
-                <a:srgbClr val="3366FF"/>
-              </a:solidFill>
-            </a:endParaRPr>
-          </a:p>
-          <a:p>
+          </a:p>
+          <a:p>
+            <a:pPr lvl="1"/>
             <a:r>
               <a:rPr dirty="0">
                 <a:solidFill>
@@ -13989,26 +14115,35 @@
               </a:rPr>
               <a:t>Handheld computers are resource poor,  optimized for usability and battery life</a:t>
             </a:r>
-            <a:endParaRPr dirty="0">
+          </a:p>
+          <a:p>
+            <a:pPr lvl="1"/>
+            <a:r>
+              <a:rPr dirty="0">
+                <a:solidFill>
+                  <a:srgbClr val="000000"/>
+                </a:solidFill>
+              </a:rPr>
+              <a:t>Some computers have little or no user interface, such as embedded computers </a:t>
+            </a:r>
+            <a:endParaRPr lang="en-US" dirty="0">
               <a:solidFill>
                 <a:srgbClr val="000000"/>
               </a:solidFill>
             </a:endParaRPr>
           </a:p>
           <a:p>
+            <a:pPr marL="457200" lvl="1" indent="0">
+              <a:buNone/>
+            </a:pPr>
             <a:r>
               <a:rPr dirty="0">
                 <a:solidFill>
                   <a:srgbClr val="000000"/>
                 </a:solidFill>
               </a:rPr>
-              <a:t>Some computers have little or no user interface, such as embedded computers in devices and automobiles</a:t>
-            </a:r>
-            <a:endParaRPr dirty="0">
-              <a:solidFill>
-                <a:srgbClr val="000000"/>
-              </a:solidFill>
-            </a:endParaRPr>
+              <a:t>in devices and automobiles</a:t>
+            </a:r>
           </a:p>
         </p:txBody>
       </p:sp>
@@ -14029,7 +14164,14 @@
         <p:cNvGrpSpPr/>
         <p:nvPr/>
       </p:nvGrpSpPr>
-      <p:grpSpPr/>
+      <p:grpSpPr>
+        <a:xfrm>
+          <a:off x="0" y="0"/>
+          <a:ext cx="0" cy="0"/>
+          <a:chOff x="0" y="0"/>
+          <a:chExt cx="0" cy="0"/>
+        </a:xfrm>
+      </p:grpSpPr>
       <p:sp>
         <p:nvSpPr>
           <p:cNvPr id="10242" name="Rectangle 2"/>
@@ -14049,13 +14191,13 @@
         </p:spPr>
         <p:txBody>
           <a:bodyPr vert="horz" wrap="square" lIns="91440" tIns="45720" rIns="91440" bIns="45720" anchor="b" anchorCtr="0"/>
+          <a:lstStyle/>
           <a:p>
             <a:pPr eaLnBrk="1" hangingPunct="1"/>
             <a:r>
               <a:rPr dirty="0"/>
               <a:t>Operating System Definition</a:t>
             </a:r>
-            <a:endParaRPr dirty="0"/>
           </a:p>
         </p:txBody>
       </p:sp>
@@ -14078,6 +14220,7 @@
         </p:spPr>
         <p:txBody>
           <a:bodyPr vert="horz" wrap="square" lIns="91440" tIns="45720" rIns="91440" bIns="45720" anchor="t" anchorCtr="0"/>
+          <a:lstStyle/>
           <a:p>
             <a:pPr>
               <a:buNone/>
@@ -14097,11 +14240,6 @@
               </a:rPr>
               <a:t>resource allocator</a:t>
             </a:r>
-            <a:endParaRPr b="1" dirty="0">
-              <a:solidFill>
-                <a:srgbClr val="3366FF"/>
-              </a:solidFill>
-            </a:endParaRPr>
           </a:p>
           <a:p>
             <a:pPr lvl="1"/>
@@ -14109,7 +14247,6 @@
               <a:rPr dirty="0"/>
               <a:t>Manages all resources</a:t>
             </a:r>
-            <a:endParaRPr dirty="0"/>
           </a:p>
           <a:p>
             <a:pPr lvl="1"/>
@@ -14117,7 +14254,6 @@
               <a:rPr dirty="0"/>
               <a:t>Decides between conflicting requests for efficient and fair resource use</a:t>
             </a:r>
-            <a:endParaRPr dirty="0"/>
           </a:p>
           <a:p>
             <a:pPr lvl="1"/>
@@ -14136,11 +14272,6 @@
               </a:rPr>
               <a:t>control program</a:t>
             </a:r>
-            <a:endParaRPr b="1" dirty="0">
-              <a:solidFill>
-                <a:srgbClr val="3366FF"/>
-              </a:solidFill>
-            </a:endParaRPr>
           </a:p>
           <a:p>
             <a:pPr lvl="1"/>
@@ -14148,7 +14279,6 @@
               <a:rPr dirty="0"/>
               <a:t>Controls execution of programs to prevent errors and improper use of the computer</a:t>
             </a:r>
-            <a:endParaRPr dirty="0"/>
           </a:p>
         </p:txBody>
       </p:sp>
@@ -14169,7 +14299,14 @@
         <p:cNvGrpSpPr/>
         <p:nvPr/>
       </p:nvGrpSpPr>
-      <p:grpSpPr/>
+      <p:grpSpPr>
+        <a:xfrm>
+          <a:off x="0" y="0"/>
+          <a:ext cx="0" cy="0"/>
+          <a:chOff x="0" y="0"/>
+          <a:chExt cx="0" cy="0"/>
+        </a:xfrm>
+      </p:grpSpPr>
       <p:sp>
         <p:nvSpPr>
           <p:cNvPr id="11266" name="Rectangle 2"/>
@@ -14189,13 +14326,13 @@
         </p:spPr>
         <p:txBody>
           <a:bodyPr vert="horz" wrap="square" lIns="91440" tIns="45720" rIns="91440" bIns="45720" anchor="b" anchorCtr="0"/>
+          <a:lstStyle/>
           <a:p>
             <a:pPr eaLnBrk="1" hangingPunct="1"/>
             <a:r>
               <a:rPr dirty="0"/>
               <a:t>Operating System Definition (Cont.)</a:t>
             </a:r>
-            <a:endParaRPr dirty="0"/>
           </a:p>
         </p:txBody>
       </p:sp>
@@ -14218,12 +14355,12 @@
         </p:spPr>
         <p:txBody>
           <a:bodyPr vert="horz" wrap="square" lIns="91440" tIns="45720" rIns="91440" bIns="45720" anchor="t" anchorCtr="0"/>
+          <a:lstStyle/>
           <a:p>
             <a:r>
               <a:rPr dirty="0"/>
               <a:t>No universally accepted definition</a:t>
             </a:r>
-            <a:endParaRPr dirty="0"/>
           </a:p>
           <a:p>
             <a:endParaRPr dirty="0"/>
@@ -14245,7 +14382,6 @@
               <a:rPr lang="en-US" altLang="ja-JP" dirty="0"/>
               <a:t> is good approximation</a:t>
             </a:r>
-            <a:endParaRPr lang="en-US" altLang="ja-JP" dirty="0"/>
           </a:p>
           <a:p>
             <a:pPr lvl="1"/>
@@ -14253,7 +14389,6 @@
               <a:rPr dirty="0"/>
               <a:t>But varies wildly</a:t>
             </a:r>
-            <a:endParaRPr dirty="0"/>
           </a:p>
           <a:p>
             <a:pPr lvl="1"/>
@@ -15290,6 +15425,7 @@
       </a:style>
     </a:lnDef>
   </a:objectDefaults>
+  <a:extraClrSchemeLst/>
   <a:extLst>
     <a:ext uri="{05A4C25C-085E-4340-85A3-A5531E510DB2}">
       <thm15:themeFamily xmlns:thm15="http://schemas.microsoft.com/office/thememl/2012/main" name="Office Theme" id="{62F939B6-93AF-4DB8-9C6B-D6C7DFDC589F}" vid="{4A3C46E8-61CC-4603-A589-7422A47A8E4A}"/>
@@ -15612,6 +15748,7 @@
       </a:style>
     </a:lnDef>
   </a:objectDefaults>
+  <a:extraClrSchemeLst/>
   <a:extLst>
     <a:ext uri="{05A4C25C-085E-4340-85A3-A5531E510DB2}">
       <thm15:themeFamily xmlns:thm15="http://schemas.microsoft.com/office/thememl/2012/main" name="Office Theme" id="{62F939B6-93AF-4DB8-9C6B-D6C7DFDC589F}" vid="{4A3C46E8-61CC-4603-A589-7422A47A8E4A}"/>
